--- a/figures.pptx
+++ b/figures.pptx
@@ -15,6 +15,9 @@
     <p:sldId id="265" r:id="rId9"/>
     <p:sldId id="261" r:id="rId10"/>
     <p:sldId id="262" r:id="rId11"/>
+    <p:sldId id="267" r:id="rId12"/>
+    <p:sldId id="268" r:id="rId13"/>
+    <p:sldId id="269" r:id="rId14"/>
   </p:sldIdLst>
   <p:sldSz cx="12192000" cy="6858000"/>
   <p:notesSz cx="6858000" cy="9144000"/>
@@ -122,6 +125,753 @@
 </file>
 
 <file path=ppt/diagrams/colors1.xml><?xml version="1.0" encoding="utf-8"?>
+<dgm:colorsDef xmlns:dgm="http://schemas.openxmlformats.org/drawingml/2006/diagram" xmlns:a="http://schemas.openxmlformats.org/drawingml/2006/main" uniqueId="urn:microsoft.com/office/officeart/2005/8/colors/accent1_2">
+  <dgm:title val=""/>
+  <dgm:desc val=""/>
+  <dgm:catLst>
+    <dgm:cat type="accent1" pri="11200"/>
+  </dgm:catLst>
+  <dgm:styleLbl name="node0">
+    <dgm:fillClrLst meth="repeat">
+      <a:schemeClr val="accent1"/>
+    </dgm:fillClrLst>
+    <dgm:linClrLst meth="repeat">
+      <a:schemeClr val="lt1"/>
+    </dgm:linClrLst>
+    <dgm:effectClrLst/>
+    <dgm:txLinClrLst/>
+    <dgm:txFillClrLst/>
+    <dgm:txEffectClrLst/>
+  </dgm:styleLbl>
+  <dgm:styleLbl name="alignNode1">
+    <dgm:fillClrLst meth="repeat">
+      <a:schemeClr val="accent1"/>
+    </dgm:fillClrLst>
+    <dgm:linClrLst meth="repeat">
+      <a:schemeClr val="accent1"/>
+    </dgm:linClrLst>
+    <dgm:effectClrLst/>
+    <dgm:txLinClrLst/>
+    <dgm:txFillClrLst/>
+    <dgm:txEffectClrLst/>
+  </dgm:styleLbl>
+  <dgm:styleLbl name="node1">
+    <dgm:fillClrLst meth="repeat">
+      <a:schemeClr val="accent1"/>
+    </dgm:fillClrLst>
+    <dgm:linClrLst meth="repeat">
+      <a:schemeClr val="lt1"/>
+    </dgm:linClrLst>
+    <dgm:effectClrLst/>
+    <dgm:txLinClrLst/>
+    <dgm:txFillClrLst/>
+    <dgm:txEffectClrLst/>
+  </dgm:styleLbl>
+  <dgm:styleLbl name="lnNode1">
+    <dgm:fillClrLst meth="repeat">
+      <a:schemeClr val="accent1"/>
+    </dgm:fillClrLst>
+    <dgm:linClrLst meth="repeat">
+      <a:schemeClr val="lt1"/>
+    </dgm:linClrLst>
+    <dgm:effectClrLst/>
+    <dgm:txLinClrLst/>
+    <dgm:txFillClrLst/>
+    <dgm:txEffectClrLst/>
+  </dgm:styleLbl>
+  <dgm:styleLbl name="vennNode1">
+    <dgm:fillClrLst meth="repeat">
+      <a:schemeClr val="accent1">
+        <a:alpha val="50000"/>
+      </a:schemeClr>
+    </dgm:fillClrLst>
+    <dgm:linClrLst meth="repeat">
+      <a:schemeClr val="lt1"/>
+    </dgm:linClrLst>
+    <dgm:effectClrLst/>
+    <dgm:txLinClrLst/>
+    <dgm:txFillClrLst/>
+    <dgm:txEffectClrLst/>
+  </dgm:styleLbl>
+  <dgm:styleLbl name="node2">
+    <dgm:fillClrLst meth="repeat">
+      <a:schemeClr val="accent1"/>
+    </dgm:fillClrLst>
+    <dgm:linClrLst meth="repeat">
+      <a:schemeClr val="lt1"/>
+    </dgm:linClrLst>
+    <dgm:effectClrLst/>
+    <dgm:txLinClrLst/>
+    <dgm:txFillClrLst/>
+    <dgm:txEffectClrLst/>
+  </dgm:styleLbl>
+  <dgm:styleLbl name="node3">
+    <dgm:fillClrLst meth="repeat">
+      <a:schemeClr val="accent1"/>
+    </dgm:fillClrLst>
+    <dgm:linClrLst meth="repeat">
+      <a:schemeClr val="lt1"/>
+    </dgm:linClrLst>
+    <dgm:effectClrLst/>
+    <dgm:txLinClrLst/>
+    <dgm:txFillClrLst/>
+    <dgm:txEffectClrLst/>
+  </dgm:styleLbl>
+  <dgm:styleLbl name="node4">
+    <dgm:fillClrLst meth="repeat">
+      <a:schemeClr val="accent1"/>
+    </dgm:fillClrLst>
+    <dgm:linClrLst meth="repeat">
+      <a:schemeClr val="lt1"/>
+    </dgm:linClrLst>
+    <dgm:effectClrLst/>
+    <dgm:txLinClrLst/>
+    <dgm:txFillClrLst/>
+    <dgm:txEffectClrLst/>
+  </dgm:styleLbl>
+  <dgm:styleLbl name="fgImgPlace1">
+    <dgm:fillClrLst meth="repeat">
+      <a:schemeClr val="accent1">
+        <a:tint val="50000"/>
+      </a:schemeClr>
+    </dgm:fillClrLst>
+    <dgm:linClrLst meth="repeat">
+      <a:schemeClr val="lt1"/>
+    </dgm:linClrLst>
+    <dgm:effectClrLst/>
+    <dgm:txLinClrLst/>
+    <dgm:txFillClrLst meth="repeat">
+      <a:schemeClr val="lt1"/>
+    </dgm:txFillClrLst>
+    <dgm:txEffectClrLst/>
+  </dgm:styleLbl>
+  <dgm:styleLbl name="alignImgPlace1">
+    <dgm:fillClrLst meth="repeat">
+      <a:schemeClr val="accent1">
+        <a:tint val="50000"/>
+      </a:schemeClr>
+    </dgm:fillClrLst>
+    <dgm:linClrLst meth="repeat">
+      <a:schemeClr val="lt1"/>
+    </dgm:linClrLst>
+    <dgm:effectClrLst/>
+    <dgm:txLinClrLst/>
+    <dgm:txFillClrLst meth="repeat">
+      <a:schemeClr val="lt1"/>
+    </dgm:txFillClrLst>
+    <dgm:txEffectClrLst/>
+  </dgm:styleLbl>
+  <dgm:styleLbl name="bgImgPlace1">
+    <dgm:fillClrLst meth="repeat">
+      <a:schemeClr val="accent1">
+        <a:tint val="50000"/>
+      </a:schemeClr>
+    </dgm:fillClrLst>
+    <dgm:linClrLst meth="repeat">
+      <a:schemeClr val="lt1"/>
+    </dgm:linClrLst>
+    <dgm:effectClrLst/>
+    <dgm:txLinClrLst/>
+    <dgm:txFillClrLst meth="repeat">
+      <a:schemeClr val="lt1"/>
+    </dgm:txFillClrLst>
+    <dgm:txEffectClrLst/>
+  </dgm:styleLbl>
+  <dgm:styleLbl name="sibTrans2D1">
+    <dgm:fillClrLst meth="repeat">
+      <a:schemeClr val="accent1">
+        <a:tint val="60000"/>
+      </a:schemeClr>
+    </dgm:fillClrLst>
+    <dgm:linClrLst meth="repeat">
+      <a:schemeClr val="accent1">
+        <a:tint val="60000"/>
+      </a:schemeClr>
+    </dgm:linClrLst>
+    <dgm:effectClrLst/>
+    <dgm:txLinClrLst/>
+    <dgm:txFillClrLst/>
+    <dgm:txEffectClrLst/>
+  </dgm:styleLbl>
+  <dgm:styleLbl name="fgSibTrans2D1">
+    <dgm:fillClrLst meth="repeat">
+      <a:schemeClr val="accent1">
+        <a:tint val="60000"/>
+      </a:schemeClr>
+    </dgm:fillClrLst>
+    <dgm:linClrLst meth="repeat">
+      <a:schemeClr val="accent1">
+        <a:tint val="60000"/>
+      </a:schemeClr>
+    </dgm:linClrLst>
+    <dgm:effectClrLst/>
+    <dgm:txLinClrLst/>
+    <dgm:txFillClrLst/>
+    <dgm:txEffectClrLst/>
+  </dgm:styleLbl>
+  <dgm:styleLbl name="bgSibTrans2D1">
+    <dgm:fillClrLst meth="repeat">
+      <a:schemeClr val="accent1">
+        <a:tint val="60000"/>
+      </a:schemeClr>
+    </dgm:fillClrLst>
+    <dgm:linClrLst meth="repeat">
+      <a:schemeClr val="accent1">
+        <a:tint val="60000"/>
+      </a:schemeClr>
+    </dgm:linClrLst>
+    <dgm:effectClrLst/>
+    <dgm:txLinClrLst/>
+    <dgm:txFillClrLst/>
+    <dgm:txEffectClrLst/>
+  </dgm:styleLbl>
+  <dgm:styleLbl name="sibTrans1D1">
+    <dgm:fillClrLst meth="repeat">
+      <a:schemeClr val="accent1"/>
+    </dgm:fillClrLst>
+    <dgm:linClrLst meth="repeat">
+      <a:schemeClr val="accent1"/>
+    </dgm:linClrLst>
+    <dgm:effectClrLst/>
+    <dgm:txLinClrLst/>
+    <dgm:txFillClrLst meth="repeat">
+      <a:schemeClr val="tx1"/>
+    </dgm:txFillClrLst>
+    <dgm:txEffectClrLst/>
+  </dgm:styleLbl>
+  <dgm:styleLbl name="callout">
+    <dgm:fillClrLst meth="repeat">
+      <a:schemeClr val="accent1"/>
+    </dgm:fillClrLst>
+    <dgm:linClrLst meth="repeat">
+      <a:schemeClr val="accent1">
+        <a:tint val="50000"/>
+      </a:schemeClr>
+    </dgm:linClrLst>
+    <dgm:effectClrLst/>
+    <dgm:txLinClrLst/>
+    <dgm:txFillClrLst meth="repeat">
+      <a:schemeClr val="tx1"/>
+    </dgm:txFillClrLst>
+    <dgm:txEffectClrLst/>
+  </dgm:styleLbl>
+  <dgm:styleLbl name="asst0">
+    <dgm:fillClrLst meth="repeat">
+      <a:schemeClr val="accent1"/>
+    </dgm:fillClrLst>
+    <dgm:linClrLst meth="repeat">
+      <a:schemeClr val="lt1"/>
+    </dgm:linClrLst>
+    <dgm:effectClrLst/>
+    <dgm:txLinClrLst/>
+    <dgm:txFillClrLst/>
+    <dgm:txEffectClrLst/>
+  </dgm:styleLbl>
+  <dgm:styleLbl name="asst1">
+    <dgm:fillClrLst meth="repeat">
+      <a:schemeClr val="accent1"/>
+    </dgm:fillClrLst>
+    <dgm:linClrLst meth="repeat">
+      <a:schemeClr val="lt1"/>
+    </dgm:linClrLst>
+    <dgm:effectClrLst/>
+    <dgm:txLinClrLst/>
+    <dgm:txFillClrLst/>
+    <dgm:txEffectClrLst/>
+  </dgm:styleLbl>
+  <dgm:styleLbl name="asst2">
+    <dgm:fillClrLst meth="repeat">
+      <a:schemeClr val="accent1"/>
+    </dgm:fillClrLst>
+    <dgm:linClrLst meth="repeat">
+      <a:schemeClr val="lt1"/>
+    </dgm:linClrLst>
+    <dgm:effectClrLst/>
+    <dgm:txLinClrLst/>
+    <dgm:txFillClrLst/>
+    <dgm:txEffectClrLst/>
+  </dgm:styleLbl>
+  <dgm:styleLbl name="asst3">
+    <dgm:fillClrLst meth="repeat">
+      <a:schemeClr val="accent1"/>
+    </dgm:fillClrLst>
+    <dgm:linClrLst meth="repeat">
+      <a:schemeClr val="lt1"/>
+    </dgm:linClrLst>
+    <dgm:effectClrLst/>
+    <dgm:txLinClrLst/>
+    <dgm:txFillClrLst/>
+    <dgm:txEffectClrLst/>
+  </dgm:styleLbl>
+  <dgm:styleLbl name="asst4">
+    <dgm:fillClrLst meth="repeat">
+      <a:schemeClr val="accent1"/>
+    </dgm:fillClrLst>
+    <dgm:linClrLst meth="repeat">
+      <a:schemeClr val="lt1"/>
+    </dgm:linClrLst>
+    <dgm:effectClrLst/>
+    <dgm:txLinClrLst/>
+    <dgm:txFillClrLst/>
+    <dgm:txEffectClrLst/>
+  </dgm:styleLbl>
+  <dgm:styleLbl name="parChTrans2D1">
+    <dgm:fillClrLst meth="repeat">
+      <a:schemeClr val="accent1">
+        <a:tint val="60000"/>
+      </a:schemeClr>
+    </dgm:fillClrLst>
+    <dgm:linClrLst meth="repeat">
+      <a:schemeClr val="accent1">
+        <a:tint val="60000"/>
+      </a:schemeClr>
+    </dgm:linClrLst>
+    <dgm:effectClrLst/>
+    <dgm:txLinClrLst/>
+    <dgm:txFillClrLst meth="repeat">
+      <a:schemeClr val="lt1"/>
+    </dgm:txFillClrLst>
+    <dgm:txEffectClrLst/>
+  </dgm:styleLbl>
+  <dgm:styleLbl name="parChTrans2D2">
+    <dgm:fillClrLst meth="repeat">
+      <a:schemeClr val="accent1"/>
+    </dgm:fillClrLst>
+    <dgm:linClrLst meth="repeat">
+      <a:schemeClr val="accent1"/>
+    </dgm:linClrLst>
+    <dgm:effectClrLst/>
+    <dgm:txLinClrLst/>
+    <dgm:txFillClrLst meth="repeat">
+      <a:schemeClr val="lt1"/>
+    </dgm:txFillClrLst>
+    <dgm:txEffectClrLst/>
+  </dgm:styleLbl>
+  <dgm:styleLbl name="parChTrans2D3">
+    <dgm:fillClrLst meth="repeat">
+      <a:schemeClr val="accent1"/>
+    </dgm:fillClrLst>
+    <dgm:linClrLst meth="repeat">
+      <a:schemeClr val="accent1"/>
+    </dgm:linClrLst>
+    <dgm:effectClrLst/>
+    <dgm:txLinClrLst/>
+    <dgm:txFillClrLst meth="repeat">
+      <a:schemeClr val="lt1"/>
+    </dgm:txFillClrLst>
+    <dgm:txEffectClrLst/>
+  </dgm:styleLbl>
+  <dgm:styleLbl name="parChTrans2D4">
+    <dgm:fillClrLst meth="repeat">
+      <a:schemeClr val="accent1"/>
+    </dgm:fillClrLst>
+    <dgm:linClrLst meth="repeat">
+      <a:schemeClr val="accent1"/>
+    </dgm:linClrLst>
+    <dgm:effectClrLst/>
+    <dgm:txLinClrLst/>
+    <dgm:txFillClrLst meth="repeat">
+      <a:schemeClr val="lt1"/>
+    </dgm:txFillClrLst>
+    <dgm:txEffectClrLst/>
+  </dgm:styleLbl>
+  <dgm:styleLbl name="parChTrans1D1">
+    <dgm:fillClrLst meth="repeat">
+      <a:schemeClr val="accent1"/>
+    </dgm:fillClrLst>
+    <dgm:linClrLst meth="repeat">
+      <a:schemeClr val="accent1">
+        <a:shade val="60000"/>
+      </a:schemeClr>
+    </dgm:linClrLst>
+    <dgm:effectClrLst/>
+    <dgm:txLinClrLst/>
+    <dgm:txFillClrLst meth="repeat">
+      <a:schemeClr val="tx1"/>
+    </dgm:txFillClrLst>
+    <dgm:txEffectClrLst/>
+  </dgm:styleLbl>
+  <dgm:styleLbl name="parChTrans1D2">
+    <dgm:fillClrLst meth="repeat">
+      <a:schemeClr val="accent1"/>
+    </dgm:fillClrLst>
+    <dgm:linClrLst meth="repeat">
+      <a:schemeClr val="accent1">
+        <a:shade val="60000"/>
+      </a:schemeClr>
+    </dgm:linClrLst>
+    <dgm:effectClrLst/>
+    <dgm:txLinClrLst/>
+    <dgm:txFillClrLst meth="repeat">
+      <a:schemeClr val="tx1"/>
+    </dgm:txFillClrLst>
+    <dgm:txEffectClrLst/>
+  </dgm:styleLbl>
+  <dgm:styleLbl name="parChTrans1D3">
+    <dgm:fillClrLst meth="repeat">
+      <a:schemeClr val="accent1"/>
+    </dgm:fillClrLst>
+    <dgm:linClrLst meth="repeat">
+      <a:schemeClr val="accent1">
+        <a:shade val="80000"/>
+      </a:schemeClr>
+    </dgm:linClrLst>
+    <dgm:effectClrLst/>
+    <dgm:txLinClrLst/>
+    <dgm:txFillClrLst meth="repeat">
+      <a:schemeClr val="tx1"/>
+    </dgm:txFillClrLst>
+    <dgm:txEffectClrLst/>
+  </dgm:styleLbl>
+  <dgm:styleLbl name="parChTrans1D4">
+    <dgm:fillClrLst meth="repeat">
+      <a:schemeClr val="accent1"/>
+    </dgm:fillClrLst>
+    <dgm:linClrLst meth="repeat">
+      <a:schemeClr val="accent1">
+        <a:shade val="80000"/>
+      </a:schemeClr>
+    </dgm:linClrLst>
+    <dgm:effectClrLst/>
+    <dgm:txLinClrLst/>
+    <dgm:txFillClrLst meth="repeat">
+      <a:schemeClr val="tx1"/>
+    </dgm:txFillClrLst>
+    <dgm:txEffectClrLst/>
+  </dgm:styleLbl>
+  <dgm:styleLbl name="fgAcc1">
+    <dgm:fillClrLst meth="repeat">
+      <a:schemeClr val="lt1">
+        <a:alpha val="90000"/>
+      </a:schemeClr>
+    </dgm:fillClrLst>
+    <dgm:linClrLst meth="repeat">
+      <a:schemeClr val="accent1"/>
+    </dgm:linClrLst>
+    <dgm:effectClrLst/>
+    <dgm:txLinClrLst/>
+    <dgm:txFillClrLst meth="repeat">
+      <a:schemeClr val="dk1"/>
+    </dgm:txFillClrLst>
+    <dgm:txEffectClrLst/>
+  </dgm:styleLbl>
+  <dgm:styleLbl name="conFgAcc1">
+    <dgm:fillClrLst meth="repeat">
+      <a:schemeClr val="lt1">
+        <a:alpha val="90000"/>
+      </a:schemeClr>
+    </dgm:fillClrLst>
+    <dgm:linClrLst meth="repeat">
+      <a:schemeClr val="accent1"/>
+    </dgm:linClrLst>
+    <dgm:effectClrLst/>
+    <dgm:txLinClrLst/>
+    <dgm:txFillClrLst meth="repeat">
+      <a:schemeClr val="dk1"/>
+    </dgm:txFillClrLst>
+    <dgm:txEffectClrLst/>
+  </dgm:styleLbl>
+  <dgm:styleLbl name="alignAcc1">
+    <dgm:fillClrLst meth="repeat">
+      <a:schemeClr val="lt1">
+        <a:alpha val="90000"/>
+      </a:schemeClr>
+    </dgm:fillClrLst>
+    <dgm:linClrLst meth="repeat">
+      <a:schemeClr val="accent1"/>
+    </dgm:linClrLst>
+    <dgm:effectClrLst/>
+    <dgm:txLinClrLst/>
+    <dgm:txFillClrLst meth="repeat">
+      <a:schemeClr val="dk1"/>
+    </dgm:txFillClrLst>
+    <dgm:txEffectClrLst/>
+  </dgm:styleLbl>
+  <dgm:styleLbl name="trAlignAcc1">
+    <dgm:fillClrLst meth="repeat">
+      <a:schemeClr val="lt1">
+        <a:alpha val="40000"/>
+      </a:schemeClr>
+    </dgm:fillClrLst>
+    <dgm:linClrLst meth="repeat">
+      <a:schemeClr val="accent1"/>
+    </dgm:linClrLst>
+    <dgm:effectClrLst/>
+    <dgm:txLinClrLst/>
+    <dgm:txFillClrLst meth="repeat">
+      <a:schemeClr val="dk1"/>
+    </dgm:txFillClrLst>
+    <dgm:txEffectClrLst/>
+  </dgm:styleLbl>
+  <dgm:styleLbl name="bgAcc1">
+    <dgm:fillClrLst meth="repeat">
+      <a:schemeClr val="lt1">
+        <a:alpha val="90000"/>
+      </a:schemeClr>
+    </dgm:fillClrLst>
+    <dgm:linClrLst meth="repeat">
+      <a:schemeClr val="accent1"/>
+    </dgm:linClrLst>
+    <dgm:effectClrLst/>
+    <dgm:txLinClrLst/>
+    <dgm:txFillClrLst meth="repeat">
+      <a:schemeClr val="dk1"/>
+    </dgm:txFillClrLst>
+    <dgm:txEffectClrLst/>
+  </dgm:styleLbl>
+  <dgm:styleLbl name="solidFgAcc1">
+    <dgm:fillClrLst meth="repeat">
+      <a:schemeClr val="lt1"/>
+    </dgm:fillClrLst>
+    <dgm:linClrLst meth="repeat">
+      <a:schemeClr val="accent1"/>
+    </dgm:linClrLst>
+    <dgm:effectClrLst/>
+    <dgm:txLinClrLst/>
+    <dgm:txFillClrLst meth="repeat">
+      <a:schemeClr val="dk1"/>
+    </dgm:txFillClrLst>
+    <dgm:txEffectClrLst/>
+  </dgm:styleLbl>
+  <dgm:styleLbl name="solidAlignAcc1">
+    <dgm:fillClrLst meth="repeat">
+      <a:schemeClr val="lt1"/>
+    </dgm:fillClrLst>
+    <dgm:linClrLst meth="repeat">
+      <a:schemeClr val="accent1"/>
+    </dgm:linClrLst>
+    <dgm:effectClrLst/>
+    <dgm:txLinClrLst/>
+    <dgm:txFillClrLst meth="repeat">
+      <a:schemeClr val="dk1"/>
+    </dgm:txFillClrLst>
+    <dgm:txEffectClrLst/>
+  </dgm:styleLbl>
+  <dgm:styleLbl name="solidBgAcc1">
+    <dgm:fillClrLst meth="repeat">
+      <a:schemeClr val="lt1"/>
+    </dgm:fillClrLst>
+    <dgm:linClrLst meth="repeat">
+      <a:schemeClr val="accent1"/>
+    </dgm:linClrLst>
+    <dgm:effectClrLst/>
+    <dgm:txLinClrLst/>
+    <dgm:txFillClrLst meth="repeat">
+      <a:schemeClr val="dk1"/>
+    </dgm:txFillClrLst>
+    <dgm:txEffectClrLst/>
+  </dgm:styleLbl>
+  <dgm:styleLbl name="fgAccFollowNode1">
+    <dgm:fillClrLst meth="repeat">
+      <a:schemeClr val="accent1">
+        <a:alpha val="90000"/>
+        <a:tint val="40000"/>
+      </a:schemeClr>
+    </dgm:fillClrLst>
+    <dgm:linClrLst meth="repeat">
+      <a:schemeClr val="accent1">
+        <a:alpha val="90000"/>
+        <a:tint val="40000"/>
+      </a:schemeClr>
+    </dgm:linClrLst>
+    <dgm:effectClrLst/>
+    <dgm:txLinClrLst/>
+    <dgm:txFillClrLst meth="repeat">
+      <a:schemeClr val="dk1"/>
+    </dgm:txFillClrLst>
+    <dgm:txEffectClrLst/>
+  </dgm:styleLbl>
+  <dgm:styleLbl name="alignAccFollowNode1">
+    <dgm:fillClrLst meth="repeat">
+      <a:schemeClr val="accent1">
+        <a:alpha val="90000"/>
+        <a:tint val="40000"/>
+      </a:schemeClr>
+    </dgm:fillClrLst>
+    <dgm:linClrLst meth="repeat">
+      <a:schemeClr val="accent1">
+        <a:alpha val="90000"/>
+        <a:tint val="40000"/>
+      </a:schemeClr>
+    </dgm:linClrLst>
+    <dgm:effectClrLst/>
+    <dgm:txLinClrLst/>
+    <dgm:txFillClrLst meth="repeat">
+      <a:schemeClr val="dk1"/>
+    </dgm:txFillClrLst>
+    <dgm:txEffectClrLst/>
+  </dgm:styleLbl>
+  <dgm:styleLbl name="bgAccFollowNode1">
+    <dgm:fillClrLst meth="repeat">
+      <a:schemeClr val="accent1">
+        <a:alpha val="90000"/>
+        <a:tint val="40000"/>
+      </a:schemeClr>
+    </dgm:fillClrLst>
+    <dgm:linClrLst meth="repeat">
+      <a:schemeClr val="accent1">
+        <a:alpha val="90000"/>
+        <a:tint val="40000"/>
+      </a:schemeClr>
+    </dgm:linClrLst>
+    <dgm:effectClrLst/>
+    <dgm:txLinClrLst/>
+    <dgm:txFillClrLst meth="repeat">
+      <a:schemeClr val="dk1"/>
+    </dgm:txFillClrLst>
+    <dgm:txEffectClrLst/>
+  </dgm:styleLbl>
+  <dgm:styleLbl name="fgAcc0">
+    <dgm:fillClrLst meth="repeat">
+      <a:schemeClr val="lt1">
+        <a:alpha val="90000"/>
+      </a:schemeClr>
+    </dgm:fillClrLst>
+    <dgm:linClrLst meth="repeat">
+      <a:schemeClr val="accent1"/>
+    </dgm:linClrLst>
+    <dgm:effectClrLst/>
+    <dgm:txLinClrLst/>
+    <dgm:txFillClrLst meth="repeat">
+      <a:schemeClr val="dk1"/>
+    </dgm:txFillClrLst>
+    <dgm:txEffectClrLst/>
+  </dgm:styleLbl>
+  <dgm:styleLbl name="fgAcc2">
+    <dgm:fillClrLst meth="repeat">
+      <a:schemeClr val="lt1">
+        <a:alpha val="90000"/>
+      </a:schemeClr>
+    </dgm:fillClrLst>
+    <dgm:linClrLst meth="repeat">
+      <a:schemeClr val="accent1"/>
+    </dgm:linClrLst>
+    <dgm:effectClrLst/>
+    <dgm:txLinClrLst/>
+    <dgm:txFillClrLst meth="repeat">
+      <a:schemeClr val="dk1"/>
+    </dgm:txFillClrLst>
+    <dgm:txEffectClrLst/>
+  </dgm:styleLbl>
+  <dgm:styleLbl name="fgAcc3">
+    <dgm:fillClrLst meth="repeat">
+      <a:schemeClr val="lt1">
+        <a:alpha val="90000"/>
+      </a:schemeClr>
+    </dgm:fillClrLst>
+    <dgm:linClrLst meth="repeat">
+      <a:schemeClr val="accent1"/>
+    </dgm:linClrLst>
+    <dgm:effectClrLst/>
+    <dgm:txLinClrLst/>
+    <dgm:txFillClrLst meth="repeat">
+      <a:schemeClr val="dk1"/>
+    </dgm:txFillClrLst>
+    <dgm:txEffectClrLst/>
+  </dgm:styleLbl>
+  <dgm:styleLbl name="fgAcc4">
+    <dgm:fillClrLst meth="repeat">
+      <a:schemeClr val="lt1">
+        <a:alpha val="90000"/>
+      </a:schemeClr>
+    </dgm:fillClrLst>
+    <dgm:linClrLst meth="repeat">
+      <a:schemeClr val="accent1"/>
+    </dgm:linClrLst>
+    <dgm:effectClrLst/>
+    <dgm:txLinClrLst/>
+    <dgm:txFillClrLst meth="repeat">
+      <a:schemeClr val="dk1"/>
+    </dgm:txFillClrLst>
+    <dgm:txEffectClrLst/>
+  </dgm:styleLbl>
+  <dgm:styleLbl name="bgShp">
+    <dgm:fillClrLst meth="repeat">
+      <a:schemeClr val="accent1">
+        <a:tint val="40000"/>
+      </a:schemeClr>
+    </dgm:fillClrLst>
+    <dgm:linClrLst meth="repeat">
+      <a:schemeClr val="accent1"/>
+    </dgm:linClrLst>
+    <dgm:effectClrLst/>
+    <dgm:txLinClrLst/>
+    <dgm:txFillClrLst meth="repeat">
+      <a:schemeClr val="dk1"/>
+    </dgm:txFillClrLst>
+    <dgm:txEffectClrLst/>
+  </dgm:styleLbl>
+  <dgm:styleLbl name="dkBgShp">
+    <dgm:fillClrLst meth="repeat">
+      <a:schemeClr val="accent1">
+        <a:shade val="80000"/>
+      </a:schemeClr>
+    </dgm:fillClrLst>
+    <dgm:linClrLst meth="repeat">
+      <a:schemeClr val="accent1"/>
+    </dgm:linClrLst>
+    <dgm:effectClrLst/>
+    <dgm:txLinClrLst/>
+    <dgm:txFillClrLst meth="repeat">
+      <a:schemeClr val="lt1"/>
+    </dgm:txFillClrLst>
+    <dgm:txEffectClrLst/>
+  </dgm:styleLbl>
+  <dgm:styleLbl name="trBgShp">
+    <dgm:fillClrLst meth="repeat">
+      <a:schemeClr val="accent1">
+        <a:tint val="50000"/>
+        <a:alpha val="40000"/>
+      </a:schemeClr>
+    </dgm:fillClrLst>
+    <dgm:linClrLst meth="repeat">
+      <a:schemeClr val="accent1"/>
+    </dgm:linClrLst>
+    <dgm:effectClrLst/>
+    <dgm:txLinClrLst/>
+    <dgm:txFillClrLst meth="repeat">
+      <a:schemeClr val="lt1"/>
+    </dgm:txFillClrLst>
+    <dgm:txEffectClrLst/>
+  </dgm:styleLbl>
+  <dgm:styleLbl name="fgShp">
+    <dgm:fillClrLst meth="repeat">
+      <a:schemeClr val="accent1">
+        <a:tint val="60000"/>
+      </a:schemeClr>
+    </dgm:fillClrLst>
+    <dgm:linClrLst meth="repeat">
+      <a:schemeClr val="lt1"/>
+    </dgm:linClrLst>
+    <dgm:effectClrLst/>
+    <dgm:txLinClrLst/>
+    <dgm:txFillClrLst meth="repeat">
+      <a:schemeClr val="dk1"/>
+    </dgm:txFillClrLst>
+    <dgm:txEffectClrLst/>
+  </dgm:styleLbl>
+  <dgm:styleLbl name="revTx">
+    <dgm:fillClrLst meth="repeat">
+      <a:schemeClr val="lt1">
+        <a:alpha val="0"/>
+      </a:schemeClr>
+    </dgm:fillClrLst>
+    <dgm:linClrLst meth="repeat">
+      <a:schemeClr val="dk1">
+        <a:alpha val="0"/>
+      </a:schemeClr>
+    </dgm:linClrLst>
+    <dgm:effectClrLst/>
+    <dgm:txLinClrLst/>
+    <dgm:txFillClrLst meth="repeat">
+      <a:schemeClr val="tx1"/>
+    </dgm:txFillClrLst>
+    <dgm:txEffectClrLst/>
+  </dgm:styleLbl>
+</dgm:colorsDef>
+</file>
+
+<file path=ppt/diagrams/colors2.xml><?xml version="1.0" encoding="utf-8"?>
 <dgm:colorsDef xmlns:dgm="http://schemas.openxmlformats.org/drawingml/2006/diagram" xmlns:a="http://schemas.openxmlformats.org/drawingml/2006/main" uniqueId="urn:microsoft.com/office/officeart/2005/8/colors/accent1_2">
   <dgm:title val=""/>
   <dgm:desc val=""/>
@@ -1209,6 +1959,551 @@
     <dgm:cxn modelId="{995D6CE6-190D-8347-A589-C24F0282FA30}" type="presParOf" srcId="{45887BCF-FE75-D940-A2F9-316C60116605}" destId="{50C2B0F8-0DAE-B84E-8757-41486CC126F2}" srcOrd="8" destOrd="0" presId="urn:microsoft.com/office/officeart/2005/8/layout/cycle2"/>
     <dgm:cxn modelId="{3C8A4F59-3E7D-1D45-9E81-3DEE4609DA4C}" type="presParOf" srcId="{45887BCF-FE75-D940-A2F9-316C60116605}" destId="{84DB2F25-1D83-C145-AC43-0A506D352FC6}" srcOrd="9" destOrd="0" presId="urn:microsoft.com/office/officeart/2005/8/layout/cycle2"/>
     <dgm:cxn modelId="{A6F073EC-6C67-6447-82AB-AE02510E804D}" type="presParOf" srcId="{84DB2F25-1D83-C145-AC43-0A506D352FC6}" destId="{8B4EE38D-A265-C64A-ADC0-8A01025C8A49}" srcOrd="0" destOrd="0" presId="urn:microsoft.com/office/officeart/2005/8/layout/cycle2"/>
+  </dgm:cxnLst>
+  <dgm:bg/>
+  <dgm:whole/>
+  <dgm:extLst>
+    <a:ext uri="http://schemas.microsoft.com/office/drawing/2008/diagram">
+      <dsp:dataModelExt xmlns:dsp="http://schemas.microsoft.com/office/drawing/2008/diagram" relId="rId6" minVer="http://schemas.openxmlformats.org/drawingml/2006/diagram"/>
+    </a:ext>
+  </dgm:extLst>
+</dgm:dataModel>
+</file>
+
+<file path=ppt/diagrams/data2.xml><?xml version="1.0" encoding="utf-8"?>
+<dgm:dataModel xmlns:dgm="http://schemas.openxmlformats.org/drawingml/2006/diagram" xmlns:a="http://schemas.openxmlformats.org/drawingml/2006/main">
+  <dgm:ptLst>
+    <dgm:pt modelId="{916DB7F1-101E-46F4-9083-3197FDD2BC62}" type="doc">
+      <dgm:prSet loTypeId="urn:microsoft.com/office/officeart/2005/8/layout/hierarchy1" loCatId="hierarchy" qsTypeId="urn:microsoft.com/office/officeart/2005/8/quickstyle/simple1" qsCatId="simple" csTypeId="urn:microsoft.com/office/officeart/2005/8/colors/accent1_2" csCatId="accent1" phldr="1"/>
+      <dgm:spPr/>
+      <dgm:t>
+        <a:bodyPr/>
+        <a:lstStyle/>
+        <a:p>
+          <a:endParaRPr lang="fr-FR"/>
+        </a:p>
+      </dgm:t>
+    </dgm:pt>
+    <dgm:pt modelId="{81CEE086-F948-44E6-84C1-CE158C058210}">
+      <dgm:prSet phldrT="[Texte]" phldr="0"/>
+      <dgm:spPr/>
+      <dgm:t>
+        <a:bodyPr/>
+        <a:lstStyle/>
+        <a:p>
+          <a:r>
+            <a:rPr lang="fr-FR" dirty="0"/>
+            <a:t>Variable</a:t>
+          </a:r>
+        </a:p>
+      </dgm:t>
+    </dgm:pt>
+    <dgm:pt modelId="{4B65061A-835C-4462-BC45-EAA5AC4388D5}" type="parTrans" cxnId="{1EDC64EF-FE84-48E0-B110-5DEF25D5CA6F}">
+      <dgm:prSet/>
+      <dgm:spPr/>
+      <dgm:t>
+        <a:bodyPr/>
+        <a:lstStyle/>
+        <a:p>
+          <a:endParaRPr lang="fr-FR"/>
+        </a:p>
+      </dgm:t>
+    </dgm:pt>
+    <dgm:pt modelId="{D2DD3649-5E2E-42D5-BCAD-624D73FD3AEA}" type="sibTrans" cxnId="{1EDC64EF-FE84-48E0-B110-5DEF25D5CA6F}">
+      <dgm:prSet/>
+      <dgm:spPr/>
+      <dgm:t>
+        <a:bodyPr/>
+        <a:lstStyle/>
+        <a:p>
+          <a:endParaRPr lang="fr-FR"/>
+        </a:p>
+      </dgm:t>
+    </dgm:pt>
+    <dgm:pt modelId="{FFDF3F4F-EDF6-478B-A2BB-907D2A34D7EA}">
+      <dgm:prSet phldrT="[Texte]" phldr="0"/>
+      <dgm:spPr/>
+      <dgm:t>
+        <a:bodyPr/>
+        <a:lstStyle/>
+        <a:p>
+          <a:r>
+            <a:rPr lang="fr-FR" dirty="0"/>
+            <a:t>qualitative</a:t>
+          </a:r>
+        </a:p>
+      </dgm:t>
+    </dgm:pt>
+    <dgm:pt modelId="{8FF8276A-754D-493B-912A-28F22336BE57}" type="parTrans" cxnId="{0ECF9C50-8BA7-43A5-AB63-A4DCF63F503A}">
+      <dgm:prSet/>
+      <dgm:spPr/>
+      <dgm:t>
+        <a:bodyPr/>
+        <a:lstStyle/>
+        <a:p>
+          <a:endParaRPr lang="fr-FR"/>
+        </a:p>
+      </dgm:t>
+    </dgm:pt>
+    <dgm:pt modelId="{03675EE0-E36E-4B9A-9B5A-EEBCE85E6720}" type="sibTrans" cxnId="{0ECF9C50-8BA7-43A5-AB63-A4DCF63F503A}">
+      <dgm:prSet/>
+      <dgm:spPr/>
+      <dgm:t>
+        <a:bodyPr/>
+        <a:lstStyle/>
+        <a:p>
+          <a:endParaRPr lang="fr-FR"/>
+        </a:p>
+      </dgm:t>
+    </dgm:pt>
+    <dgm:pt modelId="{82F47877-DA98-4820-992D-789798DF2731}">
+      <dgm:prSet phldrT="[Texte]" phldr="0"/>
+      <dgm:spPr/>
+      <dgm:t>
+        <a:bodyPr/>
+        <a:lstStyle/>
+        <a:p>
+          <a:r>
+            <a:rPr lang="fr-FR" dirty="0"/>
+            <a:t>nominale</a:t>
+          </a:r>
+        </a:p>
+      </dgm:t>
+    </dgm:pt>
+    <dgm:pt modelId="{E6F49183-9FCD-451F-88B4-28D6CAB0DB2E}" type="parTrans" cxnId="{B2649C26-C170-4910-AC7E-7712804B40A6}">
+      <dgm:prSet/>
+      <dgm:spPr/>
+      <dgm:t>
+        <a:bodyPr/>
+        <a:lstStyle/>
+        <a:p>
+          <a:endParaRPr lang="fr-FR"/>
+        </a:p>
+      </dgm:t>
+    </dgm:pt>
+    <dgm:pt modelId="{4A3C3B4F-B5D9-4601-B760-58D438EE8AE9}" type="sibTrans" cxnId="{B2649C26-C170-4910-AC7E-7712804B40A6}">
+      <dgm:prSet/>
+      <dgm:spPr/>
+      <dgm:t>
+        <a:bodyPr/>
+        <a:lstStyle/>
+        <a:p>
+          <a:endParaRPr lang="fr-FR"/>
+        </a:p>
+      </dgm:t>
+    </dgm:pt>
+    <dgm:pt modelId="{7C952506-D81D-4E0F-AD83-48A97F2458B8}">
+      <dgm:prSet phldrT="[Texte]" phldr="0"/>
+      <dgm:spPr/>
+      <dgm:t>
+        <a:bodyPr/>
+        <a:lstStyle/>
+        <a:p>
+          <a:r>
+            <a:rPr lang="fr-FR" dirty="0"/>
+            <a:t>ordinale</a:t>
+          </a:r>
+        </a:p>
+      </dgm:t>
+    </dgm:pt>
+    <dgm:pt modelId="{525D1B82-13C3-4A9A-BDD3-217D8462F65F}" type="parTrans" cxnId="{5BE088DF-C0BF-4474-97AC-DCF510B42D22}">
+      <dgm:prSet/>
+      <dgm:spPr/>
+      <dgm:t>
+        <a:bodyPr/>
+        <a:lstStyle/>
+        <a:p>
+          <a:endParaRPr lang="fr-FR"/>
+        </a:p>
+      </dgm:t>
+    </dgm:pt>
+    <dgm:pt modelId="{B01BC24E-0944-4BEE-99E9-DDC93BBAC809}" type="sibTrans" cxnId="{5BE088DF-C0BF-4474-97AC-DCF510B42D22}">
+      <dgm:prSet/>
+      <dgm:spPr/>
+      <dgm:t>
+        <a:bodyPr/>
+        <a:lstStyle/>
+        <a:p>
+          <a:endParaRPr lang="fr-FR"/>
+        </a:p>
+      </dgm:t>
+    </dgm:pt>
+    <dgm:pt modelId="{470AE933-4865-4CE5-AB54-20D4462AAF6C}">
+      <dgm:prSet phldrT="[Texte]" phldr="0"/>
+      <dgm:spPr/>
+      <dgm:t>
+        <a:bodyPr/>
+        <a:lstStyle/>
+        <a:p>
+          <a:r>
+            <a:rPr lang="fr-FR" dirty="0"/>
+            <a:t>quantitative</a:t>
+          </a:r>
+        </a:p>
+      </dgm:t>
+    </dgm:pt>
+    <dgm:pt modelId="{0514586F-1839-4CF4-8B66-F1ADCDEC9FFF}" type="parTrans" cxnId="{44EEE766-68A1-4A37-84A5-8B6DB8CA1C15}">
+      <dgm:prSet/>
+      <dgm:spPr/>
+      <dgm:t>
+        <a:bodyPr/>
+        <a:lstStyle/>
+        <a:p>
+          <a:endParaRPr lang="fr-FR"/>
+        </a:p>
+      </dgm:t>
+    </dgm:pt>
+    <dgm:pt modelId="{43BC821B-3451-48EE-A48D-08DBDB0CEE8E}" type="sibTrans" cxnId="{44EEE766-68A1-4A37-84A5-8B6DB8CA1C15}">
+      <dgm:prSet/>
+      <dgm:spPr/>
+      <dgm:t>
+        <a:bodyPr/>
+        <a:lstStyle/>
+        <a:p>
+          <a:endParaRPr lang="fr-FR"/>
+        </a:p>
+      </dgm:t>
+    </dgm:pt>
+    <dgm:pt modelId="{A1131642-5285-4083-B0EC-D1D2F270B9E3}">
+      <dgm:prSet phldrT="[Texte]" phldr="0"/>
+      <dgm:spPr/>
+      <dgm:t>
+        <a:bodyPr/>
+        <a:lstStyle/>
+        <a:p>
+          <a:r>
+            <a:rPr lang="fr-FR" dirty="0"/>
+            <a:t>discrète</a:t>
+          </a:r>
+        </a:p>
+      </dgm:t>
+    </dgm:pt>
+    <dgm:pt modelId="{0E0B7BA3-0ACC-42C3-B126-F4867F70F952}" type="parTrans" cxnId="{740E8659-BBF6-434A-BAA3-D3B0EF36A9C8}">
+      <dgm:prSet/>
+      <dgm:spPr/>
+      <dgm:t>
+        <a:bodyPr/>
+        <a:lstStyle/>
+        <a:p>
+          <a:endParaRPr lang="fr-FR"/>
+        </a:p>
+      </dgm:t>
+    </dgm:pt>
+    <dgm:pt modelId="{637C05C9-A57D-4095-92F7-4766118F4443}" type="sibTrans" cxnId="{740E8659-BBF6-434A-BAA3-D3B0EF36A9C8}">
+      <dgm:prSet/>
+      <dgm:spPr/>
+      <dgm:t>
+        <a:bodyPr/>
+        <a:lstStyle/>
+        <a:p>
+          <a:endParaRPr lang="fr-FR"/>
+        </a:p>
+      </dgm:t>
+    </dgm:pt>
+    <dgm:pt modelId="{9792B3C0-8CED-46DF-A859-41FA2F1FA8AB}">
+      <dgm:prSet/>
+      <dgm:spPr/>
+      <dgm:t>
+        <a:bodyPr/>
+        <a:lstStyle/>
+        <a:p>
+          <a:r>
+            <a:rPr lang="fr-FR"/>
+            <a:t>continue</a:t>
+          </a:r>
+        </a:p>
+      </dgm:t>
+    </dgm:pt>
+    <dgm:pt modelId="{4C424AE8-7075-4C6B-A0E4-6163B770FB21}" type="parTrans" cxnId="{537C7B71-CA63-40C8-A9E4-4C8187B8369E}">
+      <dgm:prSet/>
+      <dgm:spPr/>
+      <dgm:t>
+        <a:bodyPr/>
+        <a:lstStyle/>
+        <a:p>
+          <a:endParaRPr lang="fr-FR"/>
+        </a:p>
+      </dgm:t>
+    </dgm:pt>
+    <dgm:pt modelId="{70A2C132-D1D5-4A52-ADEA-7A2DE01F10F9}" type="sibTrans" cxnId="{537C7B71-CA63-40C8-A9E4-4C8187B8369E}">
+      <dgm:prSet/>
+      <dgm:spPr/>
+      <dgm:t>
+        <a:bodyPr/>
+        <a:lstStyle/>
+        <a:p>
+          <a:endParaRPr lang="fr-FR"/>
+        </a:p>
+      </dgm:t>
+    </dgm:pt>
+    <dgm:pt modelId="{A23272B8-D2D9-469B-89BC-F005097361C0}" type="pres">
+      <dgm:prSet presAssocID="{916DB7F1-101E-46F4-9083-3197FDD2BC62}" presName="hierChild1" presStyleCnt="0">
+        <dgm:presLayoutVars>
+          <dgm:chPref val="1"/>
+          <dgm:dir/>
+          <dgm:animOne val="branch"/>
+          <dgm:animLvl val="lvl"/>
+          <dgm:resizeHandles/>
+        </dgm:presLayoutVars>
+      </dgm:prSet>
+      <dgm:spPr/>
+    </dgm:pt>
+    <dgm:pt modelId="{C17D8AD3-273F-46C7-9C38-A117F8E58FFD}" type="pres">
+      <dgm:prSet presAssocID="{81CEE086-F948-44E6-84C1-CE158C058210}" presName="hierRoot1" presStyleCnt="0"/>
+      <dgm:spPr/>
+    </dgm:pt>
+    <dgm:pt modelId="{55F53647-780B-4FCD-8D19-43E8A04F99A9}" type="pres">
+      <dgm:prSet presAssocID="{81CEE086-F948-44E6-84C1-CE158C058210}" presName="composite" presStyleCnt="0"/>
+      <dgm:spPr/>
+    </dgm:pt>
+    <dgm:pt modelId="{083CDD49-DAB8-4D06-BCCD-E9710995DAB8}" type="pres">
+      <dgm:prSet presAssocID="{81CEE086-F948-44E6-84C1-CE158C058210}" presName="background" presStyleLbl="node0" presStyleIdx="0" presStyleCnt="1"/>
+      <dgm:spPr/>
+    </dgm:pt>
+    <dgm:pt modelId="{3B6F7B02-A1C9-4EBC-9CB8-56DDEA9E5DA7}" type="pres">
+      <dgm:prSet presAssocID="{81CEE086-F948-44E6-84C1-CE158C058210}" presName="text" presStyleLbl="fgAcc0" presStyleIdx="0" presStyleCnt="1" custLinFactNeighborX="4889" custLinFactNeighborY="2566">
+        <dgm:presLayoutVars>
+          <dgm:chPref val="3"/>
+        </dgm:presLayoutVars>
+      </dgm:prSet>
+      <dgm:spPr/>
+    </dgm:pt>
+    <dgm:pt modelId="{3EC0E1BA-6C9D-4C76-88A4-E151095AE162}" type="pres">
+      <dgm:prSet presAssocID="{81CEE086-F948-44E6-84C1-CE158C058210}" presName="hierChild2" presStyleCnt="0"/>
+      <dgm:spPr/>
+    </dgm:pt>
+    <dgm:pt modelId="{B0354019-5BC2-4B27-ADAF-4FA00D08E054}" type="pres">
+      <dgm:prSet presAssocID="{8FF8276A-754D-493B-912A-28F22336BE57}" presName="Name10" presStyleLbl="parChTrans1D2" presStyleIdx="0" presStyleCnt="2"/>
+      <dgm:spPr/>
+    </dgm:pt>
+    <dgm:pt modelId="{CE5C4825-0C03-4A12-B845-FD12C17691B7}" type="pres">
+      <dgm:prSet presAssocID="{FFDF3F4F-EDF6-478B-A2BB-907D2A34D7EA}" presName="hierRoot2" presStyleCnt="0"/>
+      <dgm:spPr/>
+    </dgm:pt>
+    <dgm:pt modelId="{731A2741-A1A9-4E75-8246-060F38B771BE}" type="pres">
+      <dgm:prSet presAssocID="{FFDF3F4F-EDF6-478B-A2BB-907D2A34D7EA}" presName="composite2" presStyleCnt="0"/>
+      <dgm:spPr/>
+    </dgm:pt>
+    <dgm:pt modelId="{58D583E9-DB8A-4094-B8DD-9C526050570C}" type="pres">
+      <dgm:prSet presAssocID="{FFDF3F4F-EDF6-478B-A2BB-907D2A34D7EA}" presName="background2" presStyleLbl="node2" presStyleIdx="0" presStyleCnt="2"/>
+      <dgm:spPr/>
+    </dgm:pt>
+    <dgm:pt modelId="{828C6410-5A83-48C1-AD11-07DC077EFC44}" type="pres">
+      <dgm:prSet presAssocID="{FFDF3F4F-EDF6-478B-A2BB-907D2A34D7EA}" presName="text2" presStyleLbl="fgAcc2" presStyleIdx="0" presStyleCnt="2">
+        <dgm:presLayoutVars>
+          <dgm:chPref val="3"/>
+        </dgm:presLayoutVars>
+      </dgm:prSet>
+      <dgm:spPr/>
+    </dgm:pt>
+    <dgm:pt modelId="{3674F509-93DA-4E32-99F6-82C766B00C0C}" type="pres">
+      <dgm:prSet presAssocID="{FFDF3F4F-EDF6-478B-A2BB-907D2A34D7EA}" presName="hierChild3" presStyleCnt="0"/>
+      <dgm:spPr/>
+    </dgm:pt>
+    <dgm:pt modelId="{D4980FB5-55EC-4BA1-AE85-D988670F3AB0}" type="pres">
+      <dgm:prSet presAssocID="{E6F49183-9FCD-451F-88B4-28D6CAB0DB2E}" presName="Name17" presStyleLbl="parChTrans1D3" presStyleIdx="0" presStyleCnt="4"/>
+      <dgm:spPr/>
+    </dgm:pt>
+    <dgm:pt modelId="{AA1A8EE6-D69E-4AA4-9B66-F8102877C90D}" type="pres">
+      <dgm:prSet presAssocID="{82F47877-DA98-4820-992D-789798DF2731}" presName="hierRoot3" presStyleCnt="0"/>
+      <dgm:spPr/>
+    </dgm:pt>
+    <dgm:pt modelId="{35A96760-DD60-4448-953A-D828C389E293}" type="pres">
+      <dgm:prSet presAssocID="{82F47877-DA98-4820-992D-789798DF2731}" presName="composite3" presStyleCnt="0"/>
+      <dgm:spPr/>
+    </dgm:pt>
+    <dgm:pt modelId="{D1580254-1AFE-4869-BA07-F76550DC66CB}" type="pres">
+      <dgm:prSet presAssocID="{82F47877-DA98-4820-992D-789798DF2731}" presName="background3" presStyleLbl="node3" presStyleIdx="0" presStyleCnt="4"/>
+      <dgm:spPr/>
+    </dgm:pt>
+    <dgm:pt modelId="{07954426-B0BE-4214-8092-DE264F4CDD48}" type="pres">
+      <dgm:prSet presAssocID="{82F47877-DA98-4820-992D-789798DF2731}" presName="text3" presStyleLbl="fgAcc3" presStyleIdx="0" presStyleCnt="4">
+        <dgm:presLayoutVars>
+          <dgm:chPref val="3"/>
+        </dgm:presLayoutVars>
+      </dgm:prSet>
+      <dgm:spPr/>
+    </dgm:pt>
+    <dgm:pt modelId="{F6E2B750-482F-4A0A-80C8-924AF68259E1}" type="pres">
+      <dgm:prSet presAssocID="{82F47877-DA98-4820-992D-789798DF2731}" presName="hierChild4" presStyleCnt="0"/>
+      <dgm:spPr/>
+    </dgm:pt>
+    <dgm:pt modelId="{D62D9C7B-95B8-4F85-B1E5-12C557FF4AC8}" type="pres">
+      <dgm:prSet presAssocID="{525D1B82-13C3-4A9A-BDD3-217D8462F65F}" presName="Name17" presStyleLbl="parChTrans1D3" presStyleIdx="1" presStyleCnt="4"/>
+      <dgm:spPr/>
+    </dgm:pt>
+    <dgm:pt modelId="{613688A2-7AB4-4A20-84E9-ADE7DAA7DCFA}" type="pres">
+      <dgm:prSet presAssocID="{7C952506-D81D-4E0F-AD83-48A97F2458B8}" presName="hierRoot3" presStyleCnt="0"/>
+      <dgm:spPr/>
+    </dgm:pt>
+    <dgm:pt modelId="{15844E24-5B1C-4110-9931-B1BE80DF9788}" type="pres">
+      <dgm:prSet presAssocID="{7C952506-D81D-4E0F-AD83-48A97F2458B8}" presName="composite3" presStyleCnt="0"/>
+      <dgm:spPr/>
+    </dgm:pt>
+    <dgm:pt modelId="{58993DD9-1476-4477-AFCA-A0775103AA9C}" type="pres">
+      <dgm:prSet presAssocID="{7C952506-D81D-4E0F-AD83-48A97F2458B8}" presName="background3" presStyleLbl="node3" presStyleIdx="1" presStyleCnt="4"/>
+      <dgm:spPr/>
+    </dgm:pt>
+    <dgm:pt modelId="{445377A3-5A99-40E6-B7F7-7FD301732A33}" type="pres">
+      <dgm:prSet presAssocID="{7C952506-D81D-4E0F-AD83-48A97F2458B8}" presName="text3" presStyleLbl="fgAcc3" presStyleIdx="1" presStyleCnt="4">
+        <dgm:presLayoutVars>
+          <dgm:chPref val="3"/>
+        </dgm:presLayoutVars>
+      </dgm:prSet>
+      <dgm:spPr/>
+    </dgm:pt>
+    <dgm:pt modelId="{2D6D855B-B311-4CD6-9BF7-4CD660DDB99B}" type="pres">
+      <dgm:prSet presAssocID="{7C952506-D81D-4E0F-AD83-48A97F2458B8}" presName="hierChild4" presStyleCnt="0"/>
+      <dgm:spPr/>
+    </dgm:pt>
+    <dgm:pt modelId="{E7A1C215-41EA-48DC-A129-4A06593AF3A4}" type="pres">
+      <dgm:prSet presAssocID="{0514586F-1839-4CF4-8B66-F1ADCDEC9FFF}" presName="Name10" presStyleLbl="parChTrans1D2" presStyleIdx="1" presStyleCnt="2"/>
+      <dgm:spPr/>
+    </dgm:pt>
+    <dgm:pt modelId="{5C0B0210-A401-472B-A3DA-EC8FF51F799F}" type="pres">
+      <dgm:prSet presAssocID="{470AE933-4865-4CE5-AB54-20D4462AAF6C}" presName="hierRoot2" presStyleCnt="0"/>
+      <dgm:spPr/>
+    </dgm:pt>
+    <dgm:pt modelId="{89F49A71-03A6-4CD7-A40B-CB04994FFF67}" type="pres">
+      <dgm:prSet presAssocID="{470AE933-4865-4CE5-AB54-20D4462AAF6C}" presName="composite2" presStyleCnt="0"/>
+      <dgm:spPr/>
+    </dgm:pt>
+    <dgm:pt modelId="{CBC496BB-2BA5-4F23-AC92-6B88A2B94F2C}" type="pres">
+      <dgm:prSet presAssocID="{470AE933-4865-4CE5-AB54-20D4462AAF6C}" presName="background2" presStyleLbl="node2" presStyleIdx="1" presStyleCnt="2"/>
+      <dgm:spPr/>
+    </dgm:pt>
+    <dgm:pt modelId="{3FFEBBD8-D729-426F-8B65-E89C2E9D28D3}" type="pres">
+      <dgm:prSet presAssocID="{470AE933-4865-4CE5-AB54-20D4462AAF6C}" presName="text2" presStyleLbl="fgAcc2" presStyleIdx="1" presStyleCnt="2">
+        <dgm:presLayoutVars>
+          <dgm:chPref val="3"/>
+        </dgm:presLayoutVars>
+      </dgm:prSet>
+      <dgm:spPr/>
+    </dgm:pt>
+    <dgm:pt modelId="{96B70CF0-ACF0-44FC-8B89-268DD9B852DC}" type="pres">
+      <dgm:prSet presAssocID="{470AE933-4865-4CE5-AB54-20D4462AAF6C}" presName="hierChild3" presStyleCnt="0"/>
+      <dgm:spPr/>
+    </dgm:pt>
+    <dgm:pt modelId="{EBFC8CBB-D462-479A-ACE0-D8F585F83C9F}" type="pres">
+      <dgm:prSet presAssocID="{0E0B7BA3-0ACC-42C3-B126-F4867F70F952}" presName="Name17" presStyleLbl="parChTrans1D3" presStyleIdx="2" presStyleCnt="4"/>
+      <dgm:spPr/>
+    </dgm:pt>
+    <dgm:pt modelId="{9AAC550C-FE73-4B66-9ED2-00CC84B5811E}" type="pres">
+      <dgm:prSet presAssocID="{A1131642-5285-4083-B0EC-D1D2F270B9E3}" presName="hierRoot3" presStyleCnt="0"/>
+      <dgm:spPr/>
+    </dgm:pt>
+    <dgm:pt modelId="{87CFD457-20B7-41E7-9431-4D6CA5B8BBE8}" type="pres">
+      <dgm:prSet presAssocID="{A1131642-5285-4083-B0EC-D1D2F270B9E3}" presName="composite3" presStyleCnt="0"/>
+      <dgm:spPr/>
+    </dgm:pt>
+    <dgm:pt modelId="{12CCBC65-9F70-47F3-BE93-A0F0A456FB0A}" type="pres">
+      <dgm:prSet presAssocID="{A1131642-5285-4083-B0EC-D1D2F270B9E3}" presName="background3" presStyleLbl="node3" presStyleIdx="2" presStyleCnt="4"/>
+      <dgm:spPr/>
+    </dgm:pt>
+    <dgm:pt modelId="{BAB30063-3D05-4F65-B673-D79E9AC6AC48}" type="pres">
+      <dgm:prSet presAssocID="{A1131642-5285-4083-B0EC-D1D2F270B9E3}" presName="text3" presStyleLbl="fgAcc3" presStyleIdx="2" presStyleCnt="4">
+        <dgm:presLayoutVars>
+          <dgm:chPref val="3"/>
+        </dgm:presLayoutVars>
+      </dgm:prSet>
+      <dgm:spPr/>
+    </dgm:pt>
+    <dgm:pt modelId="{4D79E459-8318-4F60-9B87-11B301C5ADDA}" type="pres">
+      <dgm:prSet presAssocID="{A1131642-5285-4083-B0EC-D1D2F270B9E3}" presName="hierChild4" presStyleCnt="0"/>
+      <dgm:spPr/>
+    </dgm:pt>
+    <dgm:pt modelId="{E80F1F45-9864-4AB4-99BC-9A6BC5EDEC0C}" type="pres">
+      <dgm:prSet presAssocID="{4C424AE8-7075-4C6B-A0E4-6163B770FB21}" presName="Name17" presStyleLbl="parChTrans1D3" presStyleIdx="3" presStyleCnt="4"/>
+      <dgm:spPr/>
+    </dgm:pt>
+    <dgm:pt modelId="{E790FE26-C9E0-40AB-BC4D-5564FB108FA3}" type="pres">
+      <dgm:prSet presAssocID="{9792B3C0-8CED-46DF-A859-41FA2F1FA8AB}" presName="hierRoot3" presStyleCnt="0"/>
+      <dgm:spPr/>
+    </dgm:pt>
+    <dgm:pt modelId="{53105E27-D221-4988-AB40-2AF9F23FB312}" type="pres">
+      <dgm:prSet presAssocID="{9792B3C0-8CED-46DF-A859-41FA2F1FA8AB}" presName="composite3" presStyleCnt="0"/>
+      <dgm:spPr/>
+    </dgm:pt>
+    <dgm:pt modelId="{EEDF098D-D4B6-42D4-9618-B9A14977B369}" type="pres">
+      <dgm:prSet presAssocID="{9792B3C0-8CED-46DF-A859-41FA2F1FA8AB}" presName="background3" presStyleLbl="node3" presStyleIdx="3" presStyleCnt="4"/>
+      <dgm:spPr/>
+    </dgm:pt>
+    <dgm:pt modelId="{4568BD25-A609-4A48-85CE-605F5FD0B36C}" type="pres">
+      <dgm:prSet presAssocID="{9792B3C0-8CED-46DF-A859-41FA2F1FA8AB}" presName="text3" presStyleLbl="fgAcc3" presStyleIdx="3" presStyleCnt="4">
+        <dgm:presLayoutVars>
+          <dgm:chPref val="3"/>
+        </dgm:presLayoutVars>
+      </dgm:prSet>
+      <dgm:spPr/>
+    </dgm:pt>
+    <dgm:pt modelId="{30DB8DA6-4B96-492B-99E7-06DEACA55BBE}" type="pres">
+      <dgm:prSet presAssocID="{9792B3C0-8CED-46DF-A859-41FA2F1FA8AB}" presName="hierChild4" presStyleCnt="0"/>
+      <dgm:spPr/>
+    </dgm:pt>
+  </dgm:ptLst>
+  <dgm:cxnLst>
+    <dgm:cxn modelId="{62691A08-CA99-4B54-895A-C1410A6BB1C4}" type="presOf" srcId="{E6F49183-9FCD-451F-88B4-28D6CAB0DB2E}" destId="{D4980FB5-55EC-4BA1-AE85-D988670F3AB0}" srcOrd="0" destOrd="0" presId="urn:microsoft.com/office/officeart/2005/8/layout/hierarchy1"/>
+    <dgm:cxn modelId="{E62D4C23-8CA5-4ED7-B173-C81D12698106}" type="presOf" srcId="{FFDF3F4F-EDF6-478B-A2BB-907D2A34D7EA}" destId="{828C6410-5A83-48C1-AD11-07DC077EFC44}" srcOrd="0" destOrd="0" presId="urn:microsoft.com/office/officeart/2005/8/layout/hierarchy1"/>
+    <dgm:cxn modelId="{B2649C26-C170-4910-AC7E-7712804B40A6}" srcId="{FFDF3F4F-EDF6-478B-A2BB-907D2A34D7EA}" destId="{82F47877-DA98-4820-992D-789798DF2731}" srcOrd="0" destOrd="0" parTransId="{E6F49183-9FCD-451F-88B4-28D6CAB0DB2E}" sibTransId="{4A3C3B4F-B5D9-4601-B760-58D438EE8AE9}"/>
+    <dgm:cxn modelId="{C139B65D-EC2A-48FB-947B-D9C5646848AB}" type="presOf" srcId="{A1131642-5285-4083-B0EC-D1D2F270B9E3}" destId="{BAB30063-3D05-4F65-B673-D79E9AC6AC48}" srcOrd="0" destOrd="0" presId="urn:microsoft.com/office/officeart/2005/8/layout/hierarchy1"/>
+    <dgm:cxn modelId="{A6025A60-25AA-490B-BC67-896F9A5C09F4}" type="presOf" srcId="{525D1B82-13C3-4A9A-BDD3-217D8462F65F}" destId="{D62D9C7B-95B8-4F85-B1E5-12C557FF4AC8}" srcOrd="0" destOrd="0" presId="urn:microsoft.com/office/officeart/2005/8/layout/hierarchy1"/>
+    <dgm:cxn modelId="{C5D28864-6CDE-4043-B3D2-32B4B7EC9269}" type="presOf" srcId="{916DB7F1-101E-46F4-9083-3197FDD2BC62}" destId="{A23272B8-D2D9-469B-89BC-F005097361C0}" srcOrd="0" destOrd="0" presId="urn:microsoft.com/office/officeart/2005/8/layout/hierarchy1"/>
+    <dgm:cxn modelId="{44EEE766-68A1-4A37-84A5-8B6DB8CA1C15}" srcId="{81CEE086-F948-44E6-84C1-CE158C058210}" destId="{470AE933-4865-4CE5-AB54-20D4462AAF6C}" srcOrd="1" destOrd="0" parTransId="{0514586F-1839-4CF4-8B66-F1ADCDEC9FFF}" sibTransId="{43BC821B-3451-48EE-A48D-08DBDB0CEE8E}"/>
+    <dgm:cxn modelId="{A5D3D44F-ECBC-486C-885E-7A6056F53FBA}" type="presOf" srcId="{9792B3C0-8CED-46DF-A859-41FA2F1FA8AB}" destId="{4568BD25-A609-4A48-85CE-605F5FD0B36C}" srcOrd="0" destOrd="0" presId="urn:microsoft.com/office/officeart/2005/8/layout/hierarchy1"/>
+    <dgm:cxn modelId="{0ECF9C50-8BA7-43A5-AB63-A4DCF63F503A}" srcId="{81CEE086-F948-44E6-84C1-CE158C058210}" destId="{FFDF3F4F-EDF6-478B-A2BB-907D2A34D7EA}" srcOrd="0" destOrd="0" parTransId="{8FF8276A-754D-493B-912A-28F22336BE57}" sibTransId="{03675EE0-E36E-4B9A-9B5A-EEBCE85E6720}"/>
+    <dgm:cxn modelId="{537C7B71-CA63-40C8-A9E4-4C8187B8369E}" srcId="{470AE933-4865-4CE5-AB54-20D4462AAF6C}" destId="{9792B3C0-8CED-46DF-A859-41FA2F1FA8AB}" srcOrd="1" destOrd="0" parTransId="{4C424AE8-7075-4C6B-A0E4-6163B770FB21}" sibTransId="{70A2C132-D1D5-4A52-ADEA-7A2DE01F10F9}"/>
+    <dgm:cxn modelId="{4AC87355-03FC-4EA1-8A9F-C51ADD5148E3}" type="presOf" srcId="{7C952506-D81D-4E0F-AD83-48A97F2458B8}" destId="{445377A3-5A99-40E6-B7F7-7FD301732A33}" srcOrd="0" destOrd="0" presId="urn:microsoft.com/office/officeart/2005/8/layout/hierarchy1"/>
+    <dgm:cxn modelId="{8629FC75-2DAD-4A53-91D7-4F27152BDF6C}" type="presOf" srcId="{4C424AE8-7075-4C6B-A0E4-6163B770FB21}" destId="{E80F1F45-9864-4AB4-99BC-9A6BC5EDEC0C}" srcOrd="0" destOrd="0" presId="urn:microsoft.com/office/officeart/2005/8/layout/hierarchy1"/>
+    <dgm:cxn modelId="{740E8659-BBF6-434A-BAA3-D3B0EF36A9C8}" srcId="{470AE933-4865-4CE5-AB54-20D4462AAF6C}" destId="{A1131642-5285-4083-B0EC-D1D2F270B9E3}" srcOrd="0" destOrd="0" parTransId="{0E0B7BA3-0ACC-42C3-B126-F4867F70F952}" sibTransId="{637C05C9-A57D-4095-92F7-4766118F4443}"/>
+    <dgm:cxn modelId="{863FD759-24C0-4D43-9E04-B6C239DC4208}" type="presOf" srcId="{0514586F-1839-4CF4-8B66-F1ADCDEC9FFF}" destId="{E7A1C215-41EA-48DC-A129-4A06593AF3A4}" srcOrd="0" destOrd="0" presId="urn:microsoft.com/office/officeart/2005/8/layout/hierarchy1"/>
+    <dgm:cxn modelId="{1935839C-44B4-42AA-B8FE-E820C2586307}" type="presOf" srcId="{8FF8276A-754D-493B-912A-28F22336BE57}" destId="{B0354019-5BC2-4B27-ADAF-4FA00D08E054}" srcOrd="0" destOrd="0" presId="urn:microsoft.com/office/officeart/2005/8/layout/hierarchy1"/>
+    <dgm:cxn modelId="{606398B8-85CB-46A0-AF15-4AC6F3B58EBB}" type="presOf" srcId="{81CEE086-F948-44E6-84C1-CE158C058210}" destId="{3B6F7B02-A1C9-4EBC-9CB8-56DDEA9E5DA7}" srcOrd="0" destOrd="0" presId="urn:microsoft.com/office/officeart/2005/8/layout/hierarchy1"/>
+    <dgm:cxn modelId="{797DA1D8-DCC8-48C6-8EE3-B85E7C403596}" type="presOf" srcId="{0E0B7BA3-0ACC-42C3-B126-F4867F70F952}" destId="{EBFC8CBB-D462-479A-ACE0-D8F585F83C9F}" srcOrd="0" destOrd="0" presId="urn:microsoft.com/office/officeart/2005/8/layout/hierarchy1"/>
+    <dgm:cxn modelId="{5BE088DF-C0BF-4474-97AC-DCF510B42D22}" srcId="{FFDF3F4F-EDF6-478B-A2BB-907D2A34D7EA}" destId="{7C952506-D81D-4E0F-AD83-48A97F2458B8}" srcOrd="1" destOrd="0" parTransId="{525D1B82-13C3-4A9A-BDD3-217D8462F65F}" sibTransId="{B01BC24E-0944-4BEE-99E9-DDC93BBAC809}"/>
+    <dgm:cxn modelId="{D6E748EC-2087-4DE9-9AAC-A718832710C7}" type="presOf" srcId="{82F47877-DA98-4820-992D-789798DF2731}" destId="{07954426-B0BE-4214-8092-DE264F4CDD48}" srcOrd="0" destOrd="0" presId="urn:microsoft.com/office/officeart/2005/8/layout/hierarchy1"/>
+    <dgm:cxn modelId="{1EDC64EF-FE84-48E0-B110-5DEF25D5CA6F}" srcId="{916DB7F1-101E-46F4-9083-3197FDD2BC62}" destId="{81CEE086-F948-44E6-84C1-CE158C058210}" srcOrd="0" destOrd="0" parTransId="{4B65061A-835C-4462-BC45-EAA5AC4388D5}" sibTransId="{D2DD3649-5E2E-42D5-BCAD-624D73FD3AEA}"/>
+    <dgm:cxn modelId="{AA528DEF-1097-41C7-A9AD-A802A39906FF}" type="presOf" srcId="{470AE933-4865-4CE5-AB54-20D4462AAF6C}" destId="{3FFEBBD8-D729-426F-8B65-E89C2E9D28D3}" srcOrd="0" destOrd="0" presId="urn:microsoft.com/office/officeart/2005/8/layout/hierarchy1"/>
+    <dgm:cxn modelId="{9B025BD0-A4DE-4425-AF2A-2CEC2F15B9D3}" type="presParOf" srcId="{A23272B8-D2D9-469B-89BC-F005097361C0}" destId="{C17D8AD3-273F-46C7-9C38-A117F8E58FFD}" srcOrd="0" destOrd="0" presId="urn:microsoft.com/office/officeart/2005/8/layout/hierarchy1"/>
+    <dgm:cxn modelId="{9E10E189-C799-4617-9B28-C218E81CA081}" type="presParOf" srcId="{C17D8AD3-273F-46C7-9C38-A117F8E58FFD}" destId="{55F53647-780B-4FCD-8D19-43E8A04F99A9}" srcOrd="0" destOrd="0" presId="urn:microsoft.com/office/officeart/2005/8/layout/hierarchy1"/>
+    <dgm:cxn modelId="{C8E3DDC2-4EC8-4ABB-B6B3-EB484A385E6E}" type="presParOf" srcId="{55F53647-780B-4FCD-8D19-43E8A04F99A9}" destId="{083CDD49-DAB8-4D06-BCCD-E9710995DAB8}" srcOrd="0" destOrd="0" presId="urn:microsoft.com/office/officeart/2005/8/layout/hierarchy1"/>
+    <dgm:cxn modelId="{811228A9-68E2-4D45-BD69-AFA098F6C336}" type="presParOf" srcId="{55F53647-780B-4FCD-8D19-43E8A04F99A9}" destId="{3B6F7B02-A1C9-4EBC-9CB8-56DDEA9E5DA7}" srcOrd="1" destOrd="0" presId="urn:microsoft.com/office/officeart/2005/8/layout/hierarchy1"/>
+    <dgm:cxn modelId="{B11E43C7-CB18-429B-B870-9DCC86EF925F}" type="presParOf" srcId="{C17D8AD3-273F-46C7-9C38-A117F8E58FFD}" destId="{3EC0E1BA-6C9D-4C76-88A4-E151095AE162}" srcOrd="1" destOrd="0" presId="urn:microsoft.com/office/officeart/2005/8/layout/hierarchy1"/>
+    <dgm:cxn modelId="{2F4B5264-A732-4125-A079-0D7F5367B347}" type="presParOf" srcId="{3EC0E1BA-6C9D-4C76-88A4-E151095AE162}" destId="{B0354019-5BC2-4B27-ADAF-4FA00D08E054}" srcOrd="0" destOrd="0" presId="urn:microsoft.com/office/officeart/2005/8/layout/hierarchy1"/>
+    <dgm:cxn modelId="{2027FA65-9944-40EB-8731-4B76EBCFC4C1}" type="presParOf" srcId="{3EC0E1BA-6C9D-4C76-88A4-E151095AE162}" destId="{CE5C4825-0C03-4A12-B845-FD12C17691B7}" srcOrd="1" destOrd="0" presId="urn:microsoft.com/office/officeart/2005/8/layout/hierarchy1"/>
+    <dgm:cxn modelId="{E5C98A33-6FD0-4809-B518-77EA1B289DE7}" type="presParOf" srcId="{CE5C4825-0C03-4A12-B845-FD12C17691B7}" destId="{731A2741-A1A9-4E75-8246-060F38B771BE}" srcOrd="0" destOrd="0" presId="urn:microsoft.com/office/officeart/2005/8/layout/hierarchy1"/>
+    <dgm:cxn modelId="{19332357-8185-4465-8296-5D3C9981342A}" type="presParOf" srcId="{731A2741-A1A9-4E75-8246-060F38B771BE}" destId="{58D583E9-DB8A-4094-B8DD-9C526050570C}" srcOrd="0" destOrd="0" presId="urn:microsoft.com/office/officeart/2005/8/layout/hierarchy1"/>
+    <dgm:cxn modelId="{CFFF11FF-B279-42C9-8EB9-9E253E25BE1F}" type="presParOf" srcId="{731A2741-A1A9-4E75-8246-060F38B771BE}" destId="{828C6410-5A83-48C1-AD11-07DC077EFC44}" srcOrd="1" destOrd="0" presId="urn:microsoft.com/office/officeart/2005/8/layout/hierarchy1"/>
+    <dgm:cxn modelId="{AA6FC62A-144B-44B0-885A-5F7D265074E8}" type="presParOf" srcId="{CE5C4825-0C03-4A12-B845-FD12C17691B7}" destId="{3674F509-93DA-4E32-99F6-82C766B00C0C}" srcOrd="1" destOrd="0" presId="urn:microsoft.com/office/officeart/2005/8/layout/hierarchy1"/>
+    <dgm:cxn modelId="{C4B608C9-E110-43D1-87BA-4DAE85310C4F}" type="presParOf" srcId="{3674F509-93DA-4E32-99F6-82C766B00C0C}" destId="{D4980FB5-55EC-4BA1-AE85-D988670F3AB0}" srcOrd="0" destOrd="0" presId="urn:microsoft.com/office/officeart/2005/8/layout/hierarchy1"/>
+    <dgm:cxn modelId="{1C93DE35-43CA-4D6D-9680-EA3BAF34E3BC}" type="presParOf" srcId="{3674F509-93DA-4E32-99F6-82C766B00C0C}" destId="{AA1A8EE6-D69E-4AA4-9B66-F8102877C90D}" srcOrd="1" destOrd="0" presId="urn:microsoft.com/office/officeart/2005/8/layout/hierarchy1"/>
+    <dgm:cxn modelId="{71981B68-4D16-4E78-AEA5-D5B778BEB03E}" type="presParOf" srcId="{AA1A8EE6-D69E-4AA4-9B66-F8102877C90D}" destId="{35A96760-DD60-4448-953A-D828C389E293}" srcOrd="0" destOrd="0" presId="urn:microsoft.com/office/officeart/2005/8/layout/hierarchy1"/>
+    <dgm:cxn modelId="{63331D64-7129-471E-8CFB-B4123F564919}" type="presParOf" srcId="{35A96760-DD60-4448-953A-D828C389E293}" destId="{D1580254-1AFE-4869-BA07-F76550DC66CB}" srcOrd="0" destOrd="0" presId="urn:microsoft.com/office/officeart/2005/8/layout/hierarchy1"/>
+    <dgm:cxn modelId="{404A1834-B6CB-4F61-A7AE-B29268F173C9}" type="presParOf" srcId="{35A96760-DD60-4448-953A-D828C389E293}" destId="{07954426-B0BE-4214-8092-DE264F4CDD48}" srcOrd="1" destOrd="0" presId="urn:microsoft.com/office/officeart/2005/8/layout/hierarchy1"/>
+    <dgm:cxn modelId="{7991E977-98B5-4193-8D41-A5194DD15E64}" type="presParOf" srcId="{AA1A8EE6-D69E-4AA4-9B66-F8102877C90D}" destId="{F6E2B750-482F-4A0A-80C8-924AF68259E1}" srcOrd="1" destOrd="0" presId="urn:microsoft.com/office/officeart/2005/8/layout/hierarchy1"/>
+    <dgm:cxn modelId="{BE8D57F9-383F-4025-A150-976D064E15EF}" type="presParOf" srcId="{3674F509-93DA-4E32-99F6-82C766B00C0C}" destId="{D62D9C7B-95B8-4F85-B1E5-12C557FF4AC8}" srcOrd="2" destOrd="0" presId="urn:microsoft.com/office/officeart/2005/8/layout/hierarchy1"/>
+    <dgm:cxn modelId="{6D6058E6-43FA-4F0B-BC48-EF46B668C3B2}" type="presParOf" srcId="{3674F509-93DA-4E32-99F6-82C766B00C0C}" destId="{613688A2-7AB4-4A20-84E9-ADE7DAA7DCFA}" srcOrd="3" destOrd="0" presId="urn:microsoft.com/office/officeart/2005/8/layout/hierarchy1"/>
+    <dgm:cxn modelId="{79C72AB5-BA7C-4B2B-A94D-EAE27F541E99}" type="presParOf" srcId="{613688A2-7AB4-4A20-84E9-ADE7DAA7DCFA}" destId="{15844E24-5B1C-4110-9931-B1BE80DF9788}" srcOrd="0" destOrd="0" presId="urn:microsoft.com/office/officeart/2005/8/layout/hierarchy1"/>
+    <dgm:cxn modelId="{F80FD183-A58B-480D-BFA1-CEE1AEE7714E}" type="presParOf" srcId="{15844E24-5B1C-4110-9931-B1BE80DF9788}" destId="{58993DD9-1476-4477-AFCA-A0775103AA9C}" srcOrd="0" destOrd="0" presId="urn:microsoft.com/office/officeart/2005/8/layout/hierarchy1"/>
+    <dgm:cxn modelId="{06A0D148-30F0-4A6B-BBA5-ADB3DA8AA834}" type="presParOf" srcId="{15844E24-5B1C-4110-9931-B1BE80DF9788}" destId="{445377A3-5A99-40E6-B7F7-7FD301732A33}" srcOrd="1" destOrd="0" presId="urn:microsoft.com/office/officeart/2005/8/layout/hierarchy1"/>
+    <dgm:cxn modelId="{79BA369C-BD46-460D-A579-582EC3387595}" type="presParOf" srcId="{613688A2-7AB4-4A20-84E9-ADE7DAA7DCFA}" destId="{2D6D855B-B311-4CD6-9BF7-4CD660DDB99B}" srcOrd="1" destOrd="0" presId="urn:microsoft.com/office/officeart/2005/8/layout/hierarchy1"/>
+    <dgm:cxn modelId="{FB867A22-F773-4E9B-8B15-77F3115A8483}" type="presParOf" srcId="{3EC0E1BA-6C9D-4C76-88A4-E151095AE162}" destId="{E7A1C215-41EA-48DC-A129-4A06593AF3A4}" srcOrd="2" destOrd="0" presId="urn:microsoft.com/office/officeart/2005/8/layout/hierarchy1"/>
+    <dgm:cxn modelId="{056E5F1C-29FF-4A4A-8EF7-A7EE5A491F0D}" type="presParOf" srcId="{3EC0E1BA-6C9D-4C76-88A4-E151095AE162}" destId="{5C0B0210-A401-472B-A3DA-EC8FF51F799F}" srcOrd="3" destOrd="0" presId="urn:microsoft.com/office/officeart/2005/8/layout/hierarchy1"/>
+    <dgm:cxn modelId="{9F6090D8-5629-417A-B1EB-2944E68088FC}" type="presParOf" srcId="{5C0B0210-A401-472B-A3DA-EC8FF51F799F}" destId="{89F49A71-03A6-4CD7-A40B-CB04994FFF67}" srcOrd="0" destOrd="0" presId="urn:microsoft.com/office/officeart/2005/8/layout/hierarchy1"/>
+    <dgm:cxn modelId="{58AB3893-1D65-479C-823C-D5EE8C5A3B38}" type="presParOf" srcId="{89F49A71-03A6-4CD7-A40B-CB04994FFF67}" destId="{CBC496BB-2BA5-4F23-AC92-6B88A2B94F2C}" srcOrd="0" destOrd="0" presId="urn:microsoft.com/office/officeart/2005/8/layout/hierarchy1"/>
+    <dgm:cxn modelId="{9FEC5BD4-C78A-4BA6-AB6B-3BBE5BB78791}" type="presParOf" srcId="{89F49A71-03A6-4CD7-A40B-CB04994FFF67}" destId="{3FFEBBD8-D729-426F-8B65-E89C2E9D28D3}" srcOrd="1" destOrd="0" presId="urn:microsoft.com/office/officeart/2005/8/layout/hierarchy1"/>
+    <dgm:cxn modelId="{FF7A2024-2BB9-4CBC-A3DB-526BE54896EB}" type="presParOf" srcId="{5C0B0210-A401-472B-A3DA-EC8FF51F799F}" destId="{96B70CF0-ACF0-44FC-8B89-268DD9B852DC}" srcOrd="1" destOrd="0" presId="urn:microsoft.com/office/officeart/2005/8/layout/hierarchy1"/>
+    <dgm:cxn modelId="{19E3E2AC-6A2E-4C94-AB63-0EBAB6A45997}" type="presParOf" srcId="{96B70CF0-ACF0-44FC-8B89-268DD9B852DC}" destId="{EBFC8CBB-D462-479A-ACE0-D8F585F83C9F}" srcOrd="0" destOrd="0" presId="urn:microsoft.com/office/officeart/2005/8/layout/hierarchy1"/>
+    <dgm:cxn modelId="{E5BD19E5-AD21-4107-8F03-C746BC0F8C97}" type="presParOf" srcId="{96B70CF0-ACF0-44FC-8B89-268DD9B852DC}" destId="{9AAC550C-FE73-4B66-9ED2-00CC84B5811E}" srcOrd="1" destOrd="0" presId="urn:microsoft.com/office/officeart/2005/8/layout/hierarchy1"/>
+    <dgm:cxn modelId="{C3007176-3C68-4397-B53E-A53512CAC227}" type="presParOf" srcId="{9AAC550C-FE73-4B66-9ED2-00CC84B5811E}" destId="{87CFD457-20B7-41E7-9431-4D6CA5B8BBE8}" srcOrd="0" destOrd="0" presId="urn:microsoft.com/office/officeart/2005/8/layout/hierarchy1"/>
+    <dgm:cxn modelId="{1474F030-F781-4162-9C91-2ECE1DC85FF6}" type="presParOf" srcId="{87CFD457-20B7-41E7-9431-4D6CA5B8BBE8}" destId="{12CCBC65-9F70-47F3-BE93-A0F0A456FB0A}" srcOrd="0" destOrd="0" presId="urn:microsoft.com/office/officeart/2005/8/layout/hierarchy1"/>
+    <dgm:cxn modelId="{154DE1EF-D6EE-436F-BA48-9C306ABBECA1}" type="presParOf" srcId="{87CFD457-20B7-41E7-9431-4D6CA5B8BBE8}" destId="{BAB30063-3D05-4F65-B673-D79E9AC6AC48}" srcOrd="1" destOrd="0" presId="urn:microsoft.com/office/officeart/2005/8/layout/hierarchy1"/>
+    <dgm:cxn modelId="{7539799F-AAFC-43D2-BEC9-3F016D137775}" type="presParOf" srcId="{9AAC550C-FE73-4B66-9ED2-00CC84B5811E}" destId="{4D79E459-8318-4F60-9B87-11B301C5ADDA}" srcOrd="1" destOrd="0" presId="urn:microsoft.com/office/officeart/2005/8/layout/hierarchy1"/>
+    <dgm:cxn modelId="{FE0AB391-79DF-45DA-94EE-8DC1E2FB800D}" type="presParOf" srcId="{96B70CF0-ACF0-44FC-8B89-268DD9B852DC}" destId="{E80F1F45-9864-4AB4-99BC-9A6BC5EDEC0C}" srcOrd="2" destOrd="0" presId="urn:microsoft.com/office/officeart/2005/8/layout/hierarchy1"/>
+    <dgm:cxn modelId="{91B97251-6B49-41BB-B9E1-CAF05C5EB34E}" type="presParOf" srcId="{96B70CF0-ACF0-44FC-8B89-268DD9B852DC}" destId="{E790FE26-C9E0-40AB-BC4D-5564FB108FA3}" srcOrd="3" destOrd="0" presId="urn:microsoft.com/office/officeart/2005/8/layout/hierarchy1"/>
+    <dgm:cxn modelId="{DA86EED9-91A9-4B65-BB52-557CCC89E29F}" type="presParOf" srcId="{E790FE26-C9E0-40AB-BC4D-5564FB108FA3}" destId="{53105E27-D221-4988-AB40-2AF9F23FB312}" srcOrd="0" destOrd="0" presId="urn:microsoft.com/office/officeart/2005/8/layout/hierarchy1"/>
+    <dgm:cxn modelId="{C0A5FA08-17FE-4A3B-ABC0-4949F4B00B49}" type="presParOf" srcId="{53105E27-D221-4988-AB40-2AF9F23FB312}" destId="{EEDF098D-D4B6-42D4-9618-B9A14977B369}" srcOrd="0" destOrd="0" presId="urn:microsoft.com/office/officeart/2005/8/layout/hierarchy1"/>
+    <dgm:cxn modelId="{BFC9A109-97FF-43EC-8E0E-1E7ABBAA29E9}" type="presParOf" srcId="{53105E27-D221-4988-AB40-2AF9F23FB312}" destId="{4568BD25-A609-4A48-85CE-605F5FD0B36C}" srcOrd="1" destOrd="0" presId="urn:microsoft.com/office/officeart/2005/8/layout/hierarchy1"/>
+    <dgm:cxn modelId="{1F91ECF1-DCA3-497F-B0AA-51642E1C8A4B}" type="presParOf" srcId="{E790FE26-C9E0-40AB-BC4D-5564FB108FA3}" destId="{30DB8DA6-4B96-492B-99E7-06DEACA55BBE}" srcOrd="1" destOrd="0" presId="urn:microsoft.com/office/officeart/2005/8/layout/hierarchy1"/>
   </dgm:cxnLst>
   <dgm:bg/>
   <dgm:whole/>
@@ -1947,6 +3242,1307 @@
 </dsp:drawing>
 </file>
 
+<file path=ppt/diagrams/drawing2.xml><?xml version="1.0" encoding="utf-8"?>
+<dsp:drawing xmlns:dgm="http://schemas.openxmlformats.org/drawingml/2006/diagram" xmlns:dsp="http://schemas.microsoft.com/office/drawing/2008/diagram" xmlns:a="http://schemas.openxmlformats.org/drawingml/2006/main">
+  <dsp:spTree>
+    <dsp:nvGrpSpPr>
+      <dsp:cNvPr id="0" name=""/>
+      <dsp:cNvGrpSpPr/>
+    </dsp:nvGrpSpPr>
+    <dsp:grpSpPr/>
+    <dsp:sp modelId="{E80F1F45-9864-4AB4-99BC-9A6BC5EDEC0C}">
+      <dsp:nvSpPr>
+        <dsp:cNvPr id="0" name=""/>
+        <dsp:cNvSpPr/>
+      </dsp:nvSpPr>
+      <dsp:spPr>
+        <a:xfrm>
+          <a:off x="6047581" y="3159417"/>
+          <a:ext cx="1039018" cy="494478"/>
+        </a:xfrm>
+        <a:custGeom>
+          <a:avLst/>
+          <a:gdLst/>
+          <a:ahLst/>
+          <a:cxnLst/>
+          <a:rect l="0" t="0" r="0" b="0"/>
+          <a:pathLst>
+            <a:path>
+              <a:moveTo>
+                <a:pt x="0" y="0"/>
+              </a:moveTo>
+              <a:lnTo>
+                <a:pt x="0" y="336972"/>
+              </a:lnTo>
+              <a:lnTo>
+                <a:pt x="1039018" y="336972"/>
+              </a:lnTo>
+              <a:lnTo>
+                <a:pt x="1039018" y="494478"/>
+              </a:lnTo>
+            </a:path>
+          </a:pathLst>
+        </a:custGeom>
+        <a:noFill/>
+        <a:ln w="19050" cap="flat" cmpd="sng" algn="ctr">
+          <a:solidFill>
+            <a:schemeClr val="accent1">
+              <a:shade val="80000"/>
+              <a:hueOff val="0"/>
+              <a:satOff val="0"/>
+              <a:lumOff val="0"/>
+              <a:alphaOff val="0"/>
+            </a:schemeClr>
+          </a:solidFill>
+          <a:prstDash val="solid"/>
+          <a:miter lim="800000"/>
+        </a:ln>
+        <a:effectLst/>
+      </dsp:spPr>
+      <dsp:style>
+        <a:lnRef idx="2">
+          <a:scrgbClr r="0" g="0" b="0"/>
+        </a:lnRef>
+        <a:fillRef idx="0">
+          <a:scrgbClr r="0" g="0" b="0"/>
+        </a:fillRef>
+        <a:effectRef idx="0">
+          <a:scrgbClr r="0" g="0" b="0"/>
+        </a:effectRef>
+        <a:fontRef idx="minor"/>
+      </dsp:style>
+    </dsp:sp>
+    <dsp:sp modelId="{EBFC8CBB-D462-479A-ACE0-D8F585F83C9F}">
+      <dsp:nvSpPr>
+        <dsp:cNvPr id="0" name=""/>
+        <dsp:cNvSpPr/>
+      </dsp:nvSpPr>
+      <dsp:spPr>
+        <a:xfrm>
+          <a:off x="5008562" y="3159417"/>
+          <a:ext cx="1039018" cy="494478"/>
+        </a:xfrm>
+        <a:custGeom>
+          <a:avLst/>
+          <a:gdLst/>
+          <a:ahLst/>
+          <a:cxnLst/>
+          <a:rect l="0" t="0" r="0" b="0"/>
+          <a:pathLst>
+            <a:path>
+              <a:moveTo>
+                <a:pt x="1039018" y="0"/>
+              </a:moveTo>
+              <a:lnTo>
+                <a:pt x="1039018" y="336972"/>
+              </a:lnTo>
+              <a:lnTo>
+                <a:pt x="0" y="336972"/>
+              </a:lnTo>
+              <a:lnTo>
+                <a:pt x="0" y="494478"/>
+              </a:lnTo>
+            </a:path>
+          </a:pathLst>
+        </a:custGeom>
+        <a:noFill/>
+        <a:ln w="19050" cap="flat" cmpd="sng" algn="ctr">
+          <a:solidFill>
+            <a:schemeClr val="accent1">
+              <a:shade val="80000"/>
+              <a:hueOff val="0"/>
+              <a:satOff val="0"/>
+              <a:lumOff val="0"/>
+              <a:alphaOff val="0"/>
+            </a:schemeClr>
+          </a:solidFill>
+          <a:prstDash val="solid"/>
+          <a:miter lim="800000"/>
+        </a:ln>
+        <a:effectLst/>
+      </dsp:spPr>
+      <dsp:style>
+        <a:lnRef idx="2">
+          <a:scrgbClr r="0" g="0" b="0"/>
+        </a:lnRef>
+        <a:fillRef idx="0">
+          <a:scrgbClr r="0" g="0" b="0"/>
+        </a:fillRef>
+        <a:effectRef idx="0">
+          <a:scrgbClr r="0" g="0" b="0"/>
+        </a:effectRef>
+        <a:fontRef idx="minor"/>
+      </dsp:style>
+    </dsp:sp>
+    <dsp:sp modelId="{E7A1C215-41EA-48DC-A129-4A06593AF3A4}">
+      <dsp:nvSpPr>
+        <dsp:cNvPr id="0" name=""/>
+        <dsp:cNvSpPr/>
+      </dsp:nvSpPr>
+      <dsp:spPr>
+        <a:xfrm>
+          <a:off x="4052667" y="1613007"/>
+          <a:ext cx="1994914" cy="466775"/>
+        </a:xfrm>
+        <a:custGeom>
+          <a:avLst/>
+          <a:gdLst/>
+          <a:ahLst/>
+          <a:cxnLst/>
+          <a:rect l="0" t="0" r="0" b="0"/>
+          <a:pathLst>
+            <a:path>
+              <a:moveTo>
+                <a:pt x="0" y="0"/>
+              </a:moveTo>
+              <a:lnTo>
+                <a:pt x="0" y="309269"/>
+              </a:lnTo>
+              <a:lnTo>
+                <a:pt x="1994914" y="309269"/>
+              </a:lnTo>
+              <a:lnTo>
+                <a:pt x="1994914" y="466775"/>
+              </a:lnTo>
+            </a:path>
+          </a:pathLst>
+        </a:custGeom>
+        <a:noFill/>
+        <a:ln w="19050" cap="flat" cmpd="sng" algn="ctr">
+          <a:solidFill>
+            <a:schemeClr val="accent1">
+              <a:shade val="60000"/>
+              <a:hueOff val="0"/>
+              <a:satOff val="0"/>
+              <a:lumOff val="0"/>
+              <a:alphaOff val="0"/>
+            </a:schemeClr>
+          </a:solidFill>
+          <a:prstDash val="solid"/>
+          <a:miter lim="800000"/>
+        </a:ln>
+        <a:effectLst/>
+      </dsp:spPr>
+      <dsp:style>
+        <a:lnRef idx="2">
+          <a:scrgbClr r="0" g="0" b="0"/>
+        </a:lnRef>
+        <a:fillRef idx="0">
+          <a:scrgbClr r="0" g="0" b="0"/>
+        </a:fillRef>
+        <a:effectRef idx="0">
+          <a:scrgbClr r="0" g="0" b="0"/>
+        </a:effectRef>
+        <a:fontRef idx="minor"/>
+      </dsp:style>
+    </dsp:sp>
+    <dsp:sp modelId="{D62D9C7B-95B8-4F85-B1E5-12C557FF4AC8}">
+      <dsp:nvSpPr>
+        <dsp:cNvPr id="0" name=""/>
+        <dsp:cNvSpPr/>
+      </dsp:nvSpPr>
+      <dsp:spPr>
+        <a:xfrm>
+          <a:off x="1891506" y="3159417"/>
+          <a:ext cx="1039018" cy="494478"/>
+        </a:xfrm>
+        <a:custGeom>
+          <a:avLst/>
+          <a:gdLst/>
+          <a:ahLst/>
+          <a:cxnLst/>
+          <a:rect l="0" t="0" r="0" b="0"/>
+          <a:pathLst>
+            <a:path>
+              <a:moveTo>
+                <a:pt x="0" y="0"/>
+              </a:moveTo>
+              <a:lnTo>
+                <a:pt x="0" y="336972"/>
+              </a:lnTo>
+              <a:lnTo>
+                <a:pt x="1039018" y="336972"/>
+              </a:lnTo>
+              <a:lnTo>
+                <a:pt x="1039018" y="494478"/>
+              </a:lnTo>
+            </a:path>
+          </a:pathLst>
+        </a:custGeom>
+        <a:noFill/>
+        <a:ln w="19050" cap="flat" cmpd="sng" algn="ctr">
+          <a:solidFill>
+            <a:schemeClr val="accent1">
+              <a:shade val="80000"/>
+              <a:hueOff val="0"/>
+              <a:satOff val="0"/>
+              <a:lumOff val="0"/>
+              <a:alphaOff val="0"/>
+            </a:schemeClr>
+          </a:solidFill>
+          <a:prstDash val="solid"/>
+          <a:miter lim="800000"/>
+        </a:ln>
+        <a:effectLst/>
+      </dsp:spPr>
+      <dsp:style>
+        <a:lnRef idx="2">
+          <a:scrgbClr r="0" g="0" b="0"/>
+        </a:lnRef>
+        <a:fillRef idx="0">
+          <a:scrgbClr r="0" g="0" b="0"/>
+        </a:fillRef>
+        <a:effectRef idx="0">
+          <a:scrgbClr r="0" g="0" b="0"/>
+        </a:effectRef>
+        <a:fontRef idx="minor"/>
+      </dsp:style>
+    </dsp:sp>
+    <dsp:sp modelId="{D4980FB5-55EC-4BA1-AE85-D988670F3AB0}">
+      <dsp:nvSpPr>
+        <dsp:cNvPr id="0" name=""/>
+        <dsp:cNvSpPr/>
+      </dsp:nvSpPr>
+      <dsp:spPr>
+        <a:xfrm>
+          <a:off x="852487" y="3159417"/>
+          <a:ext cx="1039018" cy="494478"/>
+        </a:xfrm>
+        <a:custGeom>
+          <a:avLst/>
+          <a:gdLst/>
+          <a:ahLst/>
+          <a:cxnLst/>
+          <a:rect l="0" t="0" r="0" b="0"/>
+          <a:pathLst>
+            <a:path>
+              <a:moveTo>
+                <a:pt x="1039018" y="0"/>
+              </a:moveTo>
+              <a:lnTo>
+                <a:pt x="1039018" y="336972"/>
+              </a:lnTo>
+              <a:lnTo>
+                <a:pt x="0" y="336972"/>
+              </a:lnTo>
+              <a:lnTo>
+                <a:pt x="0" y="494478"/>
+              </a:lnTo>
+            </a:path>
+          </a:pathLst>
+        </a:custGeom>
+        <a:noFill/>
+        <a:ln w="19050" cap="flat" cmpd="sng" algn="ctr">
+          <a:solidFill>
+            <a:schemeClr val="accent1">
+              <a:shade val="80000"/>
+              <a:hueOff val="0"/>
+              <a:satOff val="0"/>
+              <a:lumOff val="0"/>
+              <a:alphaOff val="0"/>
+            </a:schemeClr>
+          </a:solidFill>
+          <a:prstDash val="solid"/>
+          <a:miter lim="800000"/>
+        </a:ln>
+        <a:effectLst/>
+      </dsp:spPr>
+      <dsp:style>
+        <a:lnRef idx="2">
+          <a:scrgbClr r="0" g="0" b="0"/>
+        </a:lnRef>
+        <a:fillRef idx="0">
+          <a:scrgbClr r="0" g="0" b="0"/>
+        </a:fillRef>
+        <a:effectRef idx="0">
+          <a:scrgbClr r="0" g="0" b="0"/>
+        </a:effectRef>
+        <a:fontRef idx="minor"/>
+      </dsp:style>
+    </dsp:sp>
+    <dsp:sp modelId="{B0354019-5BC2-4B27-ADAF-4FA00D08E054}">
+      <dsp:nvSpPr>
+        <dsp:cNvPr id="0" name=""/>
+        <dsp:cNvSpPr/>
+      </dsp:nvSpPr>
+      <dsp:spPr>
+        <a:xfrm>
+          <a:off x="1891506" y="1613007"/>
+          <a:ext cx="2161160" cy="466775"/>
+        </a:xfrm>
+        <a:custGeom>
+          <a:avLst/>
+          <a:gdLst/>
+          <a:ahLst/>
+          <a:cxnLst/>
+          <a:rect l="0" t="0" r="0" b="0"/>
+          <a:pathLst>
+            <a:path>
+              <a:moveTo>
+                <a:pt x="2161160" y="0"/>
+              </a:moveTo>
+              <a:lnTo>
+                <a:pt x="2161160" y="309269"/>
+              </a:lnTo>
+              <a:lnTo>
+                <a:pt x="0" y="309269"/>
+              </a:lnTo>
+              <a:lnTo>
+                <a:pt x="0" y="466775"/>
+              </a:lnTo>
+            </a:path>
+          </a:pathLst>
+        </a:custGeom>
+        <a:noFill/>
+        <a:ln w="19050" cap="flat" cmpd="sng" algn="ctr">
+          <a:solidFill>
+            <a:schemeClr val="accent1">
+              <a:shade val="60000"/>
+              <a:hueOff val="0"/>
+              <a:satOff val="0"/>
+              <a:lumOff val="0"/>
+              <a:alphaOff val="0"/>
+            </a:schemeClr>
+          </a:solidFill>
+          <a:prstDash val="solid"/>
+          <a:miter lim="800000"/>
+        </a:ln>
+        <a:effectLst/>
+      </dsp:spPr>
+      <dsp:style>
+        <a:lnRef idx="2">
+          <a:scrgbClr r="0" g="0" b="0"/>
+        </a:lnRef>
+        <a:fillRef idx="0">
+          <a:scrgbClr r="0" g="0" b="0"/>
+        </a:fillRef>
+        <a:effectRef idx="0">
+          <a:scrgbClr r="0" g="0" b="0"/>
+        </a:effectRef>
+        <a:fontRef idx="minor"/>
+      </dsp:style>
+    </dsp:sp>
+    <dsp:sp modelId="{083CDD49-DAB8-4D06-BCCD-E9710995DAB8}">
+      <dsp:nvSpPr>
+        <dsp:cNvPr id="0" name=""/>
+        <dsp:cNvSpPr/>
+      </dsp:nvSpPr>
+      <dsp:spPr>
+        <a:xfrm>
+          <a:off x="3202560" y="533372"/>
+          <a:ext cx="1700212" cy="1079634"/>
+        </a:xfrm>
+        <a:prstGeom prst="roundRect">
+          <a:avLst>
+            <a:gd name="adj" fmla="val 10000"/>
+          </a:avLst>
+        </a:prstGeom>
+        <a:solidFill>
+          <a:schemeClr val="accent1">
+            <a:hueOff val="0"/>
+            <a:satOff val="0"/>
+            <a:lumOff val="0"/>
+            <a:alphaOff val="0"/>
+          </a:schemeClr>
+        </a:solidFill>
+        <a:ln w="19050" cap="flat" cmpd="sng" algn="ctr">
+          <a:solidFill>
+            <a:schemeClr val="lt1">
+              <a:hueOff val="0"/>
+              <a:satOff val="0"/>
+              <a:lumOff val="0"/>
+              <a:alphaOff val="0"/>
+            </a:schemeClr>
+          </a:solidFill>
+          <a:prstDash val="solid"/>
+          <a:miter lim="800000"/>
+        </a:ln>
+        <a:effectLst/>
+      </dsp:spPr>
+      <dsp:style>
+        <a:lnRef idx="2">
+          <a:scrgbClr r="0" g="0" b="0"/>
+        </a:lnRef>
+        <a:fillRef idx="1">
+          <a:scrgbClr r="0" g="0" b="0"/>
+        </a:fillRef>
+        <a:effectRef idx="0">
+          <a:scrgbClr r="0" g="0" b="0"/>
+        </a:effectRef>
+        <a:fontRef idx="minor">
+          <a:schemeClr val="lt1"/>
+        </a:fontRef>
+      </dsp:style>
+    </dsp:sp>
+    <dsp:sp modelId="{3B6F7B02-A1C9-4EBC-9CB8-56DDEA9E5DA7}">
+      <dsp:nvSpPr>
+        <dsp:cNvPr id="0" name=""/>
+        <dsp:cNvSpPr/>
+      </dsp:nvSpPr>
+      <dsp:spPr>
+        <a:xfrm>
+          <a:off x="3391473" y="712839"/>
+          <a:ext cx="1700212" cy="1079634"/>
+        </a:xfrm>
+        <a:prstGeom prst="roundRect">
+          <a:avLst>
+            <a:gd name="adj" fmla="val 10000"/>
+          </a:avLst>
+        </a:prstGeom>
+        <a:solidFill>
+          <a:schemeClr val="lt1">
+            <a:alpha val="90000"/>
+            <a:hueOff val="0"/>
+            <a:satOff val="0"/>
+            <a:lumOff val="0"/>
+            <a:alphaOff val="0"/>
+          </a:schemeClr>
+        </a:solidFill>
+        <a:ln w="19050" cap="flat" cmpd="sng" algn="ctr">
+          <a:solidFill>
+            <a:schemeClr val="accent1">
+              <a:hueOff val="0"/>
+              <a:satOff val="0"/>
+              <a:lumOff val="0"/>
+              <a:alphaOff val="0"/>
+            </a:schemeClr>
+          </a:solidFill>
+          <a:prstDash val="solid"/>
+          <a:miter lim="800000"/>
+        </a:ln>
+        <a:effectLst/>
+      </dsp:spPr>
+      <dsp:style>
+        <a:lnRef idx="2">
+          <a:scrgbClr r="0" g="0" b="0"/>
+        </a:lnRef>
+        <a:fillRef idx="1">
+          <a:scrgbClr r="0" g="0" b="0"/>
+        </a:fillRef>
+        <a:effectRef idx="0">
+          <a:scrgbClr r="0" g="0" b="0"/>
+        </a:effectRef>
+        <a:fontRef idx="minor"/>
+      </dsp:style>
+      <dsp:txBody>
+        <a:bodyPr spcFirstLastPara="0" vert="horz" wrap="square" lIns="83820" tIns="83820" rIns="83820" bIns="83820" numCol="1" spcCol="1270" anchor="ctr" anchorCtr="0">
+          <a:noAutofit/>
+        </a:bodyPr>
+        <a:lstStyle/>
+        <a:p>
+          <a:pPr marL="0" lvl="0" indent="0" algn="ctr" defTabSz="977900">
+            <a:lnSpc>
+              <a:spcPct val="90000"/>
+            </a:lnSpc>
+            <a:spcBef>
+              <a:spcPct val="0"/>
+            </a:spcBef>
+            <a:spcAft>
+              <a:spcPct val="35000"/>
+            </a:spcAft>
+            <a:buNone/>
+          </a:pPr>
+          <a:r>
+            <a:rPr lang="fr-FR" sz="2200" kern="1200" dirty="0"/>
+            <a:t>Variable</a:t>
+          </a:r>
+        </a:p>
+      </dsp:txBody>
+      <dsp:txXfrm>
+        <a:off x="3423094" y="744460"/>
+        <a:ext cx="1636970" cy="1016392"/>
+      </dsp:txXfrm>
+    </dsp:sp>
+    <dsp:sp modelId="{58D583E9-DB8A-4094-B8DD-9C526050570C}">
+      <dsp:nvSpPr>
+        <dsp:cNvPr id="0" name=""/>
+        <dsp:cNvSpPr/>
+      </dsp:nvSpPr>
+      <dsp:spPr>
+        <a:xfrm>
+          <a:off x="1041399" y="2079782"/>
+          <a:ext cx="1700212" cy="1079634"/>
+        </a:xfrm>
+        <a:prstGeom prst="roundRect">
+          <a:avLst>
+            <a:gd name="adj" fmla="val 10000"/>
+          </a:avLst>
+        </a:prstGeom>
+        <a:solidFill>
+          <a:schemeClr val="accent1">
+            <a:hueOff val="0"/>
+            <a:satOff val="0"/>
+            <a:lumOff val="0"/>
+            <a:alphaOff val="0"/>
+          </a:schemeClr>
+        </a:solidFill>
+        <a:ln w="19050" cap="flat" cmpd="sng" algn="ctr">
+          <a:solidFill>
+            <a:schemeClr val="lt1">
+              <a:hueOff val="0"/>
+              <a:satOff val="0"/>
+              <a:lumOff val="0"/>
+              <a:alphaOff val="0"/>
+            </a:schemeClr>
+          </a:solidFill>
+          <a:prstDash val="solid"/>
+          <a:miter lim="800000"/>
+        </a:ln>
+        <a:effectLst/>
+      </dsp:spPr>
+      <dsp:style>
+        <a:lnRef idx="2">
+          <a:scrgbClr r="0" g="0" b="0"/>
+        </a:lnRef>
+        <a:fillRef idx="1">
+          <a:scrgbClr r="0" g="0" b="0"/>
+        </a:fillRef>
+        <a:effectRef idx="0">
+          <a:scrgbClr r="0" g="0" b="0"/>
+        </a:effectRef>
+        <a:fontRef idx="minor">
+          <a:schemeClr val="lt1"/>
+        </a:fontRef>
+      </dsp:style>
+    </dsp:sp>
+    <dsp:sp modelId="{828C6410-5A83-48C1-AD11-07DC077EFC44}">
+      <dsp:nvSpPr>
+        <dsp:cNvPr id="0" name=""/>
+        <dsp:cNvSpPr/>
+      </dsp:nvSpPr>
+      <dsp:spPr>
+        <a:xfrm>
+          <a:off x="1230312" y="2259249"/>
+          <a:ext cx="1700212" cy="1079634"/>
+        </a:xfrm>
+        <a:prstGeom prst="roundRect">
+          <a:avLst>
+            <a:gd name="adj" fmla="val 10000"/>
+          </a:avLst>
+        </a:prstGeom>
+        <a:solidFill>
+          <a:schemeClr val="lt1">
+            <a:alpha val="90000"/>
+            <a:hueOff val="0"/>
+            <a:satOff val="0"/>
+            <a:lumOff val="0"/>
+            <a:alphaOff val="0"/>
+          </a:schemeClr>
+        </a:solidFill>
+        <a:ln w="19050" cap="flat" cmpd="sng" algn="ctr">
+          <a:solidFill>
+            <a:schemeClr val="accent1">
+              <a:hueOff val="0"/>
+              <a:satOff val="0"/>
+              <a:lumOff val="0"/>
+              <a:alphaOff val="0"/>
+            </a:schemeClr>
+          </a:solidFill>
+          <a:prstDash val="solid"/>
+          <a:miter lim="800000"/>
+        </a:ln>
+        <a:effectLst/>
+      </dsp:spPr>
+      <dsp:style>
+        <a:lnRef idx="2">
+          <a:scrgbClr r="0" g="0" b="0"/>
+        </a:lnRef>
+        <a:fillRef idx="1">
+          <a:scrgbClr r="0" g="0" b="0"/>
+        </a:fillRef>
+        <a:effectRef idx="0">
+          <a:scrgbClr r="0" g="0" b="0"/>
+        </a:effectRef>
+        <a:fontRef idx="minor"/>
+      </dsp:style>
+      <dsp:txBody>
+        <a:bodyPr spcFirstLastPara="0" vert="horz" wrap="square" lIns="83820" tIns="83820" rIns="83820" bIns="83820" numCol="1" spcCol="1270" anchor="ctr" anchorCtr="0">
+          <a:noAutofit/>
+        </a:bodyPr>
+        <a:lstStyle/>
+        <a:p>
+          <a:pPr marL="0" lvl="0" indent="0" algn="ctr" defTabSz="977900">
+            <a:lnSpc>
+              <a:spcPct val="90000"/>
+            </a:lnSpc>
+            <a:spcBef>
+              <a:spcPct val="0"/>
+            </a:spcBef>
+            <a:spcAft>
+              <a:spcPct val="35000"/>
+            </a:spcAft>
+            <a:buNone/>
+          </a:pPr>
+          <a:r>
+            <a:rPr lang="fr-FR" sz="2200" kern="1200" dirty="0"/>
+            <a:t>qualitative</a:t>
+          </a:r>
+        </a:p>
+      </dsp:txBody>
+      <dsp:txXfrm>
+        <a:off x="1261933" y="2290870"/>
+        <a:ext cx="1636970" cy="1016392"/>
+      </dsp:txXfrm>
+    </dsp:sp>
+    <dsp:sp modelId="{D1580254-1AFE-4869-BA07-F76550DC66CB}">
+      <dsp:nvSpPr>
+        <dsp:cNvPr id="0" name=""/>
+        <dsp:cNvSpPr/>
+      </dsp:nvSpPr>
+      <dsp:spPr>
+        <a:xfrm>
+          <a:off x="2381" y="3653896"/>
+          <a:ext cx="1700212" cy="1079634"/>
+        </a:xfrm>
+        <a:prstGeom prst="roundRect">
+          <a:avLst>
+            <a:gd name="adj" fmla="val 10000"/>
+          </a:avLst>
+        </a:prstGeom>
+        <a:solidFill>
+          <a:schemeClr val="accent1">
+            <a:hueOff val="0"/>
+            <a:satOff val="0"/>
+            <a:lumOff val="0"/>
+            <a:alphaOff val="0"/>
+          </a:schemeClr>
+        </a:solidFill>
+        <a:ln w="19050" cap="flat" cmpd="sng" algn="ctr">
+          <a:solidFill>
+            <a:schemeClr val="lt1">
+              <a:hueOff val="0"/>
+              <a:satOff val="0"/>
+              <a:lumOff val="0"/>
+              <a:alphaOff val="0"/>
+            </a:schemeClr>
+          </a:solidFill>
+          <a:prstDash val="solid"/>
+          <a:miter lim="800000"/>
+        </a:ln>
+        <a:effectLst/>
+      </dsp:spPr>
+      <dsp:style>
+        <a:lnRef idx="2">
+          <a:scrgbClr r="0" g="0" b="0"/>
+        </a:lnRef>
+        <a:fillRef idx="1">
+          <a:scrgbClr r="0" g="0" b="0"/>
+        </a:fillRef>
+        <a:effectRef idx="0">
+          <a:scrgbClr r="0" g="0" b="0"/>
+        </a:effectRef>
+        <a:fontRef idx="minor">
+          <a:schemeClr val="lt1"/>
+        </a:fontRef>
+      </dsp:style>
+    </dsp:sp>
+    <dsp:sp modelId="{07954426-B0BE-4214-8092-DE264F4CDD48}">
+      <dsp:nvSpPr>
+        <dsp:cNvPr id="0" name=""/>
+        <dsp:cNvSpPr/>
+      </dsp:nvSpPr>
+      <dsp:spPr>
+        <a:xfrm>
+          <a:off x="191293" y="3833362"/>
+          <a:ext cx="1700212" cy="1079634"/>
+        </a:xfrm>
+        <a:prstGeom prst="roundRect">
+          <a:avLst>
+            <a:gd name="adj" fmla="val 10000"/>
+          </a:avLst>
+        </a:prstGeom>
+        <a:solidFill>
+          <a:schemeClr val="lt1">
+            <a:alpha val="90000"/>
+            <a:hueOff val="0"/>
+            <a:satOff val="0"/>
+            <a:lumOff val="0"/>
+            <a:alphaOff val="0"/>
+          </a:schemeClr>
+        </a:solidFill>
+        <a:ln w="19050" cap="flat" cmpd="sng" algn="ctr">
+          <a:solidFill>
+            <a:schemeClr val="accent1">
+              <a:hueOff val="0"/>
+              <a:satOff val="0"/>
+              <a:lumOff val="0"/>
+              <a:alphaOff val="0"/>
+            </a:schemeClr>
+          </a:solidFill>
+          <a:prstDash val="solid"/>
+          <a:miter lim="800000"/>
+        </a:ln>
+        <a:effectLst/>
+      </dsp:spPr>
+      <dsp:style>
+        <a:lnRef idx="2">
+          <a:scrgbClr r="0" g="0" b="0"/>
+        </a:lnRef>
+        <a:fillRef idx="1">
+          <a:scrgbClr r="0" g="0" b="0"/>
+        </a:fillRef>
+        <a:effectRef idx="0">
+          <a:scrgbClr r="0" g="0" b="0"/>
+        </a:effectRef>
+        <a:fontRef idx="minor"/>
+      </dsp:style>
+      <dsp:txBody>
+        <a:bodyPr spcFirstLastPara="0" vert="horz" wrap="square" lIns="83820" tIns="83820" rIns="83820" bIns="83820" numCol="1" spcCol="1270" anchor="ctr" anchorCtr="0">
+          <a:noAutofit/>
+        </a:bodyPr>
+        <a:lstStyle/>
+        <a:p>
+          <a:pPr marL="0" lvl="0" indent="0" algn="ctr" defTabSz="977900">
+            <a:lnSpc>
+              <a:spcPct val="90000"/>
+            </a:lnSpc>
+            <a:spcBef>
+              <a:spcPct val="0"/>
+            </a:spcBef>
+            <a:spcAft>
+              <a:spcPct val="35000"/>
+            </a:spcAft>
+            <a:buNone/>
+          </a:pPr>
+          <a:r>
+            <a:rPr lang="fr-FR" sz="2200" kern="1200" dirty="0"/>
+            <a:t>nominale</a:t>
+          </a:r>
+        </a:p>
+      </dsp:txBody>
+      <dsp:txXfrm>
+        <a:off x="222914" y="3864983"/>
+        <a:ext cx="1636970" cy="1016392"/>
+      </dsp:txXfrm>
+    </dsp:sp>
+    <dsp:sp modelId="{58993DD9-1476-4477-AFCA-A0775103AA9C}">
+      <dsp:nvSpPr>
+        <dsp:cNvPr id="0" name=""/>
+        <dsp:cNvSpPr/>
+      </dsp:nvSpPr>
+      <dsp:spPr>
+        <a:xfrm>
+          <a:off x="2080418" y="3653896"/>
+          <a:ext cx="1700212" cy="1079634"/>
+        </a:xfrm>
+        <a:prstGeom prst="roundRect">
+          <a:avLst>
+            <a:gd name="adj" fmla="val 10000"/>
+          </a:avLst>
+        </a:prstGeom>
+        <a:solidFill>
+          <a:schemeClr val="accent1">
+            <a:hueOff val="0"/>
+            <a:satOff val="0"/>
+            <a:lumOff val="0"/>
+            <a:alphaOff val="0"/>
+          </a:schemeClr>
+        </a:solidFill>
+        <a:ln w="19050" cap="flat" cmpd="sng" algn="ctr">
+          <a:solidFill>
+            <a:schemeClr val="lt1">
+              <a:hueOff val="0"/>
+              <a:satOff val="0"/>
+              <a:lumOff val="0"/>
+              <a:alphaOff val="0"/>
+            </a:schemeClr>
+          </a:solidFill>
+          <a:prstDash val="solid"/>
+          <a:miter lim="800000"/>
+        </a:ln>
+        <a:effectLst/>
+      </dsp:spPr>
+      <dsp:style>
+        <a:lnRef idx="2">
+          <a:scrgbClr r="0" g="0" b="0"/>
+        </a:lnRef>
+        <a:fillRef idx="1">
+          <a:scrgbClr r="0" g="0" b="0"/>
+        </a:fillRef>
+        <a:effectRef idx="0">
+          <a:scrgbClr r="0" g="0" b="0"/>
+        </a:effectRef>
+        <a:fontRef idx="minor">
+          <a:schemeClr val="lt1"/>
+        </a:fontRef>
+      </dsp:style>
+    </dsp:sp>
+    <dsp:sp modelId="{445377A3-5A99-40E6-B7F7-7FD301732A33}">
+      <dsp:nvSpPr>
+        <dsp:cNvPr id="0" name=""/>
+        <dsp:cNvSpPr/>
+      </dsp:nvSpPr>
+      <dsp:spPr>
+        <a:xfrm>
+          <a:off x="2269331" y="3833362"/>
+          <a:ext cx="1700212" cy="1079634"/>
+        </a:xfrm>
+        <a:prstGeom prst="roundRect">
+          <a:avLst>
+            <a:gd name="adj" fmla="val 10000"/>
+          </a:avLst>
+        </a:prstGeom>
+        <a:solidFill>
+          <a:schemeClr val="lt1">
+            <a:alpha val="90000"/>
+            <a:hueOff val="0"/>
+            <a:satOff val="0"/>
+            <a:lumOff val="0"/>
+            <a:alphaOff val="0"/>
+          </a:schemeClr>
+        </a:solidFill>
+        <a:ln w="19050" cap="flat" cmpd="sng" algn="ctr">
+          <a:solidFill>
+            <a:schemeClr val="accent1">
+              <a:hueOff val="0"/>
+              <a:satOff val="0"/>
+              <a:lumOff val="0"/>
+              <a:alphaOff val="0"/>
+            </a:schemeClr>
+          </a:solidFill>
+          <a:prstDash val="solid"/>
+          <a:miter lim="800000"/>
+        </a:ln>
+        <a:effectLst/>
+      </dsp:spPr>
+      <dsp:style>
+        <a:lnRef idx="2">
+          <a:scrgbClr r="0" g="0" b="0"/>
+        </a:lnRef>
+        <a:fillRef idx="1">
+          <a:scrgbClr r="0" g="0" b="0"/>
+        </a:fillRef>
+        <a:effectRef idx="0">
+          <a:scrgbClr r="0" g="0" b="0"/>
+        </a:effectRef>
+        <a:fontRef idx="minor"/>
+      </dsp:style>
+      <dsp:txBody>
+        <a:bodyPr spcFirstLastPara="0" vert="horz" wrap="square" lIns="83820" tIns="83820" rIns="83820" bIns="83820" numCol="1" spcCol="1270" anchor="ctr" anchorCtr="0">
+          <a:noAutofit/>
+        </a:bodyPr>
+        <a:lstStyle/>
+        <a:p>
+          <a:pPr marL="0" lvl="0" indent="0" algn="ctr" defTabSz="977900">
+            <a:lnSpc>
+              <a:spcPct val="90000"/>
+            </a:lnSpc>
+            <a:spcBef>
+              <a:spcPct val="0"/>
+            </a:spcBef>
+            <a:spcAft>
+              <a:spcPct val="35000"/>
+            </a:spcAft>
+            <a:buNone/>
+          </a:pPr>
+          <a:r>
+            <a:rPr lang="fr-FR" sz="2200" kern="1200" dirty="0"/>
+            <a:t>ordinale</a:t>
+          </a:r>
+        </a:p>
+      </dsp:txBody>
+      <dsp:txXfrm>
+        <a:off x="2300952" y="3864983"/>
+        <a:ext cx="1636970" cy="1016392"/>
+      </dsp:txXfrm>
+    </dsp:sp>
+    <dsp:sp modelId="{CBC496BB-2BA5-4F23-AC92-6B88A2B94F2C}">
+      <dsp:nvSpPr>
+        <dsp:cNvPr id="0" name=""/>
+        <dsp:cNvSpPr/>
+      </dsp:nvSpPr>
+      <dsp:spPr>
+        <a:xfrm>
+          <a:off x="5197474" y="2079782"/>
+          <a:ext cx="1700212" cy="1079634"/>
+        </a:xfrm>
+        <a:prstGeom prst="roundRect">
+          <a:avLst>
+            <a:gd name="adj" fmla="val 10000"/>
+          </a:avLst>
+        </a:prstGeom>
+        <a:solidFill>
+          <a:schemeClr val="accent1">
+            <a:hueOff val="0"/>
+            <a:satOff val="0"/>
+            <a:lumOff val="0"/>
+            <a:alphaOff val="0"/>
+          </a:schemeClr>
+        </a:solidFill>
+        <a:ln w="19050" cap="flat" cmpd="sng" algn="ctr">
+          <a:solidFill>
+            <a:schemeClr val="lt1">
+              <a:hueOff val="0"/>
+              <a:satOff val="0"/>
+              <a:lumOff val="0"/>
+              <a:alphaOff val="0"/>
+            </a:schemeClr>
+          </a:solidFill>
+          <a:prstDash val="solid"/>
+          <a:miter lim="800000"/>
+        </a:ln>
+        <a:effectLst/>
+      </dsp:spPr>
+      <dsp:style>
+        <a:lnRef idx="2">
+          <a:scrgbClr r="0" g="0" b="0"/>
+        </a:lnRef>
+        <a:fillRef idx="1">
+          <a:scrgbClr r="0" g="0" b="0"/>
+        </a:fillRef>
+        <a:effectRef idx="0">
+          <a:scrgbClr r="0" g="0" b="0"/>
+        </a:effectRef>
+        <a:fontRef idx="minor">
+          <a:schemeClr val="lt1"/>
+        </a:fontRef>
+      </dsp:style>
+    </dsp:sp>
+    <dsp:sp modelId="{3FFEBBD8-D729-426F-8B65-E89C2E9D28D3}">
+      <dsp:nvSpPr>
+        <dsp:cNvPr id="0" name=""/>
+        <dsp:cNvSpPr/>
+      </dsp:nvSpPr>
+      <dsp:spPr>
+        <a:xfrm>
+          <a:off x="5386387" y="2259249"/>
+          <a:ext cx="1700212" cy="1079634"/>
+        </a:xfrm>
+        <a:prstGeom prst="roundRect">
+          <a:avLst>
+            <a:gd name="adj" fmla="val 10000"/>
+          </a:avLst>
+        </a:prstGeom>
+        <a:solidFill>
+          <a:schemeClr val="lt1">
+            <a:alpha val="90000"/>
+            <a:hueOff val="0"/>
+            <a:satOff val="0"/>
+            <a:lumOff val="0"/>
+            <a:alphaOff val="0"/>
+          </a:schemeClr>
+        </a:solidFill>
+        <a:ln w="19050" cap="flat" cmpd="sng" algn="ctr">
+          <a:solidFill>
+            <a:schemeClr val="accent1">
+              <a:hueOff val="0"/>
+              <a:satOff val="0"/>
+              <a:lumOff val="0"/>
+              <a:alphaOff val="0"/>
+            </a:schemeClr>
+          </a:solidFill>
+          <a:prstDash val="solid"/>
+          <a:miter lim="800000"/>
+        </a:ln>
+        <a:effectLst/>
+      </dsp:spPr>
+      <dsp:style>
+        <a:lnRef idx="2">
+          <a:scrgbClr r="0" g="0" b="0"/>
+        </a:lnRef>
+        <a:fillRef idx="1">
+          <a:scrgbClr r="0" g="0" b="0"/>
+        </a:fillRef>
+        <a:effectRef idx="0">
+          <a:scrgbClr r="0" g="0" b="0"/>
+        </a:effectRef>
+        <a:fontRef idx="minor"/>
+      </dsp:style>
+      <dsp:txBody>
+        <a:bodyPr spcFirstLastPara="0" vert="horz" wrap="square" lIns="83820" tIns="83820" rIns="83820" bIns="83820" numCol="1" spcCol="1270" anchor="ctr" anchorCtr="0">
+          <a:noAutofit/>
+        </a:bodyPr>
+        <a:lstStyle/>
+        <a:p>
+          <a:pPr marL="0" lvl="0" indent="0" algn="ctr" defTabSz="977900">
+            <a:lnSpc>
+              <a:spcPct val="90000"/>
+            </a:lnSpc>
+            <a:spcBef>
+              <a:spcPct val="0"/>
+            </a:spcBef>
+            <a:spcAft>
+              <a:spcPct val="35000"/>
+            </a:spcAft>
+            <a:buNone/>
+          </a:pPr>
+          <a:r>
+            <a:rPr lang="fr-FR" sz="2200" kern="1200" dirty="0"/>
+            <a:t>quantitative</a:t>
+          </a:r>
+        </a:p>
+      </dsp:txBody>
+      <dsp:txXfrm>
+        <a:off x="5418008" y="2290870"/>
+        <a:ext cx="1636970" cy="1016392"/>
+      </dsp:txXfrm>
+    </dsp:sp>
+    <dsp:sp modelId="{12CCBC65-9F70-47F3-BE93-A0F0A456FB0A}">
+      <dsp:nvSpPr>
+        <dsp:cNvPr id="0" name=""/>
+        <dsp:cNvSpPr/>
+      </dsp:nvSpPr>
+      <dsp:spPr>
+        <a:xfrm>
+          <a:off x="4158456" y="3653896"/>
+          <a:ext cx="1700212" cy="1079634"/>
+        </a:xfrm>
+        <a:prstGeom prst="roundRect">
+          <a:avLst>
+            <a:gd name="adj" fmla="val 10000"/>
+          </a:avLst>
+        </a:prstGeom>
+        <a:solidFill>
+          <a:schemeClr val="accent1">
+            <a:hueOff val="0"/>
+            <a:satOff val="0"/>
+            <a:lumOff val="0"/>
+            <a:alphaOff val="0"/>
+          </a:schemeClr>
+        </a:solidFill>
+        <a:ln w="19050" cap="flat" cmpd="sng" algn="ctr">
+          <a:solidFill>
+            <a:schemeClr val="lt1">
+              <a:hueOff val="0"/>
+              <a:satOff val="0"/>
+              <a:lumOff val="0"/>
+              <a:alphaOff val="0"/>
+            </a:schemeClr>
+          </a:solidFill>
+          <a:prstDash val="solid"/>
+          <a:miter lim="800000"/>
+        </a:ln>
+        <a:effectLst/>
+      </dsp:spPr>
+      <dsp:style>
+        <a:lnRef idx="2">
+          <a:scrgbClr r="0" g="0" b="0"/>
+        </a:lnRef>
+        <a:fillRef idx="1">
+          <a:scrgbClr r="0" g="0" b="0"/>
+        </a:fillRef>
+        <a:effectRef idx="0">
+          <a:scrgbClr r="0" g="0" b="0"/>
+        </a:effectRef>
+        <a:fontRef idx="minor">
+          <a:schemeClr val="lt1"/>
+        </a:fontRef>
+      </dsp:style>
+    </dsp:sp>
+    <dsp:sp modelId="{BAB30063-3D05-4F65-B673-D79E9AC6AC48}">
+      <dsp:nvSpPr>
+        <dsp:cNvPr id="0" name=""/>
+        <dsp:cNvSpPr/>
+      </dsp:nvSpPr>
+      <dsp:spPr>
+        <a:xfrm>
+          <a:off x="4347368" y="3833362"/>
+          <a:ext cx="1700212" cy="1079634"/>
+        </a:xfrm>
+        <a:prstGeom prst="roundRect">
+          <a:avLst>
+            <a:gd name="adj" fmla="val 10000"/>
+          </a:avLst>
+        </a:prstGeom>
+        <a:solidFill>
+          <a:schemeClr val="lt1">
+            <a:alpha val="90000"/>
+            <a:hueOff val="0"/>
+            <a:satOff val="0"/>
+            <a:lumOff val="0"/>
+            <a:alphaOff val="0"/>
+          </a:schemeClr>
+        </a:solidFill>
+        <a:ln w="19050" cap="flat" cmpd="sng" algn="ctr">
+          <a:solidFill>
+            <a:schemeClr val="accent1">
+              <a:hueOff val="0"/>
+              <a:satOff val="0"/>
+              <a:lumOff val="0"/>
+              <a:alphaOff val="0"/>
+            </a:schemeClr>
+          </a:solidFill>
+          <a:prstDash val="solid"/>
+          <a:miter lim="800000"/>
+        </a:ln>
+        <a:effectLst/>
+      </dsp:spPr>
+      <dsp:style>
+        <a:lnRef idx="2">
+          <a:scrgbClr r="0" g="0" b="0"/>
+        </a:lnRef>
+        <a:fillRef idx="1">
+          <a:scrgbClr r="0" g="0" b="0"/>
+        </a:fillRef>
+        <a:effectRef idx="0">
+          <a:scrgbClr r="0" g="0" b="0"/>
+        </a:effectRef>
+        <a:fontRef idx="minor"/>
+      </dsp:style>
+      <dsp:txBody>
+        <a:bodyPr spcFirstLastPara="0" vert="horz" wrap="square" lIns="83820" tIns="83820" rIns="83820" bIns="83820" numCol="1" spcCol="1270" anchor="ctr" anchorCtr="0">
+          <a:noAutofit/>
+        </a:bodyPr>
+        <a:lstStyle/>
+        <a:p>
+          <a:pPr marL="0" lvl="0" indent="0" algn="ctr" defTabSz="977900">
+            <a:lnSpc>
+              <a:spcPct val="90000"/>
+            </a:lnSpc>
+            <a:spcBef>
+              <a:spcPct val="0"/>
+            </a:spcBef>
+            <a:spcAft>
+              <a:spcPct val="35000"/>
+            </a:spcAft>
+            <a:buNone/>
+          </a:pPr>
+          <a:r>
+            <a:rPr lang="fr-FR" sz="2200" kern="1200" dirty="0"/>
+            <a:t>discrète</a:t>
+          </a:r>
+        </a:p>
+      </dsp:txBody>
+      <dsp:txXfrm>
+        <a:off x="4378989" y="3864983"/>
+        <a:ext cx="1636970" cy="1016392"/>
+      </dsp:txXfrm>
+    </dsp:sp>
+    <dsp:sp modelId="{EEDF098D-D4B6-42D4-9618-B9A14977B369}">
+      <dsp:nvSpPr>
+        <dsp:cNvPr id="0" name=""/>
+        <dsp:cNvSpPr/>
+      </dsp:nvSpPr>
+      <dsp:spPr>
+        <a:xfrm>
+          <a:off x="6236493" y="3653896"/>
+          <a:ext cx="1700212" cy="1079634"/>
+        </a:xfrm>
+        <a:prstGeom prst="roundRect">
+          <a:avLst>
+            <a:gd name="adj" fmla="val 10000"/>
+          </a:avLst>
+        </a:prstGeom>
+        <a:solidFill>
+          <a:schemeClr val="accent1">
+            <a:hueOff val="0"/>
+            <a:satOff val="0"/>
+            <a:lumOff val="0"/>
+            <a:alphaOff val="0"/>
+          </a:schemeClr>
+        </a:solidFill>
+        <a:ln w="19050" cap="flat" cmpd="sng" algn="ctr">
+          <a:solidFill>
+            <a:schemeClr val="lt1">
+              <a:hueOff val="0"/>
+              <a:satOff val="0"/>
+              <a:lumOff val="0"/>
+              <a:alphaOff val="0"/>
+            </a:schemeClr>
+          </a:solidFill>
+          <a:prstDash val="solid"/>
+          <a:miter lim="800000"/>
+        </a:ln>
+        <a:effectLst/>
+      </dsp:spPr>
+      <dsp:style>
+        <a:lnRef idx="2">
+          <a:scrgbClr r="0" g="0" b="0"/>
+        </a:lnRef>
+        <a:fillRef idx="1">
+          <a:scrgbClr r="0" g="0" b="0"/>
+        </a:fillRef>
+        <a:effectRef idx="0">
+          <a:scrgbClr r="0" g="0" b="0"/>
+        </a:effectRef>
+        <a:fontRef idx="minor">
+          <a:schemeClr val="lt1"/>
+        </a:fontRef>
+      </dsp:style>
+    </dsp:sp>
+    <dsp:sp modelId="{4568BD25-A609-4A48-85CE-605F5FD0B36C}">
+      <dsp:nvSpPr>
+        <dsp:cNvPr id="0" name=""/>
+        <dsp:cNvSpPr/>
+      </dsp:nvSpPr>
+      <dsp:spPr>
+        <a:xfrm>
+          <a:off x="6425406" y="3833362"/>
+          <a:ext cx="1700212" cy="1079634"/>
+        </a:xfrm>
+        <a:prstGeom prst="roundRect">
+          <a:avLst>
+            <a:gd name="adj" fmla="val 10000"/>
+          </a:avLst>
+        </a:prstGeom>
+        <a:solidFill>
+          <a:schemeClr val="lt1">
+            <a:alpha val="90000"/>
+            <a:hueOff val="0"/>
+            <a:satOff val="0"/>
+            <a:lumOff val="0"/>
+            <a:alphaOff val="0"/>
+          </a:schemeClr>
+        </a:solidFill>
+        <a:ln w="19050" cap="flat" cmpd="sng" algn="ctr">
+          <a:solidFill>
+            <a:schemeClr val="accent1">
+              <a:hueOff val="0"/>
+              <a:satOff val="0"/>
+              <a:lumOff val="0"/>
+              <a:alphaOff val="0"/>
+            </a:schemeClr>
+          </a:solidFill>
+          <a:prstDash val="solid"/>
+          <a:miter lim="800000"/>
+        </a:ln>
+        <a:effectLst/>
+      </dsp:spPr>
+      <dsp:style>
+        <a:lnRef idx="2">
+          <a:scrgbClr r="0" g="0" b="0"/>
+        </a:lnRef>
+        <a:fillRef idx="1">
+          <a:scrgbClr r="0" g="0" b="0"/>
+        </a:fillRef>
+        <a:effectRef idx="0">
+          <a:scrgbClr r="0" g="0" b="0"/>
+        </a:effectRef>
+        <a:fontRef idx="minor"/>
+      </dsp:style>
+      <dsp:txBody>
+        <a:bodyPr spcFirstLastPara="0" vert="horz" wrap="square" lIns="83820" tIns="83820" rIns="83820" bIns="83820" numCol="1" spcCol="1270" anchor="ctr" anchorCtr="0">
+          <a:noAutofit/>
+        </a:bodyPr>
+        <a:lstStyle/>
+        <a:p>
+          <a:pPr marL="0" lvl="0" indent="0" algn="ctr" defTabSz="977900">
+            <a:lnSpc>
+              <a:spcPct val="90000"/>
+            </a:lnSpc>
+            <a:spcBef>
+              <a:spcPct val="0"/>
+            </a:spcBef>
+            <a:spcAft>
+              <a:spcPct val="35000"/>
+            </a:spcAft>
+            <a:buNone/>
+          </a:pPr>
+          <a:r>
+            <a:rPr lang="fr-FR" sz="2200" kern="1200"/>
+            <a:t>continue</a:t>
+          </a:r>
+        </a:p>
+      </dsp:txBody>
+      <dsp:txXfrm>
+        <a:off x="6457027" y="3864983"/>
+        <a:ext cx="1636970" cy="1016392"/>
+      </dsp:txXfrm>
+    </dsp:sp>
+  </dsp:spTree>
+</dsp:drawing>
+</file>
+
 <file path=ppt/diagrams/layout1.xml><?xml version="1.0" encoding="utf-8"?>
 <dgm:layoutDef xmlns:dgm="http://schemas.openxmlformats.org/drawingml/2006/diagram" xmlns:a="http://schemas.openxmlformats.org/drawingml/2006/main" uniqueId="urn:microsoft.com/office/officeart/2005/8/layout/cycle2">
   <dgm:title val=""/>
@@ -2158,7 +4754,1604 @@
 </dgm:layoutDef>
 </file>
 
+<file path=ppt/diagrams/layout2.xml><?xml version="1.0" encoding="utf-8"?>
+<dgm:layoutDef xmlns:dgm="http://schemas.openxmlformats.org/drawingml/2006/diagram" xmlns:a="http://schemas.openxmlformats.org/drawingml/2006/main" uniqueId="urn:microsoft.com/office/officeart/2005/8/layout/hierarchy1">
+  <dgm:title val=""/>
+  <dgm:desc val=""/>
+  <dgm:catLst>
+    <dgm:cat type="hierarchy" pri="2000"/>
+  </dgm:catLst>
+  <dgm:sampData>
+    <dgm:dataModel>
+      <dgm:ptLst>
+        <dgm:pt modelId="0" type="doc"/>
+        <dgm:pt modelId="1">
+          <dgm:prSet phldr="1"/>
+        </dgm:pt>
+        <dgm:pt modelId="2">
+          <dgm:prSet phldr="1"/>
+        </dgm:pt>
+        <dgm:pt modelId="21">
+          <dgm:prSet phldr="1"/>
+        </dgm:pt>
+        <dgm:pt modelId="22">
+          <dgm:prSet phldr="1"/>
+        </dgm:pt>
+        <dgm:pt modelId="3">
+          <dgm:prSet phldr="1"/>
+        </dgm:pt>
+        <dgm:pt modelId="31">
+          <dgm:prSet phldr="1"/>
+        </dgm:pt>
+      </dgm:ptLst>
+      <dgm:cxnLst>
+        <dgm:cxn modelId="4" srcId="0" destId="1" srcOrd="0" destOrd="0"/>
+        <dgm:cxn modelId="5" srcId="1" destId="2" srcOrd="0" destOrd="0"/>
+        <dgm:cxn modelId="6" srcId="1" destId="3" srcOrd="1" destOrd="0"/>
+        <dgm:cxn modelId="23" srcId="2" destId="21" srcOrd="0" destOrd="0"/>
+        <dgm:cxn modelId="24" srcId="2" destId="22" srcOrd="1" destOrd="0"/>
+        <dgm:cxn modelId="33" srcId="3" destId="31" srcOrd="0" destOrd="0"/>
+      </dgm:cxnLst>
+      <dgm:bg/>
+      <dgm:whole/>
+    </dgm:dataModel>
+  </dgm:sampData>
+  <dgm:styleData>
+    <dgm:dataModel>
+      <dgm:ptLst>
+        <dgm:pt modelId="0" type="doc"/>
+        <dgm:pt modelId="1"/>
+        <dgm:pt modelId="11"/>
+        <dgm:pt modelId="12"/>
+      </dgm:ptLst>
+      <dgm:cxnLst>
+        <dgm:cxn modelId="2" srcId="0" destId="1" srcOrd="0" destOrd="0"/>
+        <dgm:cxn modelId="13" srcId="1" destId="11" srcOrd="0" destOrd="0"/>
+        <dgm:cxn modelId="14" srcId="1" destId="12" srcOrd="1" destOrd="0"/>
+      </dgm:cxnLst>
+      <dgm:bg/>
+      <dgm:whole/>
+    </dgm:dataModel>
+  </dgm:styleData>
+  <dgm:clrData>
+    <dgm:dataModel>
+      <dgm:ptLst>
+        <dgm:pt modelId="0" type="doc"/>
+        <dgm:pt modelId="1"/>
+        <dgm:pt modelId="2"/>
+        <dgm:pt modelId="21"/>
+        <dgm:pt modelId="211"/>
+        <dgm:pt modelId="3"/>
+        <dgm:pt modelId="31"/>
+        <dgm:pt modelId="311"/>
+      </dgm:ptLst>
+      <dgm:cxnLst>
+        <dgm:cxn modelId="4" srcId="0" destId="1" srcOrd="0" destOrd="0"/>
+        <dgm:cxn modelId="5" srcId="1" destId="2" srcOrd="0" destOrd="0"/>
+        <dgm:cxn modelId="6" srcId="1" destId="3" srcOrd="1" destOrd="0"/>
+        <dgm:cxn modelId="23" srcId="2" destId="21" srcOrd="0" destOrd="0"/>
+        <dgm:cxn modelId="24" srcId="21" destId="211" srcOrd="0" destOrd="0"/>
+        <dgm:cxn modelId="33" srcId="3" destId="31" srcOrd="0" destOrd="0"/>
+        <dgm:cxn modelId="34" srcId="31" destId="311" srcOrd="0" destOrd="0"/>
+      </dgm:cxnLst>
+      <dgm:bg/>
+      <dgm:whole/>
+    </dgm:dataModel>
+  </dgm:clrData>
+  <dgm:layoutNode name="hierChild1">
+    <dgm:varLst>
+      <dgm:chPref val="1"/>
+      <dgm:dir/>
+      <dgm:animOne val="branch"/>
+      <dgm:animLvl val="lvl"/>
+      <dgm:resizeHandles/>
+    </dgm:varLst>
+    <dgm:choose name="Name0">
+      <dgm:if name="Name1" func="var" arg="dir" op="equ" val="norm">
+        <dgm:alg type="hierChild">
+          <dgm:param type="linDir" val="fromL"/>
+        </dgm:alg>
+      </dgm:if>
+      <dgm:else name="Name2">
+        <dgm:alg type="hierChild">
+          <dgm:param type="linDir" val="fromR"/>
+        </dgm:alg>
+      </dgm:else>
+    </dgm:choose>
+    <dgm:shape xmlns:r="http://schemas.openxmlformats.org/officeDocument/2006/relationships" r:blip="">
+      <dgm:adjLst/>
+    </dgm:shape>
+    <dgm:presOf/>
+    <dgm:constrLst>
+      <dgm:constr type="primFontSz" for="des" ptType="node" op="equ" val="65"/>
+      <dgm:constr type="w" for="des" forName="composite" refType="w"/>
+      <dgm:constr type="h" for="des" forName="composite" refType="w" refFor="des" refForName="composite" fact="0.667"/>
+      <dgm:constr type="w" for="des" forName="composite2" refType="w" refFor="des" refForName="composite"/>
+      <dgm:constr type="h" for="des" forName="composite2" refType="h" refFor="des" refForName="composite"/>
+      <dgm:constr type="w" for="des" forName="composite3" refType="w" refFor="des" refForName="composite"/>
+      <dgm:constr type="h" for="des" forName="composite3" refType="h" refFor="des" refForName="composite"/>
+      <dgm:constr type="w" for="des" forName="composite4" refType="w" refFor="des" refForName="composite"/>
+      <dgm:constr type="h" for="des" forName="composite4" refType="h" refFor="des" refForName="composite"/>
+      <dgm:constr type="w" for="des" forName="composite5" refType="w" refFor="des" refForName="composite"/>
+      <dgm:constr type="h" for="des" forName="composite5" refType="h" refFor="des" refForName="composite"/>
+      <dgm:constr type="sibSp" refType="w" refFor="des" refForName="composite" fact="0.1"/>
+      <dgm:constr type="sibSp" for="des" forName="hierChild2" refType="sibSp"/>
+      <dgm:constr type="sibSp" for="des" forName="hierChild3" refType="sibSp"/>
+      <dgm:constr type="sibSp" for="des" forName="hierChild4" refType="sibSp"/>
+      <dgm:constr type="sibSp" for="des" forName="hierChild5" refType="sibSp"/>
+      <dgm:constr type="sibSp" for="des" forName="hierChild6" refType="sibSp"/>
+      <dgm:constr type="sp" for="des" forName="hierRoot1" refType="h" refFor="des" refForName="composite" fact="0.25"/>
+      <dgm:constr type="sp" for="des" forName="hierRoot2" refType="sp" refFor="des" refForName="hierRoot1"/>
+      <dgm:constr type="sp" for="des" forName="hierRoot3" refType="sp" refFor="des" refForName="hierRoot1"/>
+      <dgm:constr type="sp" for="des" forName="hierRoot4" refType="sp" refFor="des" refForName="hierRoot1"/>
+      <dgm:constr type="sp" for="des" forName="hierRoot5" refType="sp" refFor="des" refForName="hierRoot1"/>
+    </dgm:constrLst>
+    <dgm:ruleLst/>
+    <dgm:forEach name="Name3" axis="ch">
+      <dgm:forEach name="Name4" axis="self" ptType="node">
+        <dgm:layoutNode name="hierRoot1">
+          <dgm:alg type="hierRoot"/>
+          <dgm:shape xmlns:r="http://schemas.openxmlformats.org/officeDocument/2006/relationships" r:blip="">
+            <dgm:adjLst/>
+          </dgm:shape>
+          <dgm:presOf/>
+          <dgm:constrLst>
+            <dgm:constr type="bendDist" for="des" ptType="parTrans" refType="sp" fact="0.5"/>
+          </dgm:constrLst>
+          <dgm:ruleLst/>
+          <dgm:layoutNode name="composite">
+            <dgm:alg type="composite"/>
+            <dgm:shape xmlns:r="http://schemas.openxmlformats.org/officeDocument/2006/relationships" r:blip="">
+              <dgm:adjLst/>
+            </dgm:shape>
+            <dgm:presOf/>
+            <dgm:constrLst>
+              <dgm:constr type="w" for="ch" forName="background" refType="w" fact="0.9"/>
+              <dgm:constr type="h" for="ch" forName="background" refType="w" refFor="ch" refForName="background" fact="0.635"/>
+              <dgm:constr type="t" for="ch" forName="background"/>
+              <dgm:constr type="l" for="ch" forName="background"/>
+              <dgm:constr type="w" for="ch" forName="text" refType="w" fact="0.9"/>
+              <dgm:constr type="h" for="ch" forName="text" refType="w" refFor="ch" refForName="text" fact="0.635"/>
+              <dgm:constr type="t" for="ch" forName="text" refType="w" fact="0.095"/>
+              <dgm:constr type="l" for="ch" forName="text" refType="w" fact="0.1"/>
+            </dgm:constrLst>
+            <dgm:ruleLst/>
+            <dgm:layoutNode name="background" styleLbl="node0" moveWith="text">
+              <dgm:alg type="sp"/>
+              <dgm:shape xmlns:r="http://schemas.openxmlformats.org/officeDocument/2006/relationships" type="roundRect" r:blip="">
+                <dgm:adjLst>
+                  <dgm:adj idx="1" val="0.1"/>
+                </dgm:adjLst>
+              </dgm:shape>
+              <dgm:presOf/>
+              <dgm:constrLst/>
+              <dgm:ruleLst/>
+            </dgm:layoutNode>
+            <dgm:layoutNode name="text" styleLbl="fgAcc0">
+              <dgm:varLst>
+                <dgm:chPref val="3"/>
+              </dgm:varLst>
+              <dgm:alg type="tx"/>
+              <dgm:shape xmlns:r="http://schemas.openxmlformats.org/officeDocument/2006/relationships" type="roundRect" r:blip="">
+                <dgm:adjLst>
+                  <dgm:adj idx="1" val="0.1"/>
+                </dgm:adjLst>
+              </dgm:shape>
+              <dgm:presOf axis="self"/>
+              <dgm:constrLst>
+                <dgm:constr type="tMarg" refType="primFontSz" fact="0.3"/>
+                <dgm:constr type="bMarg" refType="primFontSz" fact="0.3"/>
+                <dgm:constr type="lMarg" refType="primFontSz" fact="0.3"/>
+                <dgm:constr type="rMarg" refType="primFontSz" fact="0.3"/>
+              </dgm:constrLst>
+              <dgm:ruleLst>
+                <dgm:rule type="primFontSz" val="5" fact="NaN" max="NaN"/>
+              </dgm:ruleLst>
+            </dgm:layoutNode>
+          </dgm:layoutNode>
+          <dgm:layoutNode name="hierChild2">
+            <dgm:choose name="Name5">
+              <dgm:if name="Name6" func="var" arg="dir" op="equ" val="norm">
+                <dgm:alg type="hierChild">
+                  <dgm:param type="linDir" val="fromL"/>
+                </dgm:alg>
+              </dgm:if>
+              <dgm:else name="Name7">
+                <dgm:alg type="hierChild">
+                  <dgm:param type="linDir" val="fromR"/>
+                </dgm:alg>
+              </dgm:else>
+            </dgm:choose>
+            <dgm:shape xmlns:r="http://schemas.openxmlformats.org/officeDocument/2006/relationships" r:blip="">
+              <dgm:adjLst/>
+            </dgm:shape>
+            <dgm:presOf/>
+            <dgm:constrLst/>
+            <dgm:ruleLst/>
+            <dgm:forEach name="Name8" axis="ch">
+              <dgm:forEach name="Name9" axis="self" ptType="parTrans" cnt="1">
+                <dgm:layoutNode name="Name10">
+                  <dgm:alg type="conn">
+                    <dgm:param type="dim" val="1D"/>
+                    <dgm:param type="endSty" val="noArr"/>
+                    <dgm:param type="connRout" val="bend"/>
+                    <dgm:param type="bendPt" val="end"/>
+                    <dgm:param type="begPts" val="bCtr"/>
+                    <dgm:param type="endPts" val="tCtr"/>
+                    <dgm:param type="srcNode" val="background"/>
+                    <dgm:param type="dstNode" val="background2"/>
+                  </dgm:alg>
+                  <dgm:shape xmlns:r="http://schemas.openxmlformats.org/officeDocument/2006/relationships" type="conn" r:blip="" zOrderOff="-999">
+                    <dgm:adjLst/>
+                  </dgm:shape>
+                  <dgm:presOf axis="self"/>
+                  <dgm:constrLst>
+                    <dgm:constr type="begPad"/>
+                    <dgm:constr type="endPad"/>
+                  </dgm:constrLst>
+                  <dgm:ruleLst/>
+                </dgm:layoutNode>
+              </dgm:forEach>
+              <dgm:forEach name="Name11" axis="self" ptType="node">
+                <dgm:layoutNode name="hierRoot2">
+                  <dgm:alg type="hierRoot"/>
+                  <dgm:shape xmlns:r="http://schemas.openxmlformats.org/officeDocument/2006/relationships" r:blip="">
+                    <dgm:adjLst/>
+                  </dgm:shape>
+                  <dgm:presOf/>
+                  <dgm:constrLst>
+                    <dgm:constr type="bendDist" for="des" ptType="parTrans" refType="sp" fact="0.5"/>
+                  </dgm:constrLst>
+                  <dgm:ruleLst/>
+                  <dgm:layoutNode name="composite2">
+                    <dgm:alg type="composite"/>
+                    <dgm:shape xmlns:r="http://schemas.openxmlformats.org/officeDocument/2006/relationships" r:blip="">
+                      <dgm:adjLst/>
+                    </dgm:shape>
+                    <dgm:presOf/>
+                    <dgm:constrLst>
+                      <dgm:constr type="w" for="ch" forName="background2" refType="w" fact="0.9"/>
+                      <dgm:constr type="h" for="ch" forName="background2" refType="w" refFor="ch" refForName="background2" fact="0.635"/>
+                      <dgm:constr type="t" for="ch" forName="background2"/>
+                      <dgm:constr type="l" for="ch" forName="background2"/>
+                      <dgm:constr type="w" for="ch" forName="text2" refType="w" fact="0.9"/>
+                      <dgm:constr type="h" for="ch" forName="text2" refType="w" refFor="ch" refForName="text2" fact="0.635"/>
+                      <dgm:constr type="t" for="ch" forName="text2" refType="w" fact="0.095"/>
+                      <dgm:constr type="l" for="ch" forName="text2" refType="w" fact="0.1"/>
+                    </dgm:constrLst>
+                    <dgm:ruleLst/>
+                    <dgm:layoutNode name="background2" moveWith="text2">
+                      <dgm:alg type="sp"/>
+                      <dgm:shape xmlns:r="http://schemas.openxmlformats.org/officeDocument/2006/relationships" type="roundRect" r:blip="">
+                        <dgm:adjLst>
+                          <dgm:adj idx="1" val="0.1"/>
+                        </dgm:adjLst>
+                      </dgm:shape>
+                      <dgm:presOf/>
+                      <dgm:constrLst/>
+                      <dgm:ruleLst/>
+                    </dgm:layoutNode>
+                    <dgm:layoutNode name="text2" styleLbl="fgAcc2">
+                      <dgm:varLst>
+                        <dgm:chPref val="3"/>
+                      </dgm:varLst>
+                      <dgm:alg type="tx"/>
+                      <dgm:shape xmlns:r="http://schemas.openxmlformats.org/officeDocument/2006/relationships" type="roundRect" r:blip="">
+                        <dgm:adjLst>
+                          <dgm:adj idx="1" val="0.1"/>
+                        </dgm:adjLst>
+                      </dgm:shape>
+                      <dgm:presOf axis="self"/>
+                      <dgm:constrLst>
+                        <dgm:constr type="tMarg" refType="primFontSz" fact="0.3"/>
+                        <dgm:constr type="bMarg" refType="primFontSz" fact="0.3"/>
+                        <dgm:constr type="lMarg" refType="primFontSz" fact="0.3"/>
+                        <dgm:constr type="rMarg" refType="primFontSz" fact="0.3"/>
+                      </dgm:constrLst>
+                      <dgm:ruleLst>
+                        <dgm:rule type="primFontSz" val="5" fact="NaN" max="NaN"/>
+                      </dgm:ruleLst>
+                    </dgm:layoutNode>
+                  </dgm:layoutNode>
+                  <dgm:layoutNode name="hierChild3">
+                    <dgm:choose name="Name12">
+                      <dgm:if name="Name13" func="var" arg="dir" op="equ" val="norm">
+                        <dgm:alg type="hierChild">
+                          <dgm:param type="linDir" val="fromL"/>
+                        </dgm:alg>
+                      </dgm:if>
+                      <dgm:else name="Name14">
+                        <dgm:alg type="hierChild">
+                          <dgm:param type="linDir" val="fromR"/>
+                        </dgm:alg>
+                      </dgm:else>
+                    </dgm:choose>
+                    <dgm:shape xmlns:r="http://schemas.openxmlformats.org/officeDocument/2006/relationships" r:blip="">
+                      <dgm:adjLst/>
+                    </dgm:shape>
+                    <dgm:presOf/>
+                    <dgm:constrLst/>
+                    <dgm:ruleLst/>
+                    <dgm:forEach name="Name15" axis="ch">
+                      <dgm:forEach name="Name16" axis="self" ptType="parTrans" cnt="1">
+                        <dgm:layoutNode name="Name17">
+                          <dgm:alg type="conn">
+                            <dgm:param type="dim" val="1D"/>
+                            <dgm:param type="endSty" val="noArr"/>
+                            <dgm:param type="connRout" val="bend"/>
+                            <dgm:param type="bendPt" val="end"/>
+                            <dgm:param type="begPts" val="bCtr"/>
+                            <dgm:param type="endPts" val="tCtr"/>
+                            <dgm:param type="srcNode" val="background2"/>
+                            <dgm:param type="dstNode" val="background3"/>
+                          </dgm:alg>
+                          <dgm:shape xmlns:r="http://schemas.openxmlformats.org/officeDocument/2006/relationships" type="conn" r:blip="" zOrderOff="-999">
+                            <dgm:adjLst/>
+                          </dgm:shape>
+                          <dgm:presOf axis="self"/>
+                          <dgm:constrLst>
+                            <dgm:constr type="begPad"/>
+                            <dgm:constr type="endPad"/>
+                          </dgm:constrLst>
+                          <dgm:ruleLst/>
+                        </dgm:layoutNode>
+                      </dgm:forEach>
+                      <dgm:forEach name="Name18" axis="self" ptType="node">
+                        <dgm:layoutNode name="hierRoot3">
+                          <dgm:alg type="hierRoot"/>
+                          <dgm:shape xmlns:r="http://schemas.openxmlformats.org/officeDocument/2006/relationships" r:blip="">
+                            <dgm:adjLst/>
+                          </dgm:shape>
+                          <dgm:presOf/>
+                          <dgm:constrLst>
+                            <dgm:constr type="bendDist" for="des" ptType="parTrans" refType="sp" fact="0.5"/>
+                          </dgm:constrLst>
+                          <dgm:ruleLst/>
+                          <dgm:layoutNode name="composite3">
+                            <dgm:alg type="composite"/>
+                            <dgm:shape xmlns:r="http://schemas.openxmlformats.org/officeDocument/2006/relationships" r:blip="">
+                              <dgm:adjLst/>
+                            </dgm:shape>
+                            <dgm:presOf/>
+                            <dgm:constrLst>
+                              <dgm:constr type="w" for="ch" forName="background3" refType="w" fact="0.9"/>
+                              <dgm:constr type="h" for="ch" forName="background3" refType="w" refFor="ch" refForName="background3" fact="0.635"/>
+                              <dgm:constr type="t" for="ch" forName="background3"/>
+                              <dgm:constr type="l" for="ch" forName="background3"/>
+                              <dgm:constr type="w" for="ch" forName="text3" refType="w" fact="0.9"/>
+                              <dgm:constr type="h" for="ch" forName="text3" refType="w" refFor="ch" refForName="text3" fact="0.635"/>
+                              <dgm:constr type="t" for="ch" forName="text3" refType="w" fact="0.095"/>
+                              <dgm:constr type="l" for="ch" forName="text3" refType="w" fact="0.1"/>
+                            </dgm:constrLst>
+                            <dgm:ruleLst/>
+                            <dgm:layoutNode name="background3" moveWith="text3">
+                              <dgm:alg type="sp"/>
+                              <dgm:shape xmlns:r="http://schemas.openxmlformats.org/officeDocument/2006/relationships" type="roundRect" r:blip="">
+                                <dgm:adjLst>
+                                  <dgm:adj idx="1" val="0.1"/>
+                                </dgm:adjLst>
+                              </dgm:shape>
+                              <dgm:presOf/>
+                              <dgm:constrLst/>
+                              <dgm:ruleLst/>
+                            </dgm:layoutNode>
+                            <dgm:layoutNode name="text3" styleLbl="fgAcc3">
+                              <dgm:varLst>
+                                <dgm:chPref val="3"/>
+                              </dgm:varLst>
+                              <dgm:alg type="tx"/>
+                              <dgm:shape xmlns:r="http://schemas.openxmlformats.org/officeDocument/2006/relationships" type="roundRect" r:blip="">
+                                <dgm:adjLst>
+                                  <dgm:adj idx="1" val="0.1"/>
+                                </dgm:adjLst>
+                              </dgm:shape>
+                              <dgm:presOf axis="self"/>
+                              <dgm:constrLst>
+                                <dgm:constr type="tMarg" refType="primFontSz" fact="0.3"/>
+                                <dgm:constr type="bMarg" refType="primFontSz" fact="0.3"/>
+                                <dgm:constr type="lMarg" refType="primFontSz" fact="0.3"/>
+                                <dgm:constr type="rMarg" refType="primFontSz" fact="0.3"/>
+                              </dgm:constrLst>
+                              <dgm:ruleLst>
+                                <dgm:rule type="primFontSz" val="5" fact="NaN" max="NaN"/>
+                              </dgm:ruleLst>
+                            </dgm:layoutNode>
+                          </dgm:layoutNode>
+                          <dgm:layoutNode name="hierChild4">
+                            <dgm:choose name="Name19">
+                              <dgm:if name="Name20" func="var" arg="dir" op="equ" val="norm">
+                                <dgm:alg type="hierChild">
+                                  <dgm:param type="linDir" val="fromL"/>
+                                </dgm:alg>
+                              </dgm:if>
+                              <dgm:else name="Name21">
+                                <dgm:alg type="hierChild">
+                                  <dgm:param type="linDir" val="fromR"/>
+                                </dgm:alg>
+                              </dgm:else>
+                            </dgm:choose>
+                            <dgm:shape xmlns:r="http://schemas.openxmlformats.org/officeDocument/2006/relationships" r:blip="">
+                              <dgm:adjLst/>
+                            </dgm:shape>
+                            <dgm:presOf/>
+                            <dgm:constrLst/>
+                            <dgm:ruleLst/>
+                            <dgm:forEach name="repeat" axis="ch">
+                              <dgm:forEach name="Name22" axis="self" ptType="parTrans" cnt="1">
+                                <dgm:layoutNode name="Name23">
+                                  <dgm:choose name="Name24">
+                                    <dgm:if name="Name25" axis="self" func="depth" op="lte" val="4">
+                                      <dgm:alg type="conn">
+                                        <dgm:param type="dim" val="1D"/>
+                                        <dgm:param type="endSty" val="noArr"/>
+                                        <dgm:param type="connRout" val="bend"/>
+                                        <dgm:param type="bendPt" val="end"/>
+                                        <dgm:param type="begPts" val="bCtr"/>
+                                        <dgm:param type="endPts" val="tCtr"/>
+                                        <dgm:param type="srcNode" val="background3"/>
+                                        <dgm:param type="dstNode" val="background4"/>
+                                      </dgm:alg>
+                                    </dgm:if>
+                                    <dgm:else name="Name26">
+                                      <dgm:alg type="conn">
+                                        <dgm:param type="dim" val="1D"/>
+                                        <dgm:param type="endSty" val="noArr"/>
+                                        <dgm:param type="connRout" val="bend"/>
+                                        <dgm:param type="bendPt" val="end"/>
+                                        <dgm:param type="begPts" val="bCtr"/>
+                                        <dgm:param type="endPts" val="tCtr"/>
+                                        <dgm:param type="srcNode" val="background4"/>
+                                        <dgm:param type="dstNode" val="background4"/>
+                                      </dgm:alg>
+                                    </dgm:else>
+                                  </dgm:choose>
+                                  <dgm:shape xmlns:r="http://schemas.openxmlformats.org/officeDocument/2006/relationships" type="conn" r:blip="" zOrderOff="-999">
+                                    <dgm:adjLst/>
+                                  </dgm:shape>
+                                  <dgm:presOf axis="self"/>
+                                  <dgm:constrLst>
+                                    <dgm:constr type="begPad"/>
+                                    <dgm:constr type="endPad"/>
+                                  </dgm:constrLst>
+                                  <dgm:ruleLst/>
+                                </dgm:layoutNode>
+                              </dgm:forEach>
+                              <dgm:forEach name="Name27" axis="self" ptType="node">
+                                <dgm:layoutNode name="hierRoot4">
+                                  <dgm:alg type="hierRoot"/>
+                                  <dgm:shape xmlns:r="http://schemas.openxmlformats.org/officeDocument/2006/relationships" r:blip="">
+                                    <dgm:adjLst/>
+                                  </dgm:shape>
+                                  <dgm:presOf/>
+                                  <dgm:constrLst>
+                                    <dgm:constr type="bendDist" for="des" ptType="parTrans" refType="sp" fact="0.5"/>
+                                  </dgm:constrLst>
+                                  <dgm:ruleLst/>
+                                  <dgm:layoutNode name="composite4">
+                                    <dgm:alg type="composite"/>
+                                    <dgm:shape xmlns:r="http://schemas.openxmlformats.org/officeDocument/2006/relationships" r:blip="">
+                                      <dgm:adjLst/>
+                                    </dgm:shape>
+                                    <dgm:presOf/>
+                                    <dgm:constrLst>
+                                      <dgm:constr type="w" for="ch" forName="background4" refType="w" fact="0.9"/>
+                                      <dgm:constr type="h" for="ch" forName="background4" refType="w" refFor="ch" refForName="background4" fact="0.635"/>
+                                      <dgm:constr type="t" for="ch" forName="background4"/>
+                                      <dgm:constr type="l" for="ch" forName="background4"/>
+                                      <dgm:constr type="w" for="ch" forName="text4" refType="w" fact="0.9"/>
+                                      <dgm:constr type="h" for="ch" forName="text4" refType="w" refFor="ch" refForName="text4" fact="0.635"/>
+                                      <dgm:constr type="t" for="ch" forName="text4" refType="w" fact="0.095"/>
+                                      <dgm:constr type="l" for="ch" forName="text4" refType="w" fact="0.1"/>
+                                    </dgm:constrLst>
+                                    <dgm:ruleLst/>
+                                    <dgm:layoutNode name="background4" moveWith="text4">
+                                      <dgm:alg type="sp"/>
+                                      <dgm:shape xmlns:r="http://schemas.openxmlformats.org/officeDocument/2006/relationships" type="roundRect" r:blip="">
+                                        <dgm:adjLst>
+                                          <dgm:adj idx="1" val="0.1"/>
+                                        </dgm:adjLst>
+                                      </dgm:shape>
+                                      <dgm:presOf/>
+                                      <dgm:constrLst/>
+                                      <dgm:ruleLst/>
+                                    </dgm:layoutNode>
+                                    <dgm:layoutNode name="text4" styleLbl="fgAcc4">
+                                      <dgm:varLst>
+                                        <dgm:chPref val="3"/>
+                                      </dgm:varLst>
+                                      <dgm:alg type="tx"/>
+                                      <dgm:shape xmlns:r="http://schemas.openxmlformats.org/officeDocument/2006/relationships" type="roundRect" r:blip="">
+                                        <dgm:adjLst>
+                                          <dgm:adj idx="1" val="0.1"/>
+                                        </dgm:adjLst>
+                                      </dgm:shape>
+                                      <dgm:presOf axis="self"/>
+                                      <dgm:constrLst>
+                                        <dgm:constr type="tMarg" refType="primFontSz" fact="0.3"/>
+                                        <dgm:constr type="bMarg" refType="primFontSz" fact="0.3"/>
+                                        <dgm:constr type="lMarg" refType="primFontSz" fact="0.3"/>
+                                        <dgm:constr type="rMarg" refType="primFontSz" fact="0.3"/>
+                                      </dgm:constrLst>
+                                      <dgm:ruleLst>
+                                        <dgm:rule type="primFontSz" val="5" fact="NaN" max="NaN"/>
+                                      </dgm:ruleLst>
+                                    </dgm:layoutNode>
+                                  </dgm:layoutNode>
+                                  <dgm:layoutNode name="hierChild5">
+                                    <dgm:choose name="Name28">
+                                      <dgm:if name="Name29" func="var" arg="dir" op="equ" val="norm">
+                                        <dgm:alg type="hierChild">
+                                          <dgm:param type="linDir" val="fromL"/>
+                                        </dgm:alg>
+                                      </dgm:if>
+                                      <dgm:else name="Name30">
+                                        <dgm:alg type="hierChild">
+                                          <dgm:param type="linDir" val="fromR"/>
+                                        </dgm:alg>
+                                      </dgm:else>
+                                    </dgm:choose>
+                                    <dgm:shape xmlns:r="http://schemas.openxmlformats.org/officeDocument/2006/relationships" r:blip="">
+                                      <dgm:adjLst/>
+                                    </dgm:shape>
+                                    <dgm:presOf/>
+                                    <dgm:constrLst/>
+                                    <dgm:ruleLst/>
+                                    <dgm:forEach name="Name31" ref="repeat"/>
+                                  </dgm:layoutNode>
+                                </dgm:layoutNode>
+                              </dgm:forEach>
+                            </dgm:forEach>
+                          </dgm:layoutNode>
+                        </dgm:layoutNode>
+                      </dgm:forEach>
+                    </dgm:forEach>
+                  </dgm:layoutNode>
+                </dgm:layoutNode>
+              </dgm:forEach>
+            </dgm:forEach>
+          </dgm:layoutNode>
+        </dgm:layoutNode>
+      </dgm:forEach>
+    </dgm:forEach>
+  </dgm:layoutNode>
+</dgm:layoutDef>
+</file>
+
 <file path=ppt/diagrams/quickStyle1.xml><?xml version="1.0" encoding="utf-8"?>
+<dgm:styleDef xmlns:dgm="http://schemas.openxmlformats.org/drawingml/2006/diagram" xmlns:a="http://schemas.openxmlformats.org/drawingml/2006/main" uniqueId="urn:microsoft.com/office/officeart/2005/8/quickstyle/simple1">
+  <dgm:title val=""/>
+  <dgm:desc val=""/>
+  <dgm:catLst>
+    <dgm:cat type="simple" pri="10100"/>
+  </dgm:catLst>
+  <dgm:scene3d>
+    <a:camera prst="orthographicFront"/>
+    <a:lightRig rig="threePt" dir="t"/>
+  </dgm:scene3d>
+  <dgm:styleLbl name="node0">
+    <dgm:scene3d>
+      <a:camera prst="orthographicFront"/>
+      <a:lightRig rig="threePt" dir="t"/>
+    </dgm:scene3d>
+    <dgm:sp3d/>
+    <dgm:txPr/>
+    <dgm:style>
+      <a:lnRef idx="2">
+        <a:scrgbClr r="0" g="0" b="0"/>
+      </a:lnRef>
+      <a:fillRef idx="1">
+        <a:scrgbClr r="0" g="0" b="0"/>
+      </a:fillRef>
+      <a:effectRef idx="0">
+        <a:scrgbClr r="0" g="0" b="0"/>
+      </a:effectRef>
+      <a:fontRef idx="minor">
+        <a:schemeClr val="lt1"/>
+      </a:fontRef>
+    </dgm:style>
+  </dgm:styleLbl>
+  <dgm:styleLbl name="lnNode1">
+    <dgm:scene3d>
+      <a:camera prst="orthographicFront"/>
+      <a:lightRig rig="threePt" dir="t"/>
+    </dgm:scene3d>
+    <dgm:sp3d/>
+    <dgm:txPr/>
+    <dgm:style>
+      <a:lnRef idx="2">
+        <a:scrgbClr r="0" g="0" b="0"/>
+      </a:lnRef>
+      <a:fillRef idx="1">
+        <a:scrgbClr r="0" g="0" b="0"/>
+      </a:fillRef>
+      <a:effectRef idx="0">
+        <a:scrgbClr r="0" g="0" b="0"/>
+      </a:effectRef>
+      <a:fontRef idx="minor">
+        <a:schemeClr val="lt1"/>
+      </a:fontRef>
+    </dgm:style>
+  </dgm:styleLbl>
+  <dgm:styleLbl name="vennNode1">
+    <dgm:scene3d>
+      <a:camera prst="orthographicFront"/>
+      <a:lightRig rig="threePt" dir="t"/>
+    </dgm:scene3d>
+    <dgm:sp3d/>
+    <dgm:txPr/>
+    <dgm:style>
+      <a:lnRef idx="2">
+        <a:scrgbClr r="0" g="0" b="0"/>
+      </a:lnRef>
+      <a:fillRef idx="1">
+        <a:scrgbClr r="0" g="0" b="0"/>
+      </a:fillRef>
+      <a:effectRef idx="0">
+        <a:scrgbClr r="0" g="0" b="0"/>
+      </a:effectRef>
+      <a:fontRef idx="minor">
+        <a:schemeClr val="tx1"/>
+      </a:fontRef>
+    </dgm:style>
+  </dgm:styleLbl>
+  <dgm:styleLbl name="alignNode1">
+    <dgm:scene3d>
+      <a:camera prst="orthographicFront"/>
+      <a:lightRig rig="threePt" dir="t"/>
+    </dgm:scene3d>
+    <dgm:sp3d/>
+    <dgm:txPr/>
+    <dgm:style>
+      <a:lnRef idx="2">
+        <a:scrgbClr r="0" g="0" b="0"/>
+      </a:lnRef>
+      <a:fillRef idx="1">
+        <a:scrgbClr r="0" g="0" b="0"/>
+      </a:fillRef>
+      <a:effectRef idx="0">
+        <a:scrgbClr r="0" g="0" b="0"/>
+      </a:effectRef>
+      <a:fontRef idx="minor">
+        <a:schemeClr val="lt1"/>
+      </a:fontRef>
+    </dgm:style>
+  </dgm:styleLbl>
+  <dgm:styleLbl name="node1">
+    <dgm:scene3d>
+      <a:camera prst="orthographicFront"/>
+      <a:lightRig rig="threePt" dir="t"/>
+    </dgm:scene3d>
+    <dgm:sp3d/>
+    <dgm:txPr/>
+    <dgm:style>
+      <a:lnRef idx="2">
+        <a:scrgbClr r="0" g="0" b="0"/>
+      </a:lnRef>
+      <a:fillRef idx="1">
+        <a:scrgbClr r="0" g="0" b="0"/>
+      </a:fillRef>
+      <a:effectRef idx="0">
+        <a:scrgbClr r="0" g="0" b="0"/>
+      </a:effectRef>
+      <a:fontRef idx="minor">
+        <a:schemeClr val="lt1"/>
+      </a:fontRef>
+    </dgm:style>
+  </dgm:styleLbl>
+  <dgm:styleLbl name="node2">
+    <dgm:scene3d>
+      <a:camera prst="orthographicFront"/>
+      <a:lightRig rig="threePt" dir="t"/>
+    </dgm:scene3d>
+    <dgm:sp3d/>
+    <dgm:txPr/>
+    <dgm:style>
+      <a:lnRef idx="2">
+        <a:scrgbClr r="0" g="0" b="0"/>
+      </a:lnRef>
+      <a:fillRef idx="1">
+        <a:scrgbClr r="0" g="0" b="0"/>
+      </a:fillRef>
+      <a:effectRef idx="0">
+        <a:scrgbClr r="0" g="0" b="0"/>
+      </a:effectRef>
+      <a:fontRef idx="minor">
+        <a:schemeClr val="lt1"/>
+      </a:fontRef>
+    </dgm:style>
+  </dgm:styleLbl>
+  <dgm:styleLbl name="node3">
+    <dgm:scene3d>
+      <a:camera prst="orthographicFront"/>
+      <a:lightRig rig="threePt" dir="t"/>
+    </dgm:scene3d>
+    <dgm:sp3d/>
+    <dgm:txPr/>
+    <dgm:style>
+      <a:lnRef idx="2">
+        <a:scrgbClr r="0" g="0" b="0"/>
+      </a:lnRef>
+      <a:fillRef idx="1">
+        <a:scrgbClr r="0" g="0" b="0"/>
+      </a:fillRef>
+      <a:effectRef idx="0">
+        <a:scrgbClr r="0" g="0" b="0"/>
+      </a:effectRef>
+      <a:fontRef idx="minor">
+        <a:schemeClr val="lt1"/>
+      </a:fontRef>
+    </dgm:style>
+  </dgm:styleLbl>
+  <dgm:styleLbl name="node4">
+    <dgm:scene3d>
+      <a:camera prst="orthographicFront"/>
+      <a:lightRig rig="threePt" dir="t"/>
+    </dgm:scene3d>
+    <dgm:sp3d/>
+    <dgm:txPr/>
+    <dgm:style>
+      <a:lnRef idx="2">
+        <a:scrgbClr r="0" g="0" b="0"/>
+      </a:lnRef>
+      <a:fillRef idx="1">
+        <a:scrgbClr r="0" g="0" b="0"/>
+      </a:fillRef>
+      <a:effectRef idx="0">
+        <a:scrgbClr r="0" g="0" b="0"/>
+      </a:effectRef>
+      <a:fontRef idx="minor">
+        <a:schemeClr val="lt1"/>
+      </a:fontRef>
+    </dgm:style>
+  </dgm:styleLbl>
+  <dgm:styleLbl name="fgImgPlace1">
+    <dgm:scene3d>
+      <a:camera prst="orthographicFront"/>
+      <a:lightRig rig="threePt" dir="t"/>
+    </dgm:scene3d>
+    <dgm:sp3d/>
+    <dgm:txPr/>
+    <dgm:style>
+      <a:lnRef idx="2">
+        <a:scrgbClr r="0" g="0" b="0"/>
+      </a:lnRef>
+      <a:fillRef idx="1">
+        <a:scrgbClr r="0" g="0" b="0"/>
+      </a:fillRef>
+      <a:effectRef idx="0">
+        <a:scrgbClr r="0" g="0" b="0"/>
+      </a:effectRef>
+      <a:fontRef idx="minor"/>
+    </dgm:style>
+  </dgm:styleLbl>
+  <dgm:styleLbl name="alignImgPlace1">
+    <dgm:scene3d>
+      <a:camera prst="orthographicFront"/>
+      <a:lightRig rig="threePt" dir="t"/>
+    </dgm:scene3d>
+    <dgm:sp3d/>
+    <dgm:txPr/>
+    <dgm:style>
+      <a:lnRef idx="2">
+        <a:scrgbClr r="0" g="0" b="0"/>
+      </a:lnRef>
+      <a:fillRef idx="1">
+        <a:scrgbClr r="0" g="0" b="0"/>
+      </a:fillRef>
+      <a:effectRef idx="0">
+        <a:scrgbClr r="0" g="0" b="0"/>
+      </a:effectRef>
+      <a:fontRef idx="minor"/>
+    </dgm:style>
+  </dgm:styleLbl>
+  <dgm:styleLbl name="bgImgPlace1">
+    <dgm:scene3d>
+      <a:camera prst="orthographicFront"/>
+      <a:lightRig rig="threePt" dir="t"/>
+    </dgm:scene3d>
+    <dgm:sp3d/>
+    <dgm:txPr/>
+    <dgm:style>
+      <a:lnRef idx="2">
+        <a:scrgbClr r="0" g="0" b="0"/>
+      </a:lnRef>
+      <a:fillRef idx="1">
+        <a:scrgbClr r="0" g="0" b="0"/>
+      </a:fillRef>
+      <a:effectRef idx="0">
+        <a:scrgbClr r="0" g="0" b="0"/>
+      </a:effectRef>
+      <a:fontRef idx="minor"/>
+    </dgm:style>
+  </dgm:styleLbl>
+  <dgm:styleLbl name="sibTrans2D1">
+    <dgm:scene3d>
+      <a:camera prst="orthographicFront"/>
+      <a:lightRig rig="threePt" dir="t"/>
+    </dgm:scene3d>
+    <dgm:sp3d/>
+    <dgm:txPr/>
+    <dgm:style>
+      <a:lnRef idx="0">
+        <a:scrgbClr r="0" g="0" b="0"/>
+      </a:lnRef>
+      <a:fillRef idx="1">
+        <a:scrgbClr r="0" g="0" b="0"/>
+      </a:fillRef>
+      <a:effectRef idx="0">
+        <a:scrgbClr r="0" g="0" b="0"/>
+      </a:effectRef>
+      <a:fontRef idx="minor">
+        <a:schemeClr val="lt1"/>
+      </a:fontRef>
+    </dgm:style>
+  </dgm:styleLbl>
+  <dgm:styleLbl name="fgSibTrans2D1">
+    <dgm:scene3d>
+      <a:camera prst="orthographicFront"/>
+      <a:lightRig rig="threePt" dir="t"/>
+    </dgm:scene3d>
+    <dgm:sp3d/>
+    <dgm:txPr/>
+    <dgm:style>
+      <a:lnRef idx="0">
+        <a:scrgbClr r="0" g="0" b="0"/>
+      </a:lnRef>
+      <a:fillRef idx="1">
+        <a:scrgbClr r="0" g="0" b="0"/>
+      </a:fillRef>
+      <a:effectRef idx="0">
+        <a:scrgbClr r="0" g="0" b="0"/>
+      </a:effectRef>
+      <a:fontRef idx="minor">
+        <a:schemeClr val="lt1"/>
+      </a:fontRef>
+    </dgm:style>
+  </dgm:styleLbl>
+  <dgm:styleLbl name="bgSibTrans2D1">
+    <dgm:scene3d>
+      <a:camera prst="orthographicFront"/>
+      <a:lightRig rig="threePt" dir="t"/>
+    </dgm:scene3d>
+    <dgm:sp3d/>
+    <dgm:txPr/>
+    <dgm:style>
+      <a:lnRef idx="0">
+        <a:scrgbClr r="0" g="0" b="0"/>
+      </a:lnRef>
+      <a:fillRef idx="1">
+        <a:scrgbClr r="0" g="0" b="0"/>
+      </a:fillRef>
+      <a:effectRef idx="0">
+        <a:scrgbClr r="0" g="0" b="0"/>
+      </a:effectRef>
+      <a:fontRef idx="minor">
+        <a:schemeClr val="lt1"/>
+      </a:fontRef>
+    </dgm:style>
+  </dgm:styleLbl>
+  <dgm:styleLbl name="sibTrans1D1">
+    <dgm:scene3d>
+      <a:camera prst="orthographicFront"/>
+      <a:lightRig rig="threePt" dir="t"/>
+    </dgm:scene3d>
+    <dgm:sp3d/>
+    <dgm:txPr/>
+    <dgm:style>
+      <a:lnRef idx="1">
+        <a:scrgbClr r="0" g="0" b="0"/>
+      </a:lnRef>
+      <a:fillRef idx="0">
+        <a:scrgbClr r="0" g="0" b="0"/>
+      </a:fillRef>
+      <a:effectRef idx="0">
+        <a:scrgbClr r="0" g="0" b="0"/>
+      </a:effectRef>
+      <a:fontRef idx="minor"/>
+    </dgm:style>
+  </dgm:styleLbl>
+  <dgm:styleLbl name="callout">
+    <dgm:scene3d>
+      <a:camera prst="orthographicFront"/>
+      <a:lightRig rig="threePt" dir="t"/>
+    </dgm:scene3d>
+    <dgm:sp3d/>
+    <dgm:txPr/>
+    <dgm:style>
+      <a:lnRef idx="2">
+        <a:scrgbClr r="0" g="0" b="0"/>
+      </a:lnRef>
+      <a:fillRef idx="1">
+        <a:scrgbClr r="0" g="0" b="0"/>
+      </a:fillRef>
+      <a:effectRef idx="0">
+        <a:scrgbClr r="0" g="0" b="0"/>
+      </a:effectRef>
+      <a:fontRef idx="minor"/>
+    </dgm:style>
+  </dgm:styleLbl>
+  <dgm:styleLbl name="asst0">
+    <dgm:scene3d>
+      <a:camera prst="orthographicFront"/>
+      <a:lightRig rig="threePt" dir="t"/>
+    </dgm:scene3d>
+    <dgm:sp3d/>
+    <dgm:txPr/>
+    <dgm:style>
+      <a:lnRef idx="2">
+        <a:scrgbClr r="0" g="0" b="0"/>
+      </a:lnRef>
+      <a:fillRef idx="1">
+        <a:scrgbClr r="0" g="0" b="0"/>
+      </a:fillRef>
+      <a:effectRef idx="0">
+        <a:scrgbClr r="0" g="0" b="0"/>
+      </a:effectRef>
+      <a:fontRef idx="minor">
+        <a:schemeClr val="lt1"/>
+      </a:fontRef>
+    </dgm:style>
+  </dgm:styleLbl>
+  <dgm:styleLbl name="asst1">
+    <dgm:scene3d>
+      <a:camera prst="orthographicFront"/>
+      <a:lightRig rig="threePt" dir="t"/>
+    </dgm:scene3d>
+    <dgm:sp3d/>
+    <dgm:txPr/>
+    <dgm:style>
+      <a:lnRef idx="2">
+        <a:scrgbClr r="0" g="0" b="0"/>
+      </a:lnRef>
+      <a:fillRef idx="1">
+        <a:scrgbClr r="0" g="0" b="0"/>
+      </a:fillRef>
+      <a:effectRef idx="0">
+        <a:scrgbClr r="0" g="0" b="0"/>
+      </a:effectRef>
+      <a:fontRef idx="minor">
+        <a:schemeClr val="lt1"/>
+      </a:fontRef>
+    </dgm:style>
+  </dgm:styleLbl>
+  <dgm:styleLbl name="asst2">
+    <dgm:scene3d>
+      <a:camera prst="orthographicFront"/>
+      <a:lightRig rig="threePt" dir="t"/>
+    </dgm:scene3d>
+    <dgm:sp3d/>
+    <dgm:txPr/>
+    <dgm:style>
+      <a:lnRef idx="2">
+        <a:scrgbClr r="0" g="0" b="0"/>
+      </a:lnRef>
+      <a:fillRef idx="1">
+        <a:scrgbClr r="0" g="0" b="0"/>
+      </a:fillRef>
+      <a:effectRef idx="0">
+        <a:scrgbClr r="0" g="0" b="0"/>
+      </a:effectRef>
+      <a:fontRef idx="minor">
+        <a:schemeClr val="lt1"/>
+      </a:fontRef>
+    </dgm:style>
+  </dgm:styleLbl>
+  <dgm:styleLbl name="asst3">
+    <dgm:scene3d>
+      <a:camera prst="orthographicFront"/>
+      <a:lightRig rig="threePt" dir="t"/>
+    </dgm:scene3d>
+    <dgm:sp3d/>
+    <dgm:txPr/>
+    <dgm:style>
+      <a:lnRef idx="2">
+        <a:scrgbClr r="0" g="0" b="0"/>
+      </a:lnRef>
+      <a:fillRef idx="1">
+        <a:scrgbClr r="0" g="0" b="0"/>
+      </a:fillRef>
+      <a:effectRef idx="0">
+        <a:scrgbClr r="0" g="0" b="0"/>
+      </a:effectRef>
+      <a:fontRef idx="minor">
+        <a:schemeClr val="lt1"/>
+      </a:fontRef>
+    </dgm:style>
+  </dgm:styleLbl>
+  <dgm:styleLbl name="asst4">
+    <dgm:scene3d>
+      <a:camera prst="orthographicFront"/>
+      <a:lightRig rig="threePt" dir="t"/>
+    </dgm:scene3d>
+    <dgm:sp3d/>
+    <dgm:txPr/>
+    <dgm:style>
+      <a:lnRef idx="2">
+        <a:scrgbClr r="0" g="0" b="0"/>
+      </a:lnRef>
+      <a:fillRef idx="1">
+        <a:scrgbClr r="0" g="0" b="0"/>
+      </a:fillRef>
+      <a:effectRef idx="0">
+        <a:scrgbClr r="0" g="0" b="0"/>
+      </a:effectRef>
+      <a:fontRef idx="minor">
+        <a:schemeClr val="lt1"/>
+      </a:fontRef>
+    </dgm:style>
+  </dgm:styleLbl>
+  <dgm:styleLbl name="parChTrans2D1">
+    <dgm:scene3d>
+      <a:camera prst="orthographicFront"/>
+      <a:lightRig rig="threePt" dir="t"/>
+    </dgm:scene3d>
+    <dgm:sp3d/>
+    <dgm:txPr/>
+    <dgm:style>
+      <a:lnRef idx="2">
+        <a:scrgbClr r="0" g="0" b="0"/>
+      </a:lnRef>
+      <a:fillRef idx="1">
+        <a:scrgbClr r="0" g="0" b="0"/>
+      </a:fillRef>
+      <a:effectRef idx="0">
+        <a:scrgbClr r="0" g="0" b="0"/>
+      </a:effectRef>
+      <a:fontRef idx="minor">
+        <a:schemeClr val="lt1"/>
+      </a:fontRef>
+    </dgm:style>
+  </dgm:styleLbl>
+  <dgm:styleLbl name="parChTrans2D2">
+    <dgm:scene3d>
+      <a:camera prst="orthographicFront"/>
+      <a:lightRig rig="threePt" dir="t"/>
+    </dgm:scene3d>
+    <dgm:sp3d/>
+    <dgm:txPr/>
+    <dgm:style>
+      <a:lnRef idx="2">
+        <a:scrgbClr r="0" g="0" b="0"/>
+      </a:lnRef>
+      <a:fillRef idx="1">
+        <a:scrgbClr r="0" g="0" b="0"/>
+      </a:fillRef>
+      <a:effectRef idx="0">
+        <a:scrgbClr r="0" g="0" b="0"/>
+      </a:effectRef>
+      <a:fontRef idx="minor">
+        <a:schemeClr val="lt1"/>
+      </a:fontRef>
+    </dgm:style>
+  </dgm:styleLbl>
+  <dgm:styleLbl name="parChTrans2D3">
+    <dgm:scene3d>
+      <a:camera prst="orthographicFront"/>
+      <a:lightRig rig="threePt" dir="t"/>
+    </dgm:scene3d>
+    <dgm:sp3d/>
+    <dgm:txPr/>
+    <dgm:style>
+      <a:lnRef idx="2">
+        <a:scrgbClr r="0" g="0" b="0"/>
+      </a:lnRef>
+      <a:fillRef idx="1">
+        <a:scrgbClr r="0" g="0" b="0"/>
+      </a:fillRef>
+      <a:effectRef idx="0">
+        <a:scrgbClr r="0" g="0" b="0"/>
+      </a:effectRef>
+      <a:fontRef idx="minor">
+        <a:schemeClr val="lt1"/>
+      </a:fontRef>
+    </dgm:style>
+  </dgm:styleLbl>
+  <dgm:styleLbl name="parChTrans2D4">
+    <dgm:scene3d>
+      <a:camera prst="orthographicFront"/>
+      <a:lightRig rig="threePt" dir="t"/>
+    </dgm:scene3d>
+    <dgm:sp3d/>
+    <dgm:txPr/>
+    <dgm:style>
+      <a:lnRef idx="2">
+        <a:scrgbClr r="0" g="0" b="0"/>
+      </a:lnRef>
+      <a:fillRef idx="1">
+        <a:scrgbClr r="0" g="0" b="0"/>
+      </a:fillRef>
+      <a:effectRef idx="0">
+        <a:scrgbClr r="0" g="0" b="0"/>
+      </a:effectRef>
+      <a:fontRef idx="minor">
+        <a:schemeClr val="lt1"/>
+      </a:fontRef>
+    </dgm:style>
+  </dgm:styleLbl>
+  <dgm:styleLbl name="parChTrans1D1">
+    <dgm:scene3d>
+      <a:camera prst="orthographicFront"/>
+      <a:lightRig rig="threePt" dir="t"/>
+    </dgm:scene3d>
+    <dgm:sp3d/>
+    <dgm:txPr/>
+    <dgm:style>
+      <a:lnRef idx="2">
+        <a:scrgbClr r="0" g="0" b="0"/>
+      </a:lnRef>
+      <a:fillRef idx="0">
+        <a:scrgbClr r="0" g="0" b="0"/>
+      </a:fillRef>
+      <a:effectRef idx="0">
+        <a:scrgbClr r="0" g="0" b="0"/>
+      </a:effectRef>
+      <a:fontRef idx="minor"/>
+    </dgm:style>
+  </dgm:styleLbl>
+  <dgm:styleLbl name="parChTrans1D2">
+    <dgm:scene3d>
+      <a:camera prst="orthographicFront"/>
+      <a:lightRig rig="threePt" dir="t"/>
+    </dgm:scene3d>
+    <dgm:sp3d/>
+    <dgm:txPr/>
+    <dgm:style>
+      <a:lnRef idx="2">
+        <a:scrgbClr r="0" g="0" b="0"/>
+      </a:lnRef>
+      <a:fillRef idx="0">
+        <a:scrgbClr r="0" g="0" b="0"/>
+      </a:fillRef>
+      <a:effectRef idx="0">
+        <a:scrgbClr r="0" g="0" b="0"/>
+      </a:effectRef>
+      <a:fontRef idx="minor"/>
+    </dgm:style>
+  </dgm:styleLbl>
+  <dgm:styleLbl name="parChTrans1D3">
+    <dgm:scene3d>
+      <a:camera prst="orthographicFront"/>
+      <a:lightRig rig="threePt" dir="t"/>
+    </dgm:scene3d>
+    <dgm:sp3d/>
+    <dgm:txPr/>
+    <dgm:style>
+      <a:lnRef idx="2">
+        <a:scrgbClr r="0" g="0" b="0"/>
+      </a:lnRef>
+      <a:fillRef idx="0">
+        <a:scrgbClr r="0" g="0" b="0"/>
+      </a:fillRef>
+      <a:effectRef idx="0">
+        <a:scrgbClr r="0" g="0" b="0"/>
+      </a:effectRef>
+      <a:fontRef idx="minor"/>
+    </dgm:style>
+  </dgm:styleLbl>
+  <dgm:styleLbl name="parChTrans1D4">
+    <dgm:scene3d>
+      <a:camera prst="orthographicFront"/>
+      <a:lightRig rig="threePt" dir="t"/>
+    </dgm:scene3d>
+    <dgm:sp3d/>
+    <dgm:txPr/>
+    <dgm:style>
+      <a:lnRef idx="2">
+        <a:scrgbClr r="0" g="0" b="0"/>
+      </a:lnRef>
+      <a:fillRef idx="0">
+        <a:scrgbClr r="0" g="0" b="0"/>
+      </a:fillRef>
+      <a:effectRef idx="0">
+        <a:scrgbClr r="0" g="0" b="0"/>
+      </a:effectRef>
+      <a:fontRef idx="minor"/>
+    </dgm:style>
+  </dgm:styleLbl>
+  <dgm:styleLbl name="fgAcc1">
+    <dgm:scene3d>
+      <a:camera prst="orthographicFront"/>
+      <a:lightRig rig="threePt" dir="t"/>
+    </dgm:scene3d>
+    <dgm:sp3d/>
+    <dgm:txPr/>
+    <dgm:style>
+      <a:lnRef idx="2">
+        <a:scrgbClr r="0" g="0" b="0"/>
+      </a:lnRef>
+      <a:fillRef idx="1">
+        <a:scrgbClr r="0" g="0" b="0"/>
+      </a:fillRef>
+      <a:effectRef idx="0">
+        <a:scrgbClr r="0" g="0" b="0"/>
+      </a:effectRef>
+      <a:fontRef idx="minor"/>
+    </dgm:style>
+  </dgm:styleLbl>
+  <dgm:styleLbl name="conFgAcc1">
+    <dgm:scene3d>
+      <a:camera prst="orthographicFront"/>
+      <a:lightRig rig="threePt" dir="t"/>
+    </dgm:scene3d>
+    <dgm:sp3d/>
+    <dgm:txPr/>
+    <dgm:style>
+      <a:lnRef idx="2">
+        <a:scrgbClr r="0" g="0" b="0"/>
+      </a:lnRef>
+      <a:fillRef idx="1">
+        <a:scrgbClr r="0" g="0" b="0"/>
+      </a:fillRef>
+      <a:effectRef idx="0">
+        <a:scrgbClr r="0" g="0" b="0"/>
+      </a:effectRef>
+      <a:fontRef idx="minor"/>
+    </dgm:style>
+  </dgm:styleLbl>
+  <dgm:styleLbl name="alignAcc1">
+    <dgm:scene3d>
+      <a:camera prst="orthographicFront"/>
+      <a:lightRig rig="threePt" dir="t"/>
+    </dgm:scene3d>
+    <dgm:sp3d/>
+    <dgm:txPr/>
+    <dgm:style>
+      <a:lnRef idx="2">
+        <a:scrgbClr r="0" g="0" b="0"/>
+      </a:lnRef>
+      <a:fillRef idx="1">
+        <a:scrgbClr r="0" g="0" b="0"/>
+      </a:fillRef>
+      <a:effectRef idx="0">
+        <a:scrgbClr r="0" g="0" b="0"/>
+      </a:effectRef>
+      <a:fontRef idx="minor"/>
+    </dgm:style>
+  </dgm:styleLbl>
+  <dgm:styleLbl name="trAlignAcc1">
+    <dgm:scene3d>
+      <a:camera prst="orthographicFront"/>
+      <a:lightRig rig="threePt" dir="t"/>
+    </dgm:scene3d>
+    <dgm:sp3d/>
+    <dgm:txPr/>
+    <dgm:style>
+      <a:lnRef idx="1">
+        <a:scrgbClr r="0" g="0" b="0"/>
+      </a:lnRef>
+      <a:fillRef idx="1">
+        <a:scrgbClr r="0" g="0" b="0"/>
+      </a:fillRef>
+      <a:effectRef idx="0">
+        <a:scrgbClr r="0" g="0" b="0"/>
+      </a:effectRef>
+      <a:fontRef idx="minor"/>
+    </dgm:style>
+  </dgm:styleLbl>
+  <dgm:styleLbl name="bgAcc1">
+    <dgm:scene3d>
+      <a:camera prst="orthographicFront"/>
+      <a:lightRig rig="threePt" dir="t"/>
+    </dgm:scene3d>
+    <dgm:sp3d/>
+    <dgm:txPr/>
+    <dgm:style>
+      <a:lnRef idx="2">
+        <a:scrgbClr r="0" g="0" b="0"/>
+      </a:lnRef>
+      <a:fillRef idx="1">
+        <a:scrgbClr r="0" g="0" b="0"/>
+      </a:fillRef>
+      <a:effectRef idx="0">
+        <a:scrgbClr r="0" g="0" b="0"/>
+      </a:effectRef>
+      <a:fontRef idx="minor"/>
+    </dgm:style>
+  </dgm:styleLbl>
+  <dgm:styleLbl name="solidFgAcc1">
+    <dgm:scene3d>
+      <a:camera prst="orthographicFront"/>
+      <a:lightRig rig="threePt" dir="t"/>
+    </dgm:scene3d>
+    <dgm:sp3d/>
+    <dgm:txPr/>
+    <dgm:style>
+      <a:lnRef idx="2">
+        <a:scrgbClr r="0" g="0" b="0"/>
+      </a:lnRef>
+      <a:fillRef idx="1">
+        <a:scrgbClr r="0" g="0" b="0"/>
+      </a:fillRef>
+      <a:effectRef idx="0">
+        <a:scrgbClr r="0" g="0" b="0"/>
+      </a:effectRef>
+      <a:fontRef idx="minor"/>
+    </dgm:style>
+  </dgm:styleLbl>
+  <dgm:styleLbl name="solidAlignAcc1">
+    <dgm:scene3d>
+      <a:camera prst="orthographicFront"/>
+      <a:lightRig rig="threePt" dir="t"/>
+    </dgm:scene3d>
+    <dgm:sp3d/>
+    <dgm:txPr/>
+    <dgm:style>
+      <a:lnRef idx="2">
+        <a:scrgbClr r="0" g="0" b="0"/>
+      </a:lnRef>
+      <a:fillRef idx="1">
+        <a:scrgbClr r="0" g="0" b="0"/>
+      </a:fillRef>
+      <a:effectRef idx="0">
+        <a:scrgbClr r="0" g="0" b="0"/>
+      </a:effectRef>
+      <a:fontRef idx="minor"/>
+    </dgm:style>
+  </dgm:styleLbl>
+  <dgm:styleLbl name="solidBgAcc1">
+    <dgm:scene3d>
+      <a:camera prst="orthographicFront"/>
+      <a:lightRig rig="threePt" dir="t"/>
+    </dgm:scene3d>
+    <dgm:sp3d/>
+    <dgm:txPr/>
+    <dgm:style>
+      <a:lnRef idx="2">
+        <a:scrgbClr r="0" g="0" b="0"/>
+      </a:lnRef>
+      <a:fillRef idx="1">
+        <a:scrgbClr r="0" g="0" b="0"/>
+      </a:fillRef>
+      <a:effectRef idx="0">
+        <a:scrgbClr r="0" g="0" b="0"/>
+      </a:effectRef>
+      <a:fontRef idx="minor"/>
+    </dgm:style>
+  </dgm:styleLbl>
+  <dgm:styleLbl name="fgAccFollowNode1">
+    <dgm:scene3d>
+      <a:camera prst="orthographicFront"/>
+      <a:lightRig rig="threePt" dir="t"/>
+    </dgm:scene3d>
+    <dgm:sp3d/>
+    <dgm:txPr/>
+    <dgm:style>
+      <a:lnRef idx="2">
+        <a:scrgbClr r="0" g="0" b="0"/>
+      </a:lnRef>
+      <a:fillRef idx="1">
+        <a:scrgbClr r="0" g="0" b="0"/>
+      </a:fillRef>
+      <a:effectRef idx="0">
+        <a:scrgbClr r="0" g="0" b="0"/>
+      </a:effectRef>
+      <a:fontRef idx="minor"/>
+    </dgm:style>
+  </dgm:styleLbl>
+  <dgm:styleLbl name="alignAccFollowNode1">
+    <dgm:scene3d>
+      <a:camera prst="orthographicFront"/>
+      <a:lightRig rig="threePt" dir="t"/>
+    </dgm:scene3d>
+    <dgm:sp3d/>
+    <dgm:txPr/>
+    <dgm:style>
+      <a:lnRef idx="2">
+        <a:scrgbClr r="0" g="0" b="0"/>
+      </a:lnRef>
+      <a:fillRef idx="1">
+        <a:scrgbClr r="0" g="0" b="0"/>
+      </a:fillRef>
+      <a:effectRef idx="0">
+        <a:scrgbClr r="0" g="0" b="0"/>
+      </a:effectRef>
+      <a:fontRef idx="minor"/>
+    </dgm:style>
+  </dgm:styleLbl>
+  <dgm:styleLbl name="bgAccFollowNode1">
+    <dgm:scene3d>
+      <a:camera prst="orthographicFront"/>
+      <a:lightRig rig="threePt" dir="t"/>
+    </dgm:scene3d>
+    <dgm:sp3d/>
+    <dgm:txPr/>
+    <dgm:style>
+      <a:lnRef idx="2">
+        <a:scrgbClr r="0" g="0" b="0"/>
+      </a:lnRef>
+      <a:fillRef idx="1">
+        <a:scrgbClr r="0" g="0" b="0"/>
+      </a:fillRef>
+      <a:effectRef idx="0">
+        <a:scrgbClr r="0" g="0" b="0"/>
+      </a:effectRef>
+      <a:fontRef idx="minor"/>
+    </dgm:style>
+  </dgm:styleLbl>
+  <dgm:styleLbl name="fgAcc0">
+    <dgm:scene3d>
+      <a:camera prst="orthographicFront"/>
+      <a:lightRig rig="threePt" dir="t"/>
+    </dgm:scene3d>
+    <dgm:sp3d/>
+    <dgm:txPr/>
+    <dgm:style>
+      <a:lnRef idx="2">
+        <a:scrgbClr r="0" g="0" b="0"/>
+      </a:lnRef>
+      <a:fillRef idx="1">
+        <a:scrgbClr r="0" g="0" b="0"/>
+      </a:fillRef>
+      <a:effectRef idx="0">
+        <a:scrgbClr r="0" g="0" b="0"/>
+      </a:effectRef>
+      <a:fontRef idx="minor"/>
+    </dgm:style>
+  </dgm:styleLbl>
+  <dgm:styleLbl name="fgAcc2">
+    <dgm:scene3d>
+      <a:camera prst="orthographicFront"/>
+      <a:lightRig rig="threePt" dir="t"/>
+    </dgm:scene3d>
+    <dgm:sp3d/>
+    <dgm:txPr/>
+    <dgm:style>
+      <a:lnRef idx="2">
+        <a:scrgbClr r="0" g="0" b="0"/>
+      </a:lnRef>
+      <a:fillRef idx="1">
+        <a:scrgbClr r="0" g="0" b="0"/>
+      </a:fillRef>
+      <a:effectRef idx="0">
+        <a:scrgbClr r="0" g="0" b="0"/>
+      </a:effectRef>
+      <a:fontRef idx="minor"/>
+    </dgm:style>
+  </dgm:styleLbl>
+  <dgm:styleLbl name="fgAcc3">
+    <dgm:scene3d>
+      <a:camera prst="orthographicFront"/>
+      <a:lightRig rig="threePt" dir="t"/>
+    </dgm:scene3d>
+    <dgm:sp3d/>
+    <dgm:txPr/>
+    <dgm:style>
+      <a:lnRef idx="2">
+        <a:scrgbClr r="0" g="0" b="0"/>
+      </a:lnRef>
+      <a:fillRef idx="1">
+        <a:scrgbClr r="0" g="0" b="0"/>
+      </a:fillRef>
+      <a:effectRef idx="0">
+        <a:scrgbClr r="0" g="0" b="0"/>
+      </a:effectRef>
+      <a:fontRef idx="minor"/>
+    </dgm:style>
+  </dgm:styleLbl>
+  <dgm:styleLbl name="fgAcc4">
+    <dgm:scene3d>
+      <a:camera prst="orthographicFront"/>
+      <a:lightRig rig="threePt" dir="t"/>
+    </dgm:scene3d>
+    <dgm:sp3d/>
+    <dgm:txPr/>
+    <dgm:style>
+      <a:lnRef idx="2">
+        <a:scrgbClr r="0" g="0" b="0"/>
+      </a:lnRef>
+      <a:fillRef idx="1">
+        <a:scrgbClr r="0" g="0" b="0"/>
+      </a:fillRef>
+      <a:effectRef idx="0">
+        <a:scrgbClr r="0" g="0" b="0"/>
+      </a:effectRef>
+      <a:fontRef idx="minor"/>
+    </dgm:style>
+  </dgm:styleLbl>
+  <dgm:styleLbl name="bgShp">
+    <dgm:scene3d>
+      <a:camera prst="orthographicFront"/>
+      <a:lightRig rig="threePt" dir="t"/>
+    </dgm:scene3d>
+    <dgm:sp3d/>
+    <dgm:txPr/>
+    <dgm:style>
+      <a:lnRef idx="0">
+        <a:scrgbClr r="0" g="0" b="0"/>
+      </a:lnRef>
+      <a:fillRef idx="1">
+        <a:scrgbClr r="0" g="0" b="0"/>
+      </a:fillRef>
+      <a:effectRef idx="0">
+        <a:scrgbClr r="0" g="0" b="0"/>
+      </a:effectRef>
+      <a:fontRef idx="minor"/>
+    </dgm:style>
+  </dgm:styleLbl>
+  <dgm:styleLbl name="dkBgShp">
+    <dgm:scene3d>
+      <a:camera prst="orthographicFront"/>
+      <a:lightRig rig="threePt" dir="t"/>
+    </dgm:scene3d>
+    <dgm:sp3d/>
+    <dgm:txPr/>
+    <dgm:style>
+      <a:lnRef idx="0">
+        <a:scrgbClr r="0" g="0" b="0"/>
+      </a:lnRef>
+      <a:fillRef idx="1">
+        <a:scrgbClr r="0" g="0" b="0"/>
+      </a:fillRef>
+      <a:effectRef idx="0">
+        <a:scrgbClr r="0" g="0" b="0"/>
+      </a:effectRef>
+      <a:fontRef idx="minor"/>
+    </dgm:style>
+  </dgm:styleLbl>
+  <dgm:styleLbl name="trBgShp">
+    <dgm:scene3d>
+      <a:camera prst="orthographicFront"/>
+      <a:lightRig rig="threePt" dir="t"/>
+    </dgm:scene3d>
+    <dgm:sp3d/>
+    <dgm:txPr/>
+    <dgm:style>
+      <a:lnRef idx="0">
+        <a:scrgbClr r="0" g="0" b="0"/>
+      </a:lnRef>
+      <a:fillRef idx="1">
+        <a:scrgbClr r="0" g="0" b="0"/>
+      </a:fillRef>
+      <a:effectRef idx="0">
+        <a:scrgbClr r="0" g="0" b="0"/>
+      </a:effectRef>
+      <a:fontRef idx="minor"/>
+    </dgm:style>
+  </dgm:styleLbl>
+  <dgm:styleLbl name="fgShp">
+    <dgm:scene3d>
+      <a:camera prst="orthographicFront"/>
+      <a:lightRig rig="threePt" dir="t"/>
+    </dgm:scene3d>
+    <dgm:sp3d/>
+    <dgm:txPr/>
+    <dgm:style>
+      <a:lnRef idx="2">
+        <a:scrgbClr r="0" g="0" b="0"/>
+      </a:lnRef>
+      <a:fillRef idx="1">
+        <a:scrgbClr r="0" g="0" b="0"/>
+      </a:fillRef>
+      <a:effectRef idx="0">
+        <a:scrgbClr r="0" g="0" b="0"/>
+      </a:effectRef>
+      <a:fontRef idx="minor"/>
+    </dgm:style>
+  </dgm:styleLbl>
+  <dgm:styleLbl name="revTx">
+    <dgm:scene3d>
+      <a:camera prst="orthographicFront"/>
+      <a:lightRig rig="threePt" dir="t"/>
+    </dgm:scene3d>
+    <dgm:sp3d/>
+    <dgm:txPr/>
+    <dgm:style>
+      <a:lnRef idx="0">
+        <a:scrgbClr r="0" g="0" b="0"/>
+      </a:lnRef>
+      <a:fillRef idx="0">
+        <a:scrgbClr r="0" g="0" b="0"/>
+      </a:fillRef>
+      <a:effectRef idx="0">
+        <a:scrgbClr r="0" g="0" b="0"/>
+      </a:effectRef>
+      <a:fontRef idx="minor"/>
+    </dgm:style>
+  </dgm:styleLbl>
+</dgm:styleDef>
+</file>
+
+<file path=ppt/diagrams/quickStyle2.xml><?xml version="1.0" encoding="utf-8"?>
 <dgm:styleDef xmlns:dgm="http://schemas.openxmlformats.org/drawingml/2006/diagram" xmlns:a="http://schemas.openxmlformats.org/drawingml/2006/main" uniqueId="urn:microsoft.com/office/officeart/2005/8/quickstyle/simple1">
   <dgm:title val=""/>
   <dgm:desc val=""/>
@@ -3339,7 +7532,7 @@
           <a:p>
             <a:fld id="{52212DD0-AC62-4744-9C7F-4A9162E5F150}" type="datetimeFigureOut">
               <a:rPr lang="fr-FR" smtClean="0"/>
-              <a:t>13/11/2025</a:t>
+              <a:t>19/11/2025</a:t>
             </a:fld>
             <a:endParaRPr lang="fr-FR"/>
           </a:p>
@@ -3537,7 +7730,7 @@
           <a:p>
             <a:fld id="{52212DD0-AC62-4744-9C7F-4A9162E5F150}" type="datetimeFigureOut">
               <a:rPr lang="fr-FR" smtClean="0"/>
-              <a:t>13/11/2025</a:t>
+              <a:t>19/11/2025</a:t>
             </a:fld>
             <a:endParaRPr lang="fr-FR"/>
           </a:p>
@@ -3745,7 +7938,7 @@
           <a:p>
             <a:fld id="{52212DD0-AC62-4744-9C7F-4A9162E5F150}" type="datetimeFigureOut">
               <a:rPr lang="fr-FR" smtClean="0"/>
-              <a:t>13/11/2025</a:t>
+              <a:t>19/11/2025</a:t>
             </a:fld>
             <a:endParaRPr lang="fr-FR"/>
           </a:p>
@@ -3943,7 +8136,7 @@
           <a:p>
             <a:fld id="{52212DD0-AC62-4744-9C7F-4A9162E5F150}" type="datetimeFigureOut">
               <a:rPr lang="fr-FR" smtClean="0"/>
-              <a:t>13/11/2025</a:t>
+              <a:t>19/11/2025</a:t>
             </a:fld>
             <a:endParaRPr lang="fr-FR"/>
           </a:p>
@@ -4218,7 +8411,7 @@
           <a:p>
             <a:fld id="{52212DD0-AC62-4744-9C7F-4A9162E5F150}" type="datetimeFigureOut">
               <a:rPr lang="fr-FR" smtClean="0"/>
-              <a:t>13/11/2025</a:t>
+              <a:t>19/11/2025</a:t>
             </a:fld>
             <a:endParaRPr lang="fr-FR"/>
           </a:p>
@@ -4483,7 +8676,7 @@
           <a:p>
             <a:fld id="{52212DD0-AC62-4744-9C7F-4A9162E5F150}" type="datetimeFigureOut">
               <a:rPr lang="fr-FR" smtClean="0"/>
-              <a:t>13/11/2025</a:t>
+              <a:t>19/11/2025</a:t>
             </a:fld>
             <a:endParaRPr lang="fr-FR"/>
           </a:p>
@@ -4895,7 +9088,7 @@
           <a:p>
             <a:fld id="{52212DD0-AC62-4744-9C7F-4A9162E5F150}" type="datetimeFigureOut">
               <a:rPr lang="fr-FR" smtClean="0"/>
-              <a:t>13/11/2025</a:t>
+              <a:t>19/11/2025</a:t>
             </a:fld>
             <a:endParaRPr lang="fr-FR"/>
           </a:p>
@@ -5036,7 +9229,7 @@
           <a:p>
             <a:fld id="{52212DD0-AC62-4744-9C7F-4A9162E5F150}" type="datetimeFigureOut">
               <a:rPr lang="fr-FR" smtClean="0"/>
-              <a:t>13/11/2025</a:t>
+              <a:t>19/11/2025</a:t>
             </a:fld>
             <a:endParaRPr lang="fr-FR"/>
           </a:p>
@@ -5149,7 +9342,7 @@
           <a:p>
             <a:fld id="{52212DD0-AC62-4744-9C7F-4A9162E5F150}" type="datetimeFigureOut">
               <a:rPr lang="fr-FR" smtClean="0"/>
-              <a:t>13/11/2025</a:t>
+              <a:t>19/11/2025</a:t>
             </a:fld>
             <a:endParaRPr lang="fr-FR"/>
           </a:p>
@@ -5460,7 +9653,7 @@
           <a:p>
             <a:fld id="{52212DD0-AC62-4744-9C7F-4A9162E5F150}" type="datetimeFigureOut">
               <a:rPr lang="fr-FR" smtClean="0"/>
-              <a:t>13/11/2025</a:t>
+              <a:t>19/11/2025</a:t>
             </a:fld>
             <a:endParaRPr lang="fr-FR"/>
           </a:p>
@@ -5748,7 +9941,7 @@
           <a:p>
             <a:fld id="{52212DD0-AC62-4744-9C7F-4A9162E5F150}" type="datetimeFigureOut">
               <a:rPr lang="fr-FR" smtClean="0"/>
-              <a:t>13/11/2025</a:t>
+              <a:t>19/11/2025</a:t>
             </a:fld>
             <a:endParaRPr lang="fr-FR"/>
           </a:p>
@@ -5989,7 +10182,7 @@
           <a:p>
             <a:fld id="{52212DD0-AC62-4744-9C7F-4A9162E5F150}" type="datetimeFigureOut">
               <a:rPr lang="fr-FR" smtClean="0"/>
-              <a:t>13/11/2025</a:t>
+              <a:t>19/11/2025</a:t>
             </a:fld>
             <a:endParaRPr lang="fr-FR"/>
           </a:p>
@@ -6489,10 +10682,271 @@
           <a:chExt cx="0" cy="0"/>
         </a:xfrm>
       </p:grpSpPr>
+      <p:pic>
+        <p:nvPicPr>
+          <p:cNvPr id="3" name="Image 2" descr="Une image contenant texte, capture d’écran, Police&#10;&#10;Le contenu généré par l’IA peut être incorrect.">
+            <a:extLst>
+              <a:ext uri="{FF2B5EF4-FFF2-40B4-BE49-F238E27FC236}">
+                <a16:creationId xmlns:a16="http://schemas.microsoft.com/office/drawing/2014/main" id="{33F545DD-5B81-B4B9-1A18-E1C6DF0D6917}"/>
+              </a:ext>
+            </a:extLst>
+          </p:cNvPr>
+          <p:cNvPicPr>
+            <a:picLocks noChangeAspect="1"/>
+          </p:cNvPicPr>
+          <p:nvPr/>
+        </p:nvPicPr>
+        <p:blipFill>
+          <a:blip r:embed="rId2"/>
+          <a:stretch>
+            <a:fillRect/>
+          </a:stretch>
+        </p:blipFill>
+        <p:spPr>
+          <a:xfrm>
+            <a:off x="1128019" y="1809524"/>
+            <a:ext cx="9935962" cy="3238952"/>
+          </a:xfrm>
+          <a:prstGeom prst="rect">
+            <a:avLst/>
+          </a:prstGeom>
+        </p:spPr>
+      </p:pic>
     </p:spTree>
     <p:extLst>
       <p:ext uri="{BB962C8B-B14F-4D97-AF65-F5344CB8AC3E}">
         <p14:creationId xmlns:p14="http://schemas.microsoft.com/office/powerpoint/2010/main" val="3860504912"/>
+      </p:ext>
+    </p:extLst>
+  </p:cSld>
+  <p:clrMapOvr>
+    <a:masterClrMapping/>
+  </p:clrMapOvr>
+</p:sld>
+</file>
+
+<file path=ppt/slides/slide11.xml><?xml version="1.0" encoding="utf-8"?>
+<p:sld xmlns:a="http://schemas.openxmlformats.org/drawingml/2006/main" xmlns:r="http://schemas.openxmlformats.org/officeDocument/2006/relationships" xmlns:p="http://schemas.openxmlformats.org/presentationml/2006/main">
+  <p:cSld>
+    <p:spTree>
+      <p:nvGrpSpPr>
+        <p:cNvPr id="1" name=""/>
+        <p:cNvGrpSpPr/>
+        <p:nvPr/>
+      </p:nvGrpSpPr>
+      <p:grpSpPr>
+        <a:xfrm>
+          <a:off x="0" y="0"/>
+          <a:ext cx="0" cy="0"/>
+          <a:chOff x="0" y="0"/>
+          <a:chExt cx="0" cy="0"/>
+        </a:xfrm>
+      </p:grpSpPr>
+      <p:pic>
+        <p:nvPicPr>
+          <p:cNvPr id="3" name="Image 2" descr="Une image contenant texte, capture d’écran, Police&#10;&#10;Le contenu généré par l’IA peut être incorrect.">
+            <a:extLst>
+              <a:ext uri="{FF2B5EF4-FFF2-40B4-BE49-F238E27FC236}">
+                <a16:creationId xmlns:a16="http://schemas.microsoft.com/office/drawing/2014/main" id="{198EDC5C-ACD7-6BAC-6CCC-0C1C5521F9E4}"/>
+              </a:ext>
+            </a:extLst>
+          </p:cNvPr>
+          <p:cNvPicPr>
+            <a:picLocks noChangeAspect="1"/>
+          </p:cNvPicPr>
+          <p:nvPr/>
+        </p:nvPicPr>
+        <p:blipFill>
+          <a:blip r:embed="rId2"/>
+          <a:srcRect b="5360"/>
+          <a:stretch>
+            <a:fillRect/>
+          </a:stretch>
+        </p:blipFill>
+        <p:spPr>
+          <a:xfrm>
+            <a:off x="1842494" y="752102"/>
+            <a:ext cx="8507012" cy="5066808"/>
+          </a:xfrm>
+          <a:prstGeom prst="rect">
+            <a:avLst/>
+          </a:prstGeom>
+        </p:spPr>
+      </p:pic>
+    </p:spTree>
+    <p:extLst>
+      <p:ext uri="{BB962C8B-B14F-4D97-AF65-F5344CB8AC3E}">
+        <p14:creationId xmlns:p14="http://schemas.microsoft.com/office/powerpoint/2010/main" val="2148753852"/>
+      </p:ext>
+    </p:extLst>
+  </p:cSld>
+  <p:clrMapOvr>
+    <a:masterClrMapping/>
+  </p:clrMapOvr>
+</p:sld>
+</file>
+
+<file path=ppt/slides/slide12.xml><?xml version="1.0" encoding="utf-8"?>
+<p:sld xmlns:a="http://schemas.openxmlformats.org/drawingml/2006/main" xmlns:r="http://schemas.openxmlformats.org/officeDocument/2006/relationships" xmlns:p="http://schemas.openxmlformats.org/presentationml/2006/main">
+  <p:cSld>
+    <p:spTree>
+      <p:nvGrpSpPr>
+        <p:cNvPr id="1" name=""/>
+        <p:cNvGrpSpPr/>
+        <p:nvPr/>
+      </p:nvGrpSpPr>
+      <p:grpSpPr>
+        <a:xfrm>
+          <a:off x="0" y="0"/>
+          <a:ext cx="0" cy="0"/>
+          <a:chOff x="0" y="0"/>
+          <a:chExt cx="0" cy="0"/>
+        </a:xfrm>
+      </p:grpSpPr>
+      <p:grpSp>
+        <p:nvGrpSpPr>
+          <p:cNvPr id="8" name="Groupe 7">
+            <a:extLst>
+              <a:ext uri="{FF2B5EF4-FFF2-40B4-BE49-F238E27FC236}">
+                <a16:creationId xmlns:a16="http://schemas.microsoft.com/office/drawing/2014/main" id="{68EE7097-AFE6-6305-C0D1-EB3B6E1D6315}"/>
+              </a:ext>
+            </a:extLst>
+          </p:cNvPr>
+          <p:cNvGrpSpPr/>
+          <p:nvPr/>
+        </p:nvGrpSpPr>
+        <p:grpSpPr>
+          <a:xfrm>
+            <a:off x="1892856" y="0"/>
+            <a:ext cx="8406287" cy="4668197"/>
+            <a:chOff x="1892856" y="0"/>
+            <a:chExt cx="8406287" cy="4668197"/>
+          </a:xfrm>
+        </p:grpSpPr>
+        <p:pic>
+          <p:nvPicPr>
+            <p:cNvPr id="3" name="Image 2" descr="Une image contenant texte, capture d’écran, Police&#10;&#10;Le contenu généré par l’IA peut être incorrect.">
+              <a:extLst>
+                <a:ext uri="{FF2B5EF4-FFF2-40B4-BE49-F238E27FC236}">
+                  <a16:creationId xmlns:a16="http://schemas.microsoft.com/office/drawing/2014/main" id="{DACF0804-D04C-2D34-E6AD-22C708905697}"/>
+                </a:ext>
+              </a:extLst>
+            </p:cNvPr>
+            <p:cNvPicPr>
+              <a:picLocks noChangeAspect="1"/>
+            </p:cNvPicPr>
+            <p:nvPr/>
+          </p:nvPicPr>
+          <p:blipFill>
+            <a:blip r:embed="rId2"/>
+            <a:srcRect b="40404"/>
+            <a:stretch>
+              <a:fillRect/>
+            </a:stretch>
+          </p:blipFill>
+          <p:spPr>
+            <a:xfrm>
+              <a:off x="1892856" y="0"/>
+              <a:ext cx="8406287" cy="4087091"/>
+            </a:xfrm>
+            <a:prstGeom prst="rect">
+              <a:avLst/>
+            </a:prstGeom>
+          </p:spPr>
+        </p:pic>
+        <p:pic>
+          <p:nvPicPr>
+            <p:cNvPr id="7" name="Image 6">
+              <a:extLst>
+                <a:ext uri="{FF2B5EF4-FFF2-40B4-BE49-F238E27FC236}">
+                  <a16:creationId xmlns:a16="http://schemas.microsoft.com/office/drawing/2014/main" id="{D9C95974-EA15-5CFE-4E4B-8CAE6C8EB999}"/>
+                </a:ext>
+              </a:extLst>
+            </p:cNvPr>
+            <p:cNvPicPr>
+              <a:picLocks noChangeAspect="1"/>
+            </p:cNvPicPr>
+            <p:nvPr/>
+          </p:nvPicPr>
+          <p:blipFill>
+            <a:blip r:embed="rId3"/>
+            <a:stretch>
+              <a:fillRect/>
+            </a:stretch>
+          </p:blipFill>
+          <p:spPr>
+            <a:xfrm>
+              <a:off x="2154131" y="4087091"/>
+              <a:ext cx="8145012" cy="581106"/>
+            </a:xfrm>
+            <a:prstGeom prst="rect">
+              <a:avLst/>
+            </a:prstGeom>
+          </p:spPr>
+        </p:pic>
+      </p:grpSp>
+    </p:spTree>
+    <p:extLst>
+      <p:ext uri="{BB962C8B-B14F-4D97-AF65-F5344CB8AC3E}">
+        <p14:creationId xmlns:p14="http://schemas.microsoft.com/office/powerpoint/2010/main" val="1725344014"/>
+      </p:ext>
+    </p:extLst>
+  </p:cSld>
+  <p:clrMapOvr>
+    <a:masterClrMapping/>
+  </p:clrMapOvr>
+</p:sld>
+</file>
+
+<file path=ppt/slides/slide13.xml><?xml version="1.0" encoding="utf-8"?>
+<p:sld xmlns:a="http://schemas.openxmlformats.org/drawingml/2006/main" xmlns:r="http://schemas.openxmlformats.org/officeDocument/2006/relationships" xmlns:p="http://schemas.openxmlformats.org/presentationml/2006/main">
+  <p:cSld>
+    <p:spTree>
+      <p:nvGrpSpPr>
+        <p:cNvPr id="1" name=""/>
+        <p:cNvGrpSpPr/>
+        <p:nvPr/>
+      </p:nvGrpSpPr>
+      <p:grpSpPr>
+        <a:xfrm>
+          <a:off x="0" y="0"/>
+          <a:ext cx="0" cy="0"/>
+          <a:chOff x="0" y="0"/>
+          <a:chExt cx="0" cy="0"/>
+        </a:xfrm>
+      </p:grpSpPr>
+      <p:graphicFrame>
+        <p:nvGraphicFramePr>
+          <p:cNvPr id="2" name="Diagramme 1">
+            <a:extLst>
+              <a:ext uri="{FF2B5EF4-FFF2-40B4-BE49-F238E27FC236}">
+                <a16:creationId xmlns:a16="http://schemas.microsoft.com/office/drawing/2014/main" id="{4151AC4A-F8B3-FB4A-06FB-9E7E48E9E6F6}"/>
+              </a:ext>
+            </a:extLst>
+          </p:cNvPr>
+          <p:cNvGraphicFramePr/>
+          <p:nvPr>
+            <p:extLst>
+              <p:ext uri="{D42A27DB-BD31-4B8C-83A1-F6EECF244321}">
+                <p14:modId xmlns:p14="http://schemas.microsoft.com/office/powerpoint/2010/main" val="1659644626"/>
+              </p:ext>
+            </p:extLst>
+          </p:nvPr>
+        </p:nvGraphicFramePr>
+        <p:xfrm>
+          <a:off x="2032000" y="719666"/>
+          <a:ext cx="8128000" cy="5418667"/>
+        </p:xfrm>
+        <a:graphic>
+          <a:graphicData uri="http://schemas.openxmlformats.org/drawingml/2006/diagram">
+            <dgm:relIds xmlns:dgm="http://schemas.openxmlformats.org/drawingml/2006/diagram" xmlns:r="http://schemas.openxmlformats.org/officeDocument/2006/relationships" r:dm="rId2" r:lo="rId3" r:qs="rId4" r:cs="rId5"/>
+          </a:graphicData>
+        </a:graphic>
+      </p:graphicFrame>
+    </p:spTree>
+    <p:extLst>
+      <p:ext uri="{BB962C8B-B14F-4D97-AF65-F5344CB8AC3E}">
+        <p14:creationId xmlns:p14="http://schemas.microsoft.com/office/powerpoint/2010/main" val="3435432666"/>
       </p:ext>
     </p:extLst>
   </p:cSld>
@@ -7059,6 +11513,42 @@
           <a:chExt cx="0" cy="0"/>
         </a:xfrm>
       </p:grpSpPr>
+      <p:pic>
+        <p:nvPicPr>
+          <p:cNvPr id="5" name="Image 4" descr="Une image contenant texte, capture d’écran, Police&#10;&#10;Le contenu généré par l’IA peut être incorrect.">
+            <a:extLst>
+              <a:ext uri="{FF2B5EF4-FFF2-40B4-BE49-F238E27FC236}">
+                <a16:creationId xmlns:a16="http://schemas.microsoft.com/office/drawing/2014/main" id="{E2E70532-5BD9-58EC-BA80-91F296683E7D}"/>
+              </a:ext>
+            </a:extLst>
+          </p:cNvPr>
+          <p:cNvPicPr>
+            <a:picLocks noChangeAspect="1"/>
+          </p:cNvPicPr>
+          <p:nvPr/>
+        </p:nvPicPr>
+        <p:blipFill>
+          <a:blip r:embed="rId2">
+            <a:extLst>
+              <a:ext uri="{28A0092B-C50C-407E-A947-70E740481C1C}">
+                <a14:useLocalDpi xmlns:a14="http://schemas.microsoft.com/office/drawing/2010/main" val="0"/>
+              </a:ext>
+            </a:extLst>
+          </a:blip>
+          <a:stretch>
+            <a:fillRect/>
+          </a:stretch>
+        </p:blipFill>
+        <p:spPr>
+          <a:xfrm>
+            <a:off x="0" y="0"/>
+            <a:ext cx="8668960" cy="3581900"/>
+          </a:xfrm>
+          <a:prstGeom prst="rect">
+            <a:avLst/>
+          </a:prstGeom>
+        </p:spPr>
+      </p:pic>
     </p:spTree>
     <p:extLst>
       <p:ext uri="{BB962C8B-B14F-4D97-AF65-F5344CB8AC3E}">
